--- a/Licenta2018DomnaruAlexandru/Prezentare.pptx
+++ b/Licenta2018DomnaruAlexandru/Prezentare.pptx
@@ -5,7 +5,7 @@
     <p:sldMasterId id="2147483840" r:id="rId1"/>
   </p:sldMasterIdLst>
   <p:notesMasterIdLst>
-    <p:notesMasterId r:id="rId28"/>
+    <p:notesMasterId r:id="rId31"/>
   </p:notesMasterIdLst>
   <p:sldIdLst>
     <p:sldId id="256" r:id="rId2"/>
@@ -18,22 +18,25 @@
     <p:sldId id="265" r:id="rId9"/>
     <p:sldId id="266" r:id="rId10"/>
     <p:sldId id="264" r:id="rId11"/>
-    <p:sldId id="267" r:id="rId12"/>
-    <p:sldId id="268" r:id="rId13"/>
-    <p:sldId id="269" r:id="rId14"/>
-    <p:sldId id="270" r:id="rId15"/>
-    <p:sldId id="271" r:id="rId16"/>
-    <p:sldId id="272" r:id="rId17"/>
-    <p:sldId id="273" r:id="rId18"/>
-    <p:sldId id="274" r:id="rId19"/>
-    <p:sldId id="275" r:id="rId20"/>
-    <p:sldId id="276" r:id="rId21"/>
-    <p:sldId id="277" r:id="rId22"/>
-    <p:sldId id="278" r:id="rId23"/>
-    <p:sldId id="279" r:id="rId24"/>
-    <p:sldId id="280" r:id="rId25"/>
-    <p:sldId id="281" r:id="rId26"/>
-    <p:sldId id="282" r:id="rId27"/>
+    <p:sldId id="283" r:id="rId12"/>
+    <p:sldId id="284" r:id="rId13"/>
+    <p:sldId id="268" r:id="rId14"/>
+    <p:sldId id="269" r:id="rId15"/>
+    <p:sldId id="270" r:id="rId16"/>
+    <p:sldId id="271" r:id="rId17"/>
+    <p:sldId id="285" r:id="rId18"/>
+    <p:sldId id="286" r:id="rId19"/>
+    <p:sldId id="287" r:id="rId20"/>
+    <p:sldId id="272" r:id="rId21"/>
+    <p:sldId id="273" r:id="rId22"/>
+    <p:sldId id="274" r:id="rId23"/>
+    <p:sldId id="275" r:id="rId24"/>
+    <p:sldId id="276" r:id="rId25"/>
+    <p:sldId id="277" r:id="rId26"/>
+    <p:sldId id="278" r:id="rId27"/>
+    <p:sldId id="279" r:id="rId28"/>
+    <p:sldId id="281" r:id="rId29"/>
+    <p:sldId id="282" r:id="rId30"/>
   </p:sldIdLst>
   <p:sldSz cx="12192000" cy="6858000"/>
   <p:notesSz cx="6858000" cy="9144000"/>
@@ -132,6 +135,11 @@
       </a:defRPr>
     </a:lvl9pPr>
   </p:defaultTextStyle>
+  <p:extLst>
+    <p:ext uri="{EFAFB233-063F-42B5-8137-9DF3F51BA10A}">
+      <p15:sldGuideLst xmlns:p15="http://schemas.microsoft.com/office/powerpoint/2012/main"/>
+    </p:ext>
+  </p:extLst>
 </p:presentation>
 </file>
 
@@ -217,7 +225,7 @@
           <a:p>
             <a:fld id="{20717945-59DC-4A2A-B5C8-9EC8422E2DB4}" type="datetimeFigureOut">
               <a:rPr lang="ro-RO" smtClean="0"/>
-              <a:t>10.02.2019</a:t>
+              <a:t>11.02.2019</a:t>
             </a:fld>
             <a:endParaRPr lang="ro-RO"/>
           </a:p>
@@ -615,7 +623,19 @@
           <a:p>
             <a:r>
               <a:rPr lang="ro-RO" dirty="0" smtClean="0"/>
-              <a:t>Demo 1 LSB, 2 LSB, 4 LSB</a:t>
+              <a:t>Algoritm basic, nesigur, pentru</a:t>
+            </a:r>
+            <a:r>
+              <a:rPr lang="ro-RO" baseline="0" dirty="0" smtClean="0"/>
+              <a:t> LSB mulți -</a:t>
+            </a:r>
+            <a:r>
+              <a:rPr lang="en-GB" baseline="0" dirty="0" smtClean="0"/>
+              <a:t>&gt; </a:t>
+            </a:r>
+            <a:r>
+              <a:rPr lang="ro-RO" baseline="0" dirty="0" smtClean="0"/>
+              <a:t>distorsiune mare</a:t>
             </a:r>
             <a:endParaRPr lang="ro-RO" dirty="0"/>
           </a:p>
@@ -638,7 +658,7 @@
           <a:p>
             <a:fld id="{D6E58354-0DDD-4F56-854A-9EE0DD222908}" type="slidenum">
               <a:rPr lang="ro-RO" smtClean="0"/>
-              <a:t>11</a:t>
+              <a:t>13</a:t>
             </a:fld>
             <a:endParaRPr lang="ro-RO"/>
           </a:p>
@@ -647,7 +667,925 @@
     </p:spTree>
     <p:extLst>
       <p:ext uri="{BB962C8B-B14F-4D97-AF65-F5344CB8AC3E}">
-        <p14:creationId xmlns:p14="http://schemas.microsoft.com/office/powerpoint/2010/main" val="3006594375"/>
+        <p14:creationId xmlns:p14="http://schemas.microsoft.com/office/powerpoint/2010/main" val="3846315146"/>
+      </p:ext>
+    </p:extLst>
+  </p:cSld>
+  <p:clrMapOvr>
+    <a:masterClrMapping/>
+  </p:clrMapOvr>
+</p:notes>
+</file>
+
+<file path=ppt/notesSlides/notesSlide11.xml><?xml version="1.0" encoding="utf-8"?>
+<p:notes xmlns:a="http://schemas.openxmlformats.org/drawingml/2006/main" xmlns:r="http://schemas.openxmlformats.org/officeDocument/2006/relationships" xmlns:p="http://schemas.openxmlformats.org/presentationml/2006/main">
+  <p:cSld>
+    <p:spTree>
+      <p:nvGrpSpPr>
+        <p:cNvPr id="1" name=""/>
+        <p:cNvGrpSpPr/>
+        <p:nvPr/>
+      </p:nvGrpSpPr>
+      <p:grpSpPr>
+        <a:xfrm>
+          <a:off x="0" y="0"/>
+          <a:ext cx="0" cy="0"/>
+          <a:chOff x="0" y="0"/>
+          <a:chExt cx="0" cy="0"/>
+        </a:xfrm>
+      </p:grpSpPr>
+      <p:sp>
+        <p:nvSpPr>
+          <p:cNvPr id="2" name="Slide Image Placeholder 1"/>
+          <p:cNvSpPr>
+            <a:spLocks noGrp="1" noRot="1" noChangeAspect="1"/>
+          </p:cNvSpPr>
+          <p:nvPr>
+            <p:ph type="sldImg"/>
+          </p:nvPr>
+        </p:nvSpPr>
+        <p:spPr/>
+      </p:sp>
+      <p:sp>
+        <p:nvSpPr>
+          <p:cNvPr id="3" name="Notes Placeholder 2"/>
+          <p:cNvSpPr>
+            <a:spLocks noGrp="1"/>
+          </p:cNvSpPr>
+          <p:nvPr>
+            <p:ph type="body" idx="1"/>
+          </p:nvPr>
+        </p:nvSpPr>
+        <p:spPr/>
+        <p:txBody>
+          <a:bodyPr/>
+          <a:lstStyle/>
+          <a:p>
+            <a:endParaRPr lang="ro-RO" dirty="0"/>
+          </a:p>
+        </p:txBody>
+      </p:sp>
+      <p:sp>
+        <p:nvSpPr>
+          <p:cNvPr id="4" name="Slide Number Placeholder 3"/>
+          <p:cNvSpPr>
+            <a:spLocks noGrp="1"/>
+          </p:cNvSpPr>
+          <p:nvPr>
+            <p:ph type="sldNum" sz="quarter" idx="10"/>
+          </p:nvPr>
+        </p:nvSpPr>
+        <p:spPr/>
+        <p:txBody>
+          <a:bodyPr/>
+          <a:lstStyle/>
+          <a:p>
+            <a:fld id="{D6E58354-0DDD-4F56-854A-9EE0DD222908}" type="slidenum">
+              <a:rPr lang="ro-RO" smtClean="0"/>
+              <a:t>14</a:t>
+            </a:fld>
+            <a:endParaRPr lang="ro-RO"/>
+          </a:p>
+        </p:txBody>
+      </p:sp>
+    </p:spTree>
+    <p:extLst>
+      <p:ext uri="{BB962C8B-B14F-4D97-AF65-F5344CB8AC3E}">
+        <p14:creationId xmlns:p14="http://schemas.microsoft.com/office/powerpoint/2010/main" val="599124375"/>
+      </p:ext>
+    </p:extLst>
+  </p:cSld>
+  <p:clrMapOvr>
+    <a:masterClrMapping/>
+  </p:clrMapOvr>
+</p:notes>
+</file>
+
+<file path=ppt/notesSlides/notesSlide12.xml><?xml version="1.0" encoding="utf-8"?>
+<p:notes xmlns:a="http://schemas.openxmlformats.org/drawingml/2006/main" xmlns:r="http://schemas.openxmlformats.org/officeDocument/2006/relationships" xmlns:p="http://schemas.openxmlformats.org/presentationml/2006/main">
+  <p:cSld>
+    <p:spTree>
+      <p:nvGrpSpPr>
+        <p:cNvPr id="1" name=""/>
+        <p:cNvGrpSpPr/>
+        <p:nvPr/>
+      </p:nvGrpSpPr>
+      <p:grpSpPr>
+        <a:xfrm>
+          <a:off x="0" y="0"/>
+          <a:ext cx="0" cy="0"/>
+          <a:chOff x="0" y="0"/>
+          <a:chExt cx="0" cy="0"/>
+        </a:xfrm>
+      </p:grpSpPr>
+      <p:sp>
+        <p:nvSpPr>
+          <p:cNvPr id="2" name="Slide Image Placeholder 1"/>
+          <p:cNvSpPr>
+            <a:spLocks noGrp="1" noRot="1" noChangeAspect="1"/>
+          </p:cNvSpPr>
+          <p:nvPr>
+            <p:ph type="sldImg"/>
+          </p:nvPr>
+        </p:nvSpPr>
+        <p:spPr/>
+      </p:sp>
+      <p:sp>
+        <p:nvSpPr>
+          <p:cNvPr id="3" name="Notes Placeholder 2"/>
+          <p:cNvSpPr>
+            <a:spLocks noGrp="1"/>
+          </p:cNvSpPr>
+          <p:nvPr>
+            <p:ph type="body" idx="1"/>
+          </p:nvPr>
+        </p:nvSpPr>
+        <p:spPr/>
+        <p:txBody>
+          <a:bodyPr/>
+          <a:lstStyle/>
+          <a:p>
+            <a:r>
+              <a:rPr lang="ro-RO" dirty="0" smtClean="0"/>
+              <a:t>Lungimea intervalului</a:t>
+            </a:r>
+            <a:r>
+              <a:rPr lang="ro-RO" baseline="0" dirty="0" smtClean="0"/>
+              <a:t> =</a:t>
+            </a:r>
+            <a:r>
+              <a:rPr lang="en-GB" baseline="0" dirty="0" smtClean="0"/>
+              <a:t>&gt; </a:t>
+            </a:r>
+            <a:r>
+              <a:rPr lang="ro-RO" baseline="0" dirty="0" smtClean="0"/>
+              <a:t>numarul de biti incorporati</a:t>
+            </a:r>
+            <a:endParaRPr lang="ro-RO" dirty="0" smtClean="0"/>
+          </a:p>
+          <a:p>
+            <a:r>
+              <a:rPr lang="ro-RO" dirty="0" smtClean="0"/>
+              <a:t>Lungimea intervalului = o putere a lui 2 -</a:t>
+            </a:r>
+            <a:r>
+              <a:rPr lang="ro-RO" baseline="0" dirty="0" smtClean="0"/>
+              <a:t> </a:t>
+            </a:r>
+            <a:r>
+              <a:rPr lang="ro-RO" dirty="0" smtClean="0"/>
+              <a:t>log</a:t>
+            </a:r>
+            <a:r>
+              <a:rPr lang="ro-RO" baseline="-25000" dirty="0" smtClean="0"/>
+              <a:t>2</a:t>
+            </a:r>
+            <a:r>
+              <a:rPr lang="ro-RO" dirty="0" smtClean="0"/>
+              <a:t>(u</a:t>
+            </a:r>
+            <a:r>
+              <a:rPr lang="ro-RO" baseline="-25000" dirty="0" smtClean="0"/>
+              <a:t>i</a:t>
+            </a:r>
+            <a:r>
+              <a:rPr lang="ro-RO" baseline="0" dirty="0" smtClean="0"/>
+              <a:t> – l</a:t>
+            </a:r>
+            <a:r>
+              <a:rPr lang="ro-RO" baseline="-25000" dirty="0" smtClean="0"/>
+              <a:t>i</a:t>
+            </a:r>
+            <a:r>
+              <a:rPr lang="ro-RO" baseline="0" dirty="0" smtClean="0"/>
+              <a:t> + 1)</a:t>
+            </a:r>
+            <a:endParaRPr lang="ro-RO" dirty="0"/>
+          </a:p>
+        </p:txBody>
+      </p:sp>
+      <p:sp>
+        <p:nvSpPr>
+          <p:cNvPr id="4" name="Slide Number Placeholder 3"/>
+          <p:cNvSpPr>
+            <a:spLocks noGrp="1"/>
+          </p:cNvSpPr>
+          <p:nvPr>
+            <p:ph type="sldNum" sz="quarter" idx="10"/>
+          </p:nvPr>
+        </p:nvSpPr>
+        <p:spPr/>
+        <p:txBody>
+          <a:bodyPr/>
+          <a:lstStyle/>
+          <a:p>
+            <a:fld id="{D6E58354-0DDD-4F56-854A-9EE0DD222908}" type="slidenum">
+              <a:rPr lang="ro-RO" smtClean="0"/>
+              <a:t>15</a:t>
+            </a:fld>
+            <a:endParaRPr lang="ro-RO"/>
+          </a:p>
+        </p:txBody>
+      </p:sp>
+    </p:spTree>
+    <p:extLst>
+      <p:ext uri="{BB962C8B-B14F-4D97-AF65-F5344CB8AC3E}">
+        <p14:creationId xmlns:p14="http://schemas.microsoft.com/office/powerpoint/2010/main" val="1002538802"/>
+      </p:ext>
+    </p:extLst>
+  </p:cSld>
+  <p:clrMapOvr>
+    <a:masterClrMapping/>
+  </p:clrMapOvr>
+</p:notes>
+</file>
+
+<file path=ppt/notesSlides/notesSlide13.xml><?xml version="1.0" encoding="utf-8"?>
+<p:notes xmlns:a="http://schemas.openxmlformats.org/drawingml/2006/main" xmlns:r="http://schemas.openxmlformats.org/officeDocument/2006/relationships" xmlns:p="http://schemas.openxmlformats.org/presentationml/2006/main">
+  <p:cSld>
+    <p:spTree>
+      <p:nvGrpSpPr>
+        <p:cNvPr id="1" name=""/>
+        <p:cNvGrpSpPr/>
+        <p:nvPr/>
+      </p:nvGrpSpPr>
+      <p:grpSpPr>
+        <a:xfrm>
+          <a:off x="0" y="0"/>
+          <a:ext cx="0" cy="0"/>
+          <a:chOff x="0" y="0"/>
+          <a:chExt cx="0" cy="0"/>
+        </a:xfrm>
+      </p:grpSpPr>
+      <p:sp>
+        <p:nvSpPr>
+          <p:cNvPr id="2" name="Slide Image Placeholder 1"/>
+          <p:cNvSpPr>
+            <a:spLocks noGrp="1" noRot="1" noChangeAspect="1"/>
+          </p:cNvSpPr>
+          <p:nvPr>
+            <p:ph type="sldImg"/>
+          </p:nvPr>
+        </p:nvSpPr>
+        <p:spPr/>
+      </p:sp>
+      <p:sp>
+        <p:nvSpPr>
+          <p:cNvPr id="3" name="Notes Placeholder 2"/>
+          <p:cNvSpPr>
+            <a:spLocks noGrp="1"/>
+          </p:cNvSpPr>
+          <p:nvPr>
+            <p:ph type="body" idx="1"/>
+          </p:nvPr>
+        </p:nvSpPr>
+        <p:spPr/>
+        <p:txBody>
+          <a:bodyPr/>
+          <a:lstStyle/>
+          <a:p>
+            <a:r>
+              <a:rPr lang="ro-RO" dirty="0" smtClean="0"/>
+              <a:t>Diferența nouă aparține aceluiași</a:t>
+            </a:r>
+            <a:r>
+              <a:rPr lang="ro-RO" baseline="0" dirty="0" smtClean="0"/>
+              <a:t> interval în care a fost d</a:t>
+            </a:r>
+            <a:endParaRPr lang="ro-RO" dirty="0"/>
+          </a:p>
+        </p:txBody>
+      </p:sp>
+      <p:sp>
+        <p:nvSpPr>
+          <p:cNvPr id="4" name="Slide Number Placeholder 3"/>
+          <p:cNvSpPr>
+            <a:spLocks noGrp="1"/>
+          </p:cNvSpPr>
+          <p:nvPr>
+            <p:ph type="sldNum" sz="quarter" idx="10"/>
+          </p:nvPr>
+        </p:nvSpPr>
+        <p:spPr/>
+        <p:txBody>
+          <a:bodyPr/>
+          <a:lstStyle/>
+          <a:p>
+            <a:fld id="{D6E58354-0DDD-4F56-854A-9EE0DD222908}" type="slidenum">
+              <a:rPr lang="ro-RO" smtClean="0"/>
+              <a:t>16</a:t>
+            </a:fld>
+            <a:endParaRPr lang="ro-RO"/>
+          </a:p>
+        </p:txBody>
+      </p:sp>
+    </p:spTree>
+    <p:extLst>
+      <p:ext uri="{BB962C8B-B14F-4D97-AF65-F5344CB8AC3E}">
+        <p14:creationId xmlns:p14="http://schemas.microsoft.com/office/powerpoint/2010/main" val="1616589297"/>
+      </p:ext>
+    </p:extLst>
+  </p:cSld>
+  <p:clrMapOvr>
+    <a:masterClrMapping/>
+  </p:clrMapOvr>
+</p:notes>
+</file>
+
+<file path=ppt/notesSlides/notesSlide14.xml><?xml version="1.0" encoding="utf-8"?>
+<p:notes xmlns:a="http://schemas.openxmlformats.org/drawingml/2006/main" xmlns:r="http://schemas.openxmlformats.org/officeDocument/2006/relationships" xmlns:p="http://schemas.openxmlformats.org/presentationml/2006/main">
+  <p:cSld>
+    <p:spTree>
+      <p:nvGrpSpPr>
+        <p:cNvPr id="1" name=""/>
+        <p:cNvGrpSpPr/>
+        <p:nvPr/>
+      </p:nvGrpSpPr>
+      <p:grpSpPr>
+        <a:xfrm>
+          <a:off x="0" y="0"/>
+          <a:ext cx="0" cy="0"/>
+          <a:chOff x="0" y="0"/>
+          <a:chExt cx="0" cy="0"/>
+        </a:xfrm>
+      </p:grpSpPr>
+      <p:sp>
+        <p:nvSpPr>
+          <p:cNvPr id="2" name="Slide Image Placeholder 1"/>
+          <p:cNvSpPr>
+            <a:spLocks noGrp="1" noRot="1" noChangeAspect="1"/>
+          </p:cNvSpPr>
+          <p:nvPr>
+            <p:ph type="sldImg"/>
+          </p:nvPr>
+        </p:nvSpPr>
+        <p:spPr/>
+      </p:sp>
+      <p:sp>
+        <p:nvSpPr>
+          <p:cNvPr id="3" name="Notes Placeholder 2"/>
+          <p:cNvSpPr>
+            <a:spLocks noGrp="1"/>
+          </p:cNvSpPr>
+          <p:nvPr>
+            <p:ph type="body" idx="1"/>
+          </p:nvPr>
+        </p:nvSpPr>
+        <p:spPr/>
+        <p:txBody>
+          <a:bodyPr/>
+          <a:lstStyle/>
+          <a:p>
+            <a:r>
+              <a:rPr lang="ro-RO" dirty="0" smtClean="0"/>
+              <a:t>VORBESTE DESPRE</a:t>
+            </a:r>
+            <a:r>
+              <a:rPr lang="ro-RO" baseline="0" dirty="0" smtClean="0"/>
+              <a:t> EXTRAGERE RAPID</a:t>
+            </a:r>
+            <a:endParaRPr lang="ro-RO" dirty="0"/>
+          </a:p>
+        </p:txBody>
+      </p:sp>
+      <p:sp>
+        <p:nvSpPr>
+          <p:cNvPr id="4" name="Slide Number Placeholder 3"/>
+          <p:cNvSpPr>
+            <a:spLocks noGrp="1"/>
+          </p:cNvSpPr>
+          <p:nvPr>
+            <p:ph type="sldNum" sz="quarter" idx="10"/>
+          </p:nvPr>
+        </p:nvSpPr>
+        <p:spPr/>
+        <p:txBody>
+          <a:bodyPr/>
+          <a:lstStyle/>
+          <a:p>
+            <a:fld id="{D6E58354-0DDD-4F56-854A-9EE0DD222908}" type="slidenum">
+              <a:rPr lang="ro-RO" smtClean="0"/>
+              <a:t>19</a:t>
+            </a:fld>
+            <a:endParaRPr lang="ro-RO"/>
+          </a:p>
+        </p:txBody>
+      </p:sp>
+    </p:spTree>
+    <p:extLst>
+      <p:ext uri="{BB962C8B-B14F-4D97-AF65-F5344CB8AC3E}">
+        <p14:creationId xmlns:p14="http://schemas.microsoft.com/office/powerpoint/2010/main" val="3579733110"/>
+      </p:ext>
+    </p:extLst>
+  </p:cSld>
+  <p:clrMapOvr>
+    <a:masterClrMapping/>
+  </p:clrMapOvr>
+</p:notes>
+</file>
+
+<file path=ppt/notesSlides/notesSlide15.xml><?xml version="1.0" encoding="utf-8"?>
+<p:notes xmlns:a="http://schemas.openxmlformats.org/drawingml/2006/main" xmlns:r="http://schemas.openxmlformats.org/officeDocument/2006/relationships" xmlns:p="http://schemas.openxmlformats.org/presentationml/2006/main">
+  <p:cSld>
+    <p:spTree>
+      <p:nvGrpSpPr>
+        <p:cNvPr id="1" name=""/>
+        <p:cNvGrpSpPr/>
+        <p:nvPr/>
+      </p:nvGrpSpPr>
+      <p:grpSpPr>
+        <a:xfrm>
+          <a:off x="0" y="0"/>
+          <a:ext cx="0" cy="0"/>
+          <a:chOff x="0" y="0"/>
+          <a:chExt cx="0" cy="0"/>
+        </a:xfrm>
+      </p:grpSpPr>
+      <p:sp>
+        <p:nvSpPr>
+          <p:cNvPr id="2" name="Slide Image Placeholder 1"/>
+          <p:cNvSpPr>
+            <a:spLocks noGrp="1" noRot="1" noChangeAspect="1"/>
+          </p:cNvSpPr>
+          <p:nvPr>
+            <p:ph type="sldImg"/>
+          </p:nvPr>
+        </p:nvSpPr>
+        <p:spPr/>
+      </p:sp>
+      <p:sp>
+        <p:nvSpPr>
+          <p:cNvPr id="3" name="Notes Placeholder 2"/>
+          <p:cNvSpPr>
+            <a:spLocks noGrp="1"/>
+          </p:cNvSpPr>
+          <p:nvPr>
+            <p:ph type="body" idx="1"/>
+          </p:nvPr>
+        </p:nvSpPr>
+        <p:spPr/>
+        <p:txBody>
+          <a:bodyPr/>
+          <a:lstStyle/>
+          <a:p>
+            <a:r>
+              <a:rPr lang="ro-RO" dirty="0" smtClean="0"/>
+              <a:t>Mai</a:t>
+            </a:r>
+            <a:r>
+              <a:rPr lang="ro-RO" baseline="0" dirty="0" smtClean="0"/>
+              <a:t> bun decat LSB prin faptul ca mesajul este încorporat uniform, nu sunt vizibile diferentele, permite un numar mare de date deoarece foloseste toata imaginea. Securitate asigurata de faptul ca datele nu sunt incorporate direct in pixel, ci in diferenta lor.</a:t>
+            </a:r>
+            <a:endParaRPr lang="ro-RO" dirty="0"/>
+          </a:p>
+        </p:txBody>
+      </p:sp>
+      <p:sp>
+        <p:nvSpPr>
+          <p:cNvPr id="4" name="Slide Number Placeholder 3"/>
+          <p:cNvSpPr>
+            <a:spLocks noGrp="1"/>
+          </p:cNvSpPr>
+          <p:nvPr>
+            <p:ph type="sldNum" sz="quarter" idx="10"/>
+          </p:nvPr>
+        </p:nvSpPr>
+        <p:spPr/>
+        <p:txBody>
+          <a:bodyPr/>
+          <a:lstStyle/>
+          <a:p>
+            <a:fld id="{D6E58354-0DDD-4F56-854A-9EE0DD222908}" type="slidenum">
+              <a:rPr lang="ro-RO" smtClean="0"/>
+              <a:t>20</a:t>
+            </a:fld>
+            <a:endParaRPr lang="ro-RO"/>
+          </a:p>
+        </p:txBody>
+      </p:sp>
+    </p:spTree>
+    <p:extLst>
+      <p:ext uri="{BB962C8B-B14F-4D97-AF65-F5344CB8AC3E}">
+        <p14:creationId xmlns:p14="http://schemas.microsoft.com/office/powerpoint/2010/main" val="2777817036"/>
+      </p:ext>
+    </p:extLst>
+  </p:cSld>
+  <p:clrMapOvr>
+    <a:masterClrMapping/>
+  </p:clrMapOvr>
+</p:notes>
+</file>
+
+<file path=ppt/notesSlides/notesSlide16.xml><?xml version="1.0" encoding="utf-8"?>
+<p:notes xmlns:a="http://schemas.openxmlformats.org/drawingml/2006/main" xmlns:r="http://schemas.openxmlformats.org/officeDocument/2006/relationships" xmlns:p="http://schemas.openxmlformats.org/presentationml/2006/main">
+  <p:cSld>
+    <p:spTree>
+      <p:nvGrpSpPr>
+        <p:cNvPr id="1" name=""/>
+        <p:cNvGrpSpPr/>
+        <p:nvPr/>
+      </p:nvGrpSpPr>
+      <p:grpSpPr>
+        <a:xfrm>
+          <a:off x="0" y="0"/>
+          <a:ext cx="0" cy="0"/>
+          <a:chOff x="0" y="0"/>
+          <a:chExt cx="0" cy="0"/>
+        </a:xfrm>
+      </p:grpSpPr>
+      <p:sp>
+        <p:nvSpPr>
+          <p:cNvPr id="2" name="Slide Image Placeholder 1"/>
+          <p:cNvSpPr>
+            <a:spLocks noGrp="1" noRot="1" noChangeAspect="1"/>
+          </p:cNvSpPr>
+          <p:nvPr>
+            <p:ph type="sldImg"/>
+          </p:nvPr>
+        </p:nvSpPr>
+        <p:spPr/>
+      </p:sp>
+      <p:sp>
+        <p:nvSpPr>
+          <p:cNvPr id="3" name="Notes Placeholder 2"/>
+          <p:cNvSpPr>
+            <a:spLocks noGrp="1"/>
+          </p:cNvSpPr>
+          <p:nvPr>
+            <p:ph type="body" idx="1"/>
+          </p:nvPr>
+        </p:nvSpPr>
+        <p:spPr/>
+        <p:txBody>
+          <a:bodyPr/>
+          <a:lstStyle/>
+          <a:p>
+            <a:r>
+              <a:rPr lang="en-GB" dirty="0" err="1" smtClean="0"/>
+              <a:t>Matricea</a:t>
+            </a:r>
+            <a:r>
+              <a:rPr lang="en-GB" baseline="0" dirty="0" smtClean="0"/>
+              <a:t> </a:t>
+            </a:r>
+            <a:r>
+              <a:rPr lang="en-GB" baseline="0" dirty="0" err="1" smtClean="0"/>
+              <a:t>gaussiana</a:t>
+            </a:r>
+            <a:r>
+              <a:rPr lang="en-GB" baseline="0" dirty="0" smtClean="0"/>
+              <a:t> because blurring</a:t>
+            </a:r>
+            <a:endParaRPr lang="ro-RO" baseline="0" dirty="0" smtClean="0"/>
+          </a:p>
+          <a:p>
+            <a:r>
+              <a:rPr lang="ro-RO" baseline="0" dirty="0" smtClean="0"/>
+              <a:t>Mascam pentru că dacă am folosi imaginea asa cum e, dupa stego, s-ar putea să obț muchii diferite</a:t>
+            </a:r>
+          </a:p>
+          <a:p>
+            <a:r>
+              <a:rPr lang="ro-RO" baseline="0" dirty="0" smtClean="0"/>
+              <a:t>Folosim 252 because 2 lsb</a:t>
+            </a:r>
+            <a:endParaRPr lang="en-GB" baseline="0" dirty="0" smtClean="0"/>
+          </a:p>
+          <a:p>
+            <a:r>
+              <a:rPr lang="en-GB" baseline="0" dirty="0" err="1" smtClean="0"/>
+              <a:t>Necesar</a:t>
+            </a:r>
+            <a:r>
+              <a:rPr lang="en-GB" baseline="0" dirty="0" smtClean="0"/>
+              <a:t> un pas </a:t>
+            </a:r>
+            <a:r>
+              <a:rPr lang="en-GB" baseline="0" dirty="0" err="1" smtClean="0"/>
+              <a:t>intermediar</a:t>
+            </a:r>
+            <a:r>
+              <a:rPr lang="en-GB" baseline="0" dirty="0" smtClean="0"/>
+              <a:t> </a:t>
+            </a:r>
+            <a:r>
+              <a:rPr lang="en-GB" baseline="0" dirty="0" err="1" smtClean="0"/>
+              <a:t>pentru</a:t>
+            </a:r>
+            <a:r>
+              <a:rPr lang="en-GB" baseline="0" dirty="0" smtClean="0"/>
+              <a:t> a </a:t>
+            </a:r>
+            <a:r>
+              <a:rPr lang="en-GB" baseline="0" dirty="0" err="1" smtClean="0"/>
+              <a:t>determina</a:t>
+            </a:r>
+            <a:r>
+              <a:rPr lang="en-GB" baseline="0" dirty="0" smtClean="0"/>
+              <a:t> threshold -&gt; next slide</a:t>
+            </a:r>
+            <a:endParaRPr lang="ro-RO" baseline="0" dirty="0" smtClean="0"/>
+          </a:p>
+          <a:p>
+            <a:endParaRPr lang="ro-RO" dirty="0"/>
+          </a:p>
+        </p:txBody>
+      </p:sp>
+      <p:sp>
+        <p:nvSpPr>
+          <p:cNvPr id="4" name="Slide Number Placeholder 3"/>
+          <p:cNvSpPr>
+            <a:spLocks noGrp="1"/>
+          </p:cNvSpPr>
+          <p:nvPr>
+            <p:ph type="sldNum" sz="quarter" idx="10"/>
+          </p:nvPr>
+        </p:nvSpPr>
+        <p:spPr/>
+        <p:txBody>
+          <a:bodyPr/>
+          <a:lstStyle/>
+          <a:p>
+            <a:fld id="{D6E58354-0DDD-4F56-854A-9EE0DD222908}" type="slidenum">
+              <a:rPr lang="ro-RO" smtClean="0"/>
+              <a:t>21</a:t>
+            </a:fld>
+            <a:endParaRPr lang="ro-RO"/>
+          </a:p>
+        </p:txBody>
+      </p:sp>
+    </p:spTree>
+    <p:extLst>
+      <p:ext uri="{BB962C8B-B14F-4D97-AF65-F5344CB8AC3E}">
+        <p14:creationId xmlns:p14="http://schemas.microsoft.com/office/powerpoint/2010/main" val="2780079390"/>
+      </p:ext>
+    </p:extLst>
+  </p:cSld>
+  <p:clrMapOvr>
+    <a:masterClrMapping/>
+  </p:clrMapOvr>
+</p:notes>
+</file>
+
+<file path=ppt/notesSlides/notesSlide17.xml><?xml version="1.0" encoding="utf-8"?>
+<p:notes xmlns:a="http://schemas.openxmlformats.org/drawingml/2006/main" xmlns:r="http://schemas.openxmlformats.org/officeDocument/2006/relationships" xmlns:p="http://schemas.openxmlformats.org/presentationml/2006/main">
+  <p:cSld>
+    <p:spTree>
+      <p:nvGrpSpPr>
+        <p:cNvPr id="1" name=""/>
+        <p:cNvGrpSpPr/>
+        <p:nvPr/>
+      </p:nvGrpSpPr>
+      <p:grpSpPr>
+        <a:xfrm>
+          <a:off x="0" y="0"/>
+          <a:ext cx="0" cy="0"/>
+          <a:chOff x="0" y="0"/>
+          <a:chExt cx="0" cy="0"/>
+        </a:xfrm>
+      </p:grpSpPr>
+      <p:sp>
+        <p:nvSpPr>
+          <p:cNvPr id="2" name="Slide Image Placeholder 1"/>
+          <p:cNvSpPr>
+            <a:spLocks noGrp="1" noRot="1" noChangeAspect="1"/>
+          </p:cNvSpPr>
+          <p:nvPr>
+            <p:ph type="sldImg"/>
+          </p:nvPr>
+        </p:nvSpPr>
+        <p:spPr/>
+      </p:sp>
+      <p:sp>
+        <p:nvSpPr>
+          <p:cNvPr id="3" name="Notes Placeholder 2"/>
+          <p:cNvSpPr>
+            <a:spLocks noGrp="1"/>
+          </p:cNvSpPr>
+          <p:nvPr>
+            <p:ph type="body" idx="1"/>
+          </p:nvPr>
+        </p:nvSpPr>
+        <p:spPr/>
+        <p:txBody>
+          <a:bodyPr/>
+          <a:lstStyle/>
+          <a:p>
+            <a:endParaRPr lang="ro-RO" dirty="0"/>
+          </a:p>
+        </p:txBody>
+      </p:sp>
+      <p:sp>
+        <p:nvSpPr>
+          <p:cNvPr id="4" name="Slide Number Placeholder 3"/>
+          <p:cNvSpPr>
+            <a:spLocks noGrp="1"/>
+          </p:cNvSpPr>
+          <p:nvPr>
+            <p:ph type="sldNum" sz="quarter" idx="10"/>
+          </p:nvPr>
+        </p:nvSpPr>
+        <p:spPr/>
+        <p:txBody>
+          <a:bodyPr/>
+          <a:lstStyle/>
+          <a:p>
+            <a:fld id="{D6E58354-0DDD-4F56-854A-9EE0DD222908}" type="slidenum">
+              <a:rPr lang="ro-RO" smtClean="0"/>
+              <a:t>22</a:t>
+            </a:fld>
+            <a:endParaRPr lang="ro-RO"/>
+          </a:p>
+        </p:txBody>
+      </p:sp>
+    </p:spTree>
+    <p:extLst>
+      <p:ext uri="{BB962C8B-B14F-4D97-AF65-F5344CB8AC3E}">
+        <p14:creationId xmlns:p14="http://schemas.microsoft.com/office/powerpoint/2010/main" val="1316989032"/>
+      </p:ext>
+    </p:extLst>
+  </p:cSld>
+  <p:clrMapOvr>
+    <a:masterClrMapping/>
+  </p:clrMapOvr>
+</p:notes>
+</file>
+
+<file path=ppt/notesSlides/notesSlide18.xml><?xml version="1.0" encoding="utf-8"?>
+<p:notes xmlns:a="http://schemas.openxmlformats.org/drawingml/2006/main" xmlns:r="http://schemas.openxmlformats.org/officeDocument/2006/relationships" xmlns:p="http://schemas.openxmlformats.org/presentationml/2006/main">
+  <p:cSld>
+    <p:spTree>
+      <p:nvGrpSpPr>
+        <p:cNvPr id="1" name=""/>
+        <p:cNvGrpSpPr/>
+        <p:nvPr/>
+      </p:nvGrpSpPr>
+      <p:grpSpPr>
+        <a:xfrm>
+          <a:off x="0" y="0"/>
+          <a:ext cx="0" cy="0"/>
+          <a:chOff x="0" y="0"/>
+          <a:chExt cx="0" cy="0"/>
+        </a:xfrm>
+      </p:grpSpPr>
+      <p:sp>
+        <p:nvSpPr>
+          <p:cNvPr id="2" name="Slide Image Placeholder 1"/>
+          <p:cNvSpPr>
+            <a:spLocks noGrp="1" noRot="1" noChangeAspect="1"/>
+          </p:cNvSpPr>
+          <p:nvPr>
+            <p:ph type="sldImg"/>
+          </p:nvPr>
+        </p:nvSpPr>
+        <p:spPr/>
+      </p:sp>
+      <p:sp>
+        <p:nvSpPr>
+          <p:cNvPr id="3" name="Notes Placeholder 2"/>
+          <p:cNvSpPr>
+            <a:spLocks noGrp="1"/>
+          </p:cNvSpPr>
+          <p:nvPr>
+            <p:ph type="body" idx="1"/>
+          </p:nvPr>
+        </p:nvSpPr>
+        <p:spPr/>
+        <p:txBody>
+          <a:bodyPr/>
+          <a:lstStyle/>
+          <a:p>
+            <a:r>
+              <a:rPr lang="ro-RO" dirty="0" smtClean="0"/>
+              <a:t>Pentru introducerea</a:t>
+            </a:r>
+            <a:r>
+              <a:rPr lang="ro-RO" baseline="0" dirty="0" smtClean="0"/>
+              <a:t> th si lățime, Canny(I, 0,0, 3) – imaginea cu nr maxim de muchii</a:t>
+            </a:r>
+            <a:endParaRPr lang="ro-RO" dirty="0"/>
+          </a:p>
+        </p:txBody>
+      </p:sp>
+      <p:sp>
+        <p:nvSpPr>
+          <p:cNvPr id="4" name="Slide Number Placeholder 3"/>
+          <p:cNvSpPr>
+            <a:spLocks noGrp="1"/>
+          </p:cNvSpPr>
+          <p:nvPr>
+            <p:ph type="sldNum" sz="quarter" idx="10"/>
+          </p:nvPr>
+        </p:nvSpPr>
+        <p:spPr/>
+        <p:txBody>
+          <a:bodyPr/>
+          <a:lstStyle/>
+          <a:p>
+            <a:fld id="{D6E58354-0DDD-4F56-854A-9EE0DD222908}" type="slidenum">
+              <a:rPr lang="ro-RO" smtClean="0"/>
+              <a:t>23</a:t>
+            </a:fld>
+            <a:endParaRPr lang="ro-RO"/>
+          </a:p>
+        </p:txBody>
+      </p:sp>
+    </p:spTree>
+    <p:extLst>
+      <p:ext uri="{BB962C8B-B14F-4D97-AF65-F5344CB8AC3E}">
+        <p14:creationId xmlns:p14="http://schemas.microsoft.com/office/powerpoint/2010/main" val="4210451491"/>
+      </p:ext>
+    </p:extLst>
+  </p:cSld>
+  <p:clrMapOvr>
+    <a:masterClrMapping/>
+  </p:clrMapOvr>
+</p:notes>
+</file>
+
+<file path=ppt/notesSlides/notesSlide19.xml><?xml version="1.0" encoding="utf-8"?>
+<p:notes xmlns:a="http://schemas.openxmlformats.org/drawingml/2006/main" xmlns:r="http://schemas.openxmlformats.org/officeDocument/2006/relationships" xmlns:p="http://schemas.openxmlformats.org/presentationml/2006/main">
+  <p:cSld>
+    <p:spTree>
+      <p:nvGrpSpPr>
+        <p:cNvPr id="1" name=""/>
+        <p:cNvGrpSpPr/>
+        <p:nvPr/>
+      </p:nvGrpSpPr>
+      <p:grpSpPr>
+        <a:xfrm>
+          <a:off x="0" y="0"/>
+          <a:ext cx="0" cy="0"/>
+          <a:chOff x="0" y="0"/>
+          <a:chExt cx="0" cy="0"/>
+        </a:xfrm>
+      </p:grpSpPr>
+      <p:sp>
+        <p:nvSpPr>
+          <p:cNvPr id="2" name="Slide Image Placeholder 1"/>
+          <p:cNvSpPr>
+            <a:spLocks noGrp="1" noRot="1" noChangeAspect="1"/>
+          </p:cNvSpPr>
+          <p:nvPr>
+            <p:ph type="sldImg"/>
+          </p:nvPr>
+        </p:nvSpPr>
+        <p:spPr/>
+      </p:sp>
+      <p:sp>
+        <p:nvSpPr>
+          <p:cNvPr id="3" name="Notes Placeholder 2"/>
+          <p:cNvSpPr>
+            <a:spLocks noGrp="1"/>
+          </p:cNvSpPr>
+          <p:nvPr>
+            <p:ph type="body" idx="1"/>
+          </p:nvPr>
+        </p:nvSpPr>
+        <p:spPr/>
+        <p:txBody>
+          <a:bodyPr/>
+          <a:lstStyle/>
+          <a:p>
+            <a:r>
+              <a:rPr lang="ro-RO" dirty="0" smtClean="0"/>
+              <a:t>Diferențele</a:t>
+            </a:r>
+            <a:r>
+              <a:rPr lang="ro-RO" baseline="0" dirty="0" smtClean="0"/>
+              <a:t> prea greu de observat (bcoz 2 lsb)</a:t>
+            </a:r>
+            <a:endParaRPr lang="ro-RO" dirty="0"/>
+          </a:p>
+        </p:txBody>
+      </p:sp>
+      <p:sp>
+        <p:nvSpPr>
+          <p:cNvPr id="4" name="Slide Number Placeholder 3"/>
+          <p:cNvSpPr>
+            <a:spLocks noGrp="1"/>
+          </p:cNvSpPr>
+          <p:nvPr>
+            <p:ph type="sldNum" sz="quarter" idx="10"/>
+          </p:nvPr>
+        </p:nvSpPr>
+        <p:spPr/>
+        <p:txBody>
+          <a:bodyPr/>
+          <a:lstStyle/>
+          <a:p>
+            <a:fld id="{D6E58354-0DDD-4F56-854A-9EE0DD222908}" type="slidenum">
+              <a:rPr lang="ro-RO" smtClean="0"/>
+              <a:t>24</a:t>
+            </a:fld>
+            <a:endParaRPr lang="ro-RO"/>
+          </a:p>
+        </p:txBody>
+      </p:sp>
+    </p:spTree>
+    <p:extLst>
+      <p:ext uri="{BB962C8B-B14F-4D97-AF65-F5344CB8AC3E}">
+        <p14:creationId xmlns:p14="http://schemas.microsoft.com/office/powerpoint/2010/main" val="1036583880"/>
       </p:ext>
     </p:extLst>
   </p:cSld>
@@ -859,6 +1797,503 @@
     <p:extLst>
       <p:ext uri="{BB962C8B-B14F-4D97-AF65-F5344CB8AC3E}">
         <p14:creationId xmlns:p14="http://schemas.microsoft.com/office/powerpoint/2010/main" val="3728692245"/>
+      </p:ext>
+    </p:extLst>
+  </p:cSld>
+  <p:clrMapOvr>
+    <a:masterClrMapping/>
+  </p:clrMapOvr>
+</p:notes>
+</file>
+
+<file path=ppt/notesSlides/notesSlide20.xml><?xml version="1.0" encoding="utf-8"?>
+<p:notes xmlns:a="http://schemas.openxmlformats.org/drawingml/2006/main" xmlns:r="http://schemas.openxmlformats.org/officeDocument/2006/relationships" xmlns:p="http://schemas.openxmlformats.org/presentationml/2006/main">
+  <p:cSld>
+    <p:spTree>
+      <p:nvGrpSpPr>
+        <p:cNvPr id="1" name=""/>
+        <p:cNvGrpSpPr/>
+        <p:nvPr/>
+      </p:nvGrpSpPr>
+      <p:grpSpPr>
+        <a:xfrm>
+          <a:off x="0" y="0"/>
+          <a:ext cx="0" cy="0"/>
+          <a:chOff x="0" y="0"/>
+          <a:chExt cx="0" cy="0"/>
+        </a:xfrm>
+      </p:grpSpPr>
+      <p:sp>
+        <p:nvSpPr>
+          <p:cNvPr id="2" name="Slide Image Placeholder 1"/>
+          <p:cNvSpPr>
+            <a:spLocks noGrp="1" noRot="1" noChangeAspect="1"/>
+          </p:cNvSpPr>
+          <p:nvPr>
+            <p:ph type="sldImg"/>
+          </p:nvPr>
+        </p:nvSpPr>
+        <p:spPr/>
+      </p:sp>
+      <p:sp>
+        <p:nvSpPr>
+          <p:cNvPr id="3" name="Notes Placeholder 2"/>
+          <p:cNvSpPr>
+            <a:spLocks noGrp="1"/>
+          </p:cNvSpPr>
+          <p:nvPr>
+            <p:ph type="body" idx="1"/>
+          </p:nvPr>
+        </p:nvSpPr>
+        <p:spPr/>
+        <p:txBody>
+          <a:bodyPr/>
+          <a:lstStyle/>
+          <a:p>
+            <a:r>
+              <a:rPr lang="ro-RO" dirty="0" smtClean="0"/>
+              <a:t>Algoritm sigur, dar nu permite</a:t>
+            </a:r>
+            <a:r>
+              <a:rPr lang="ro-RO" baseline="0" dirty="0" smtClean="0"/>
+              <a:t> la fel de multe date încorporate. Este un plus faptul ca utilizam o stegocheie, ca folosim un prag calculat la runtime.</a:t>
+            </a:r>
+            <a:endParaRPr lang="ro-RO" dirty="0"/>
+          </a:p>
+        </p:txBody>
+      </p:sp>
+      <p:sp>
+        <p:nvSpPr>
+          <p:cNvPr id="4" name="Slide Number Placeholder 3"/>
+          <p:cNvSpPr>
+            <a:spLocks noGrp="1"/>
+          </p:cNvSpPr>
+          <p:nvPr>
+            <p:ph type="sldNum" sz="quarter" idx="10"/>
+          </p:nvPr>
+        </p:nvSpPr>
+        <p:spPr/>
+        <p:txBody>
+          <a:bodyPr/>
+          <a:lstStyle/>
+          <a:p>
+            <a:fld id="{D6E58354-0DDD-4F56-854A-9EE0DD222908}" type="slidenum">
+              <a:rPr lang="ro-RO" smtClean="0"/>
+              <a:t>25</a:t>
+            </a:fld>
+            <a:endParaRPr lang="ro-RO"/>
+          </a:p>
+        </p:txBody>
+      </p:sp>
+    </p:spTree>
+    <p:extLst>
+      <p:ext uri="{BB962C8B-B14F-4D97-AF65-F5344CB8AC3E}">
+        <p14:creationId xmlns:p14="http://schemas.microsoft.com/office/powerpoint/2010/main" val="2798104983"/>
+      </p:ext>
+    </p:extLst>
+  </p:cSld>
+  <p:clrMapOvr>
+    <a:masterClrMapping/>
+  </p:clrMapOvr>
+</p:notes>
+</file>
+
+<file path=ppt/notesSlides/notesSlide21.xml><?xml version="1.0" encoding="utf-8"?>
+<p:notes xmlns:a="http://schemas.openxmlformats.org/drawingml/2006/main" xmlns:r="http://schemas.openxmlformats.org/officeDocument/2006/relationships" xmlns:p="http://schemas.openxmlformats.org/presentationml/2006/main">
+  <p:cSld>
+    <p:spTree>
+      <p:nvGrpSpPr>
+        <p:cNvPr id="1" name=""/>
+        <p:cNvGrpSpPr/>
+        <p:nvPr/>
+      </p:nvGrpSpPr>
+      <p:grpSpPr>
+        <a:xfrm>
+          <a:off x="0" y="0"/>
+          <a:ext cx="0" cy="0"/>
+          <a:chOff x="0" y="0"/>
+          <a:chExt cx="0" cy="0"/>
+        </a:xfrm>
+      </p:grpSpPr>
+      <p:sp>
+        <p:nvSpPr>
+          <p:cNvPr id="2" name="Slide Image Placeholder 1"/>
+          <p:cNvSpPr>
+            <a:spLocks noGrp="1" noRot="1" noChangeAspect="1"/>
+          </p:cNvSpPr>
+          <p:nvPr>
+            <p:ph type="sldImg"/>
+          </p:nvPr>
+        </p:nvSpPr>
+        <p:spPr/>
+      </p:sp>
+      <p:sp>
+        <p:nvSpPr>
+          <p:cNvPr id="3" name="Notes Placeholder 2"/>
+          <p:cNvSpPr>
+            <a:spLocks noGrp="1"/>
+          </p:cNvSpPr>
+          <p:nvPr>
+            <p:ph type="body" idx="1"/>
+          </p:nvPr>
+        </p:nvSpPr>
+        <p:spPr/>
+        <p:txBody>
+          <a:bodyPr/>
+          <a:lstStyle/>
+          <a:p>
+            <a:r>
+              <a:rPr lang="ro-RO" dirty="0" smtClean="0"/>
+              <a:t>Imaginea este segmentata in blocur</a:t>
+            </a:r>
+            <a:r>
+              <a:rPr lang="ro-RO" baseline="0" dirty="0" smtClean="0"/>
+              <a:t>i de 8 * 8</a:t>
+            </a:r>
+            <a:endParaRPr lang="ro-RO" dirty="0"/>
+          </a:p>
+        </p:txBody>
+      </p:sp>
+      <p:sp>
+        <p:nvSpPr>
+          <p:cNvPr id="4" name="Slide Number Placeholder 3"/>
+          <p:cNvSpPr>
+            <a:spLocks noGrp="1"/>
+          </p:cNvSpPr>
+          <p:nvPr>
+            <p:ph type="sldNum" sz="quarter" idx="10"/>
+          </p:nvPr>
+        </p:nvSpPr>
+        <p:spPr/>
+        <p:txBody>
+          <a:bodyPr/>
+          <a:lstStyle/>
+          <a:p>
+            <a:fld id="{D6E58354-0DDD-4F56-854A-9EE0DD222908}" type="slidenum">
+              <a:rPr lang="ro-RO" smtClean="0"/>
+              <a:t>26</a:t>
+            </a:fld>
+            <a:endParaRPr lang="ro-RO"/>
+          </a:p>
+        </p:txBody>
+      </p:sp>
+    </p:spTree>
+    <p:extLst>
+      <p:ext uri="{BB962C8B-B14F-4D97-AF65-F5344CB8AC3E}">
+        <p14:creationId xmlns:p14="http://schemas.microsoft.com/office/powerpoint/2010/main" val="3060312144"/>
+      </p:ext>
+    </p:extLst>
+  </p:cSld>
+  <p:clrMapOvr>
+    <a:masterClrMapping/>
+  </p:clrMapOvr>
+</p:notes>
+</file>
+
+<file path=ppt/notesSlides/notesSlide22.xml><?xml version="1.0" encoding="utf-8"?>
+<p:notes xmlns:a="http://schemas.openxmlformats.org/drawingml/2006/main" xmlns:r="http://schemas.openxmlformats.org/officeDocument/2006/relationships" xmlns:p="http://schemas.openxmlformats.org/presentationml/2006/main">
+  <p:cSld>
+    <p:spTree>
+      <p:nvGrpSpPr>
+        <p:cNvPr id="1" name=""/>
+        <p:cNvGrpSpPr/>
+        <p:nvPr/>
+      </p:nvGrpSpPr>
+      <p:grpSpPr>
+        <a:xfrm>
+          <a:off x="0" y="0"/>
+          <a:ext cx="0" cy="0"/>
+          <a:chOff x="0" y="0"/>
+          <a:chExt cx="0" cy="0"/>
+        </a:xfrm>
+      </p:grpSpPr>
+      <p:sp>
+        <p:nvSpPr>
+          <p:cNvPr id="2" name="Slide Image Placeholder 1"/>
+          <p:cNvSpPr>
+            <a:spLocks noGrp="1" noRot="1" noChangeAspect="1"/>
+          </p:cNvSpPr>
+          <p:nvPr>
+            <p:ph type="sldImg"/>
+          </p:nvPr>
+        </p:nvSpPr>
+        <p:spPr/>
+      </p:sp>
+      <p:sp>
+        <p:nvSpPr>
+          <p:cNvPr id="3" name="Notes Placeholder 2"/>
+          <p:cNvSpPr>
+            <a:spLocks noGrp="1"/>
+          </p:cNvSpPr>
+          <p:nvPr>
+            <p:ph type="body" idx="1"/>
+          </p:nvPr>
+        </p:nvSpPr>
+        <p:spPr/>
+        <p:txBody>
+          <a:bodyPr/>
+          <a:lstStyle/>
+          <a:p>
+            <a:r>
+              <a:rPr lang="ro-RO" dirty="0" smtClean="0"/>
+              <a:t>Coeficienții</a:t>
+            </a:r>
+            <a:r>
+              <a:rPr lang="ro-RO" baseline="0" dirty="0" smtClean="0"/>
+              <a:t> sunt numere reale -</a:t>
+            </a:r>
+            <a:r>
+              <a:rPr lang="en-GB" baseline="0" dirty="0" smtClean="0"/>
+              <a:t>&gt; float -&gt; </a:t>
+            </a:r>
+            <a:r>
+              <a:rPr lang="en-GB" baseline="0" dirty="0" err="1" smtClean="0"/>
+              <a:t>modificam</a:t>
+            </a:r>
+            <a:r>
+              <a:rPr lang="en-GB" baseline="0" dirty="0" smtClean="0"/>
+              <a:t> </a:t>
+            </a:r>
+            <a:r>
+              <a:rPr lang="en-GB" baseline="0" dirty="0" err="1" smtClean="0"/>
+              <a:t>mantisa</a:t>
+            </a:r>
+            <a:endParaRPr lang="ro-RO" dirty="0" smtClean="0"/>
+          </a:p>
+          <a:p>
+            <a:r>
+              <a:rPr lang="ro-RO" dirty="0" smtClean="0"/>
+              <a:t>Dar daca</a:t>
+            </a:r>
+            <a:r>
+              <a:rPr lang="ro-RO" baseline="0" dirty="0" smtClean="0"/>
+              <a:t> sunt folositi mai multi coeficienti, mesajul poate ajunge partial alterat la extragere.</a:t>
+            </a:r>
+          </a:p>
+          <a:p>
+            <a:r>
+              <a:rPr lang="ro-RO" dirty="0" smtClean="0"/>
+              <a:t>Demo?</a:t>
+            </a:r>
+            <a:endParaRPr lang="ro-RO" dirty="0"/>
+          </a:p>
+        </p:txBody>
+      </p:sp>
+      <p:sp>
+        <p:nvSpPr>
+          <p:cNvPr id="4" name="Slide Number Placeholder 3"/>
+          <p:cNvSpPr>
+            <a:spLocks noGrp="1"/>
+          </p:cNvSpPr>
+          <p:nvPr>
+            <p:ph type="sldNum" sz="quarter" idx="10"/>
+          </p:nvPr>
+        </p:nvSpPr>
+        <p:spPr/>
+        <p:txBody>
+          <a:bodyPr/>
+          <a:lstStyle/>
+          <a:p>
+            <a:fld id="{D6E58354-0DDD-4F56-854A-9EE0DD222908}" type="slidenum">
+              <a:rPr lang="ro-RO" smtClean="0"/>
+              <a:t>27</a:t>
+            </a:fld>
+            <a:endParaRPr lang="ro-RO"/>
+          </a:p>
+        </p:txBody>
+      </p:sp>
+    </p:spTree>
+    <p:extLst>
+      <p:ext uri="{BB962C8B-B14F-4D97-AF65-F5344CB8AC3E}">
+        <p14:creationId xmlns:p14="http://schemas.microsoft.com/office/powerpoint/2010/main" val="3206110331"/>
+      </p:ext>
+    </p:extLst>
+  </p:cSld>
+  <p:clrMapOvr>
+    <a:masterClrMapping/>
+  </p:clrMapOvr>
+</p:notes>
+</file>
+
+<file path=ppt/notesSlides/notesSlide23.xml><?xml version="1.0" encoding="utf-8"?>
+<p:notes xmlns:a="http://schemas.openxmlformats.org/drawingml/2006/main" xmlns:r="http://schemas.openxmlformats.org/officeDocument/2006/relationships" xmlns:p="http://schemas.openxmlformats.org/presentationml/2006/main">
+  <p:cSld>
+    <p:spTree>
+      <p:nvGrpSpPr>
+        <p:cNvPr id="1" name=""/>
+        <p:cNvGrpSpPr/>
+        <p:nvPr/>
+      </p:nvGrpSpPr>
+      <p:grpSpPr>
+        <a:xfrm>
+          <a:off x="0" y="0"/>
+          <a:ext cx="0" cy="0"/>
+          <a:chOff x="0" y="0"/>
+          <a:chExt cx="0" cy="0"/>
+        </a:xfrm>
+      </p:grpSpPr>
+      <p:sp>
+        <p:nvSpPr>
+          <p:cNvPr id="2" name="Slide Image Placeholder 1"/>
+          <p:cNvSpPr>
+            <a:spLocks noGrp="1" noRot="1" noChangeAspect="1"/>
+          </p:cNvSpPr>
+          <p:nvPr>
+            <p:ph type="sldImg"/>
+          </p:nvPr>
+        </p:nvSpPr>
+        <p:spPr/>
+      </p:sp>
+      <p:sp>
+        <p:nvSpPr>
+          <p:cNvPr id="3" name="Notes Placeholder 2"/>
+          <p:cNvSpPr>
+            <a:spLocks noGrp="1"/>
+          </p:cNvSpPr>
+          <p:nvPr>
+            <p:ph type="body" idx="1"/>
+          </p:nvPr>
+        </p:nvSpPr>
+        <p:spPr/>
+        <p:txBody>
+          <a:bodyPr/>
+          <a:lstStyle/>
+          <a:p>
+            <a:r>
+              <a:rPr lang="ro-RO" dirty="0" smtClean="0"/>
+              <a:t>Algoritmul este sigur</a:t>
+            </a:r>
+            <a:r>
+              <a:rPr lang="ro-RO" baseline="0" dirty="0" smtClean="0"/>
+              <a:t> prin faptul că info este ascunsă în alt domeniu. Pentru info puține se poate ascunde în AC, pentru info mari(aka imagini), se poate ascunde în DC, la costul calitatii. Rezista la compresie (nu-s sigur?) deoarece compresia JPEG foloseste DCT.</a:t>
+            </a:r>
+            <a:endParaRPr lang="ro-RO" dirty="0"/>
+          </a:p>
+        </p:txBody>
+      </p:sp>
+      <p:sp>
+        <p:nvSpPr>
+          <p:cNvPr id="4" name="Slide Number Placeholder 3"/>
+          <p:cNvSpPr>
+            <a:spLocks noGrp="1"/>
+          </p:cNvSpPr>
+          <p:nvPr>
+            <p:ph type="sldNum" sz="quarter" idx="10"/>
+          </p:nvPr>
+        </p:nvSpPr>
+        <p:spPr/>
+        <p:txBody>
+          <a:bodyPr/>
+          <a:lstStyle/>
+          <a:p>
+            <a:fld id="{D6E58354-0DDD-4F56-854A-9EE0DD222908}" type="slidenum">
+              <a:rPr lang="ro-RO" smtClean="0"/>
+              <a:t>28</a:t>
+            </a:fld>
+            <a:endParaRPr lang="ro-RO"/>
+          </a:p>
+        </p:txBody>
+      </p:sp>
+    </p:spTree>
+    <p:extLst>
+      <p:ext uri="{BB962C8B-B14F-4D97-AF65-F5344CB8AC3E}">
+        <p14:creationId xmlns:p14="http://schemas.microsoft.com/office/powerpoint/2010/main" val="1339041398"/>
+      </p:ext>
+    </p:extLst>
+  </p:cSld>
+  <p:clrMapOvr>
+    <a:masterClrMapping/>
+  </p:clrMapOvr>
+</p:notes>
+</file>
+
+<file path=ppt/notesSlides/notesSlide24.xml><?xml version="1.0" encoding="utf-8"?>
+<p:notes xmlns:a="http://schemas.openxmlformats.org/drawingml/2006/main" xmlns:r="http://schemas.openxmlformats.org/officeDocument/2006/relationships" xmlns:p="http://schemas.openxmlformats.org/presentationml/2006/main">
+  <p:cSld>
+    <p:spTree>
+      <p:nvGrpSpPr>
+        <p:cNvPr id="1" name=""/>
+        <p:cNvGrpSpPr/>
+        <p:nvPr/>
+      </p:nvGrpSpPr>
+      <p:grpSpPr>
+        <a:xfrm>
+          <a:off x="0" y="0"/>
+          <a:ext cx="0" cy="0"/>
+          <a:chOff x="0" y="0"/>
+          <a:chExt cx="0" cy="0"/>
+        </a:xfrm>
+      </p:grpSpPr>
+      <p:sp>
+        <p:nvSpPr>
+          <p:cNvPr id="2" name="Slide Image Placeholder 1"/>
+          <p:cNvSpPr>
+            <a:spLocks noGrp="1" noRot="1" noChangeAspect="1"/>
+          </p:cNvSpPr>
+          <p:nvPr>
+            <p:ph type="sldImg"/>
+          </p:nvPr>
+        </p:nvSpPr>
+        <p:spPr/>
+      </p:sp>
+      <p:sp>
+        <p:nvSpPr>
+          <p:cNvPr id="3" name="Notes Placeholder 2"/>
+          <p:cNvSpPr>
+            <a:spLocks noGrp="1"/>
+          </p:cNvSpPr>
+          <p:nvPr>
+            <p:ph type="body" idx="1"/>
+          </p:nvPr>
+        </p:nvSpPr>
+        <p:spPr/>
+        <p:txBody>
+          <a:bodyPr/>
+          <a:lstStyle/>
+          <a:p>
+            <a:r>
+              <a:rPr lang="ro-RO" dirty="0" smtClean="0"/>
+              <a:t>Am prezentat si analizat pe</a:t>
+            </a:r>
+            <a:r>
+              <a:rPr lang="ro-RO" baseline="0" dirty="0" smtClean="0"/>
+              <a:t> scurt 4 algoritmi ce pot fi folositi in situatii diferite. </a:t>
+            </a:r>
+            <a:r>
+              <a:rPr lang="ro-RO" baseline="0" smtClean="0"/>
+              <a:t>Se incearca dezvoltarea unor algoritmi care încorporează datele în zone selectate adaptiv.</a:t>
+            </a:r>
+            <a:endParaRPr lang="ro-RO" dirty="0"/>
+          </a:p>
+        </p:txBody>
+      </p:sp>
+      <p:sp>
+        <p:nvSpPr>
+          <p:cNvPr id="4" name="Slide Number Placeholder 3"/>
+          <p:cNvSpPr>
+            <a:spLocks noGrp="1"/>
+          </p:cNvSpPr>
+          <p:nvPr>
+            <p:ph type="sldNum" sz="quarter" idx="10"/>
+          </p:nvPr>
+        </p:nvSpPr>
+        <p:spPr/>
+        <p:txBody>
+          <a:bodyPr/>
+          <a:lstStyle/>
+          <a:p>
+            <a:fld id="{D6E58354-0DDD-4F56-854A-9EE0DD222908}" type="slidenum">
+              <a:rPr lang="ro-RO" smtClean="0"/>
+              <a:t>29</a:t>
+            </a:fld>
+            <a:endParaRPr lang="ro-RO"/>
+          </a:p>
+        </p:txBody>
+      </p:sp>
+    </p:spTree>
+    <p:extLst>
+      <p:ext uri="{BB962C8B-B14F-4D97-AF65-F5344CB8AC3E}">
+        <p14:creationId xmlns:p14="http://schemas.microsoft.com/office/powerpoint/2010/main" val="3381724350"/>
       </p:ext>
     </p:extLst>
   </p:cSld>
@@ -1759,7 +3194,7 @@
             <a:fld id="{5586B75A-687E-405C-8A0B-8D00578BA2C3}" type="datetimeFigureOut">
               <a:rPr lang="en-US" dirty="0"/>
               <a:pPr/>
-              <a:t>2/10/2019</a:t>
+              <a:t>2/11/2019</a:t>
             </a:fld>
             <a:endParaRPr lang="en-US" dirty="0"/>
           </a:p>
@@ -1926,7 +3361,7 @@
             <a:fld id="{5586B75A-687E-405C-8A0B-8D00578BA2C3}" type="datetimeFigureOut">
               <a:rPr lang="en-US" dirty="0"/>
               <a:pPr/>
-              <a:t>2/10/2019</a:t>
+              <a:t>2/11/2019</a:t>
             </a:fld>
             <a:endParaRPr lang="en-US" dirty="0"/>
           </a:p>
@@ -2103,7 +3538,7 @@
             <a:fld id="{5586B75A-687E-405C-8A0B-8D00578BA2C3}" type="datetimeFigureOut">
               <a:rPr lang="en-US" dirty="0"/>
               <a:pPr/>
-              <a:t>2/10/2019</a:t>
+              <a:t>2/11/2019</a:t>
             </a:fld>
             <a:endParaRPr lang="en-US" dirty="0"/>
           </a:p>
@@ -2270,7 +3705,7 @@
             <a:fld id="{5586B75A-687E-405C-8A0B-8D00578BA2C3}" type="datetimeFigureOut">
               <a:rPr lang="en-US" dirty="0"/>
               <a:pPr/>
-              <a:t>2/10/2019</a:t>
+              <a:t>2/11/2019</a:t>
             </a:fld>
             <a:endParaRPr lang="en-US" dirty="0"/>
           </a:p>
@@ -2525,7 +3960,7 @@
             <a:fld id="{5586B75A-687E-405C-8A0B-8D00578BA2C3}" type="datetimeFigureOut">
               <a:rPr lang="en-US" dirty="0"/>
               <a:pPr/>
-              <a:t>2/10/2019</a:t>
+              <a:t>2/11/2019</a:t>
             </a:fld>
             <a:endParaRPr lang="en-US" dirty="0"/>
           </a:p>
@@ -2810,7 +4245,7 @@
             <a:fld id="{5586B75A-687E-405C-8A0B-8D00578BA2C3}" type="datetimeFigureOut">
               <a:rPr lang="en-US" dirty="0"/>
               <a:pPr/>
-              <a:t>2/10/2019</a:t>
+              <a:t>2/11/2019</a:t>
             </a:fld>
             <a:endParaRPr lang="en-US" dirty="0"/>
           </a:p>
@@ -3249,7 +4684,7 @@
             <a:fld id="{5586B75A-687E-405C-8A0B-8D00578BA2C3}" type="datetimeFigureOut">
               <a:rPr lang="en-US" dirty="0"/>
               <a:pPr/>
-              <a:t>2/10/2019</a:t>
+              <a:t>2/11/2019</a:t>
             </a:fld>
             <a:endParaRPr lang="en-US" dirty="0"/>
           </a:p>
@@ -3364,7 +4799,7 @@
             <a:fld id="{5586B75A-687E-405C-8A0B-8D00578BA2C3}" type="datetimeFigureOut">
               <a:rPr lang="en-US" dirty="0"/>
               <a:pPr/>
-              <a:t>2/10/2019</a:t>
+              <a:t>2/11/2019</a:t>
             </a:fld>
             <a:endParaRPr lang="en-US" dirty="0"/>
           </a:p>
@@ -3456,7 +4891,7 @@
             <a:fld id="{5586B75A-687E-405C-8A0B-8D00578BA2C3}" type="datetimeFigureOut">
               <a:rPr lang="en-US" dirty="0"/>
               <a:pPr/>
-              <a:t>2/10/2019</a:t>
+              <a:t>2/11/2019</a:t>
             </a:fld>
             <a:endParaRPr lang="en-US" dirty="0"/>
           </a:p>
@@ -3741,7 +5176,7 @@
             <a:fld id="{5586B75A-687E-405C-8A0B-8D00578BA2C3}" type="datetimeFigureOut">
               <a:rPr lang="en-US" dirty="0"/>
               <a:pPr/>
-              <a:t>2/10/2019</a:t>
+              <a:t>2/11/2019</a:t>
             </a:fld>
             <a:endParaRPr lang="en-US" dirty="0"/>
           </a:p>
@@ -4011,7 +5446,7 @@
             <a:fld id="{5586B75A-687E-405C-8A0B-8D00578BA2C3}" type="datetimeFigureOut">
               <a:rPr lang="en-US" dirty="0"/>
               <a:pPr/>
-              <a:t>2/10/2019</a:t>
+              <a:t>2/11/2019</a:t>
             </a:fld>
             <a:endParaRPr lang="en-US" dirty="0"/>
           </a:p>
@@ -4305,7 +5740,7 @@
             <a:fld id="{5586B75A-687E-405C-8A0B-8D00578BA2C3}" type="datetimeFigureOut">
               <a:rPr lang="en-US" dirty="0"/>
               <a:pPr/>
-              <a:t>2/10/2019</a:t>
+              <a:t>2/11/2019</a:t>
             </a:fld>
             <a:endParaRPr lang="en-US" dirty="0"/>
           </a:p>
@@ -4940,15 +6375,16 @@
           <a:p>
             <a:r>
               <a:rPr lang="ro-RO" dirty="0" smtClean="0"/>
-              <a:t>Simplu, dar nesigur, ușor de atacat</a:t>
+              <a:t>Presupune utilizarea celor mai nesemnificativi biți</a:t>
             </a:r>
             <a:endParaRPr lang="en-GB" dirty="0" smtClean="0"/>
           </a:p>
           <a:p>
             <a:r>
               <a:rPr lang="ro-RO" dirty="0" smtClean="0"/>
-              <a:t>Permite încorporarea multor date</a:t>
-            </a:r>
+              <a:t>Cu cât sunt folosiți mai mulți LSB, cu atât imaginea e mai distorsionată</a:t>
+            </a:r>
+            <a:endParaRPr lang="ro-RO" dirty="0" smtClean="0"/>
           </a:p>
         </p:txBody>
       </p:sp>
@@ -5033,21 +6469,123 @@
           </a:bodyPr>
           <a:lstStyle/>
           <a:p>
-            <a:pPr marL="0" indent="0" algn="ctr">
+            <a:pPr marL="0" indent="0">
               <a:buNone/>
             </a:pPr>
             <a:r>
-              <a:rPr lang="ro-RO" sz="3600" dirty="0" smtClean="0"/>
-              <a:t>Demo</a:t>
-            </a:r>
-            <a:endParaRPr lang="ro-RO" sz="3600" dirty="0"/>
+              <a:rPr lang="ro-RO" dirty="0" smtClean="0"/>
+              <a:t>Exemplu:</a:t>
+            </a:r>
+          </a:p>
+          <a:p>
+            <a:r>
+              <a:rPr lang="ro-RO" dirty="0" smtClean="0"/>
+              <a:t>Șirul de biți pe care vrem să îl ascundem: 1101</a:t>
+            </a:r>
+          </a:p>
+          <a:p>
+            <a:r>
+              <a:rPr lang="ro-RO" dirty="0" smtClean="0"/>
+              <a:t>Pixelii – înainte</a:t>
+            </a:r>
+            <a:r>
+              <a:rPr lang="en-GB" dirty="0" smtClean="0"/>
+              <a:t>	</a:t>
+            </a:r>
+            <a:r>
+              <a:rPr lang="ro-RO" dirty="0" smtClean="0"/>
+              <a:t>		</a:t>
+            </a:r>
+            <a:r>
+              <a:rPr lang="en-GB" dirty="0" smtClean="0"/>
+              <a:t>|</a:t>
+            </a:r>
+            <a:r>
+              <a:rPr lang="ro-RO" dirty="0" smtClean="0"/>
+              <a:t>		după</a:t>
+            </a:r>
+            <a:endParaRPr lang="en-GB" dirty="0" smtClean="0"/>
+          </a:p>
+          <a:p>
+            <a:pPr marL="0" indent="0">
+              <a:buNone/>
+            </a:pPr>
+            <a:r>
+              <a:rPr lang="en-GB" dirty="0" smtClean="0"/>
+              <a:t>	10110100		</a:t>
+            </a:r>
+            <a:r>
+              <a:rPr lang="en-GB" dirty="0"/>
+              <a:t>|</a:t>
+            </a:r>
+            <a:r>
+              <a:rPr lang="en-GB" dirty="0" smtClean="0"/>
+              <a:t>	             1011010</a:t>
+            </a:r>
+            <a:r>
+              <a:rPr lang="en-GB" b="1" dirty="0" smtClean="0"/>
+              <a:t>1</a:t>
+            </a:r>
+          </a:p>
+          <a:p>
+            <a:pPr marL="0" indent="0">
+              <a:buNone/>
+            </a:pPr>
+            <a:r>
+              <a:rPr lang="en-GB" b="1" dirty="0"/>
+              <a:t>	</a:t>
+            </a:r>
+            <a:r>
+              <a:rPr lang="en-GB" dirty="0" smtClean="0"/>
+              <a:t>11001101		|	             1100110</a:t>
+            </a:r>
+            <a:r>
+              <a:rPr lang="en-GB" b="1" dirty="0" smtClean="0"/>
+              <a:t>1</a:t>
+            </a:r>
+          </a:p>
+          <a:p>
+            <a:pPr marL="0" indent="0">
+              <a:buNone/>
+            </a:pPr>
+            <a:r>
+              <a:rPr lang="en-GB" b="1" dirty="0"/>
+              <a:t>	</a:t>
+            </a:r>
+            <a:r>
+              <a:rPr lang="en-GB" dirty="0" smtClean="0"/>
+              <a:t>10011111		|	             1001111</a:t>
+            </a:r>
+            <a:r>
+              <a:rPr lang="en-GB" b="1" dirty="0" smtClean="0"/>
+              <a:t>0</a:t>
+            </a:r>
+            <a:endParaRPr lang="en-GB" dirty="0" smtClean="0"/>
+          </a:p>
+          <a:p>
+            <a:pPr marL="0" indent="0">
+              <a:buNone/>
+            </a:pPr>
+            <a:r>
+              <a:rPr lang="en-GB" dirty="0"/>
+              <a:t>	</a:t>
+            </a:r>
+            <a:r>
+              <a:rPr lang="en-GB" dirty="0" smtClean="0"/>
+              <a:t>11110000		|	             1111000</a:t>
+            </a:r>
+            <a:r>
+              <a:rPr lang="en-GB" b="1" dirty="0" smtClean="0"/>
+              <a:t>1</a:t>
+            </a:r>
+            <a:endParaRPr lang="en-GB" dirty="0" smtClean="0"/>
           </a:p>
         </p:txBody>
       </p:sp>
     </p:spTree>
     <p:extLst>
       <p:ext uri="{BB962C8B-B14F-4D97-AF65-F5344CB8AC3E}">
-        <p14:creationId xmlns:p14="http://schemas.microsoft.com/office/powerpoint/2010/main" val="630862381"/>
+        <p14:creationId xmlns:p14="http://schemas.microsoft.com/office/powerpoint/2010/main" val="176276200"/>
       </p:ext>
     </p:extLst>
   </p:cSld>
@@ -5110,12 +6648,12 @@
       </p:sp>
       <p:sp>
         <p:nvSpPr>
-          <p:cNvPr id="3" name="Content Placeholder 2"/>
-          <p:cNvSpPr>
-            <a:spLocks noGrp="1"/>
-          </p:cNvSpPr>
-          <p:nvPr>
-            <p:ph idx="1"/>
+          <p:cNvPr id="3" name="Text Placeholder 2"/>
+          <p:cNvSpPr>
+            <a:spLocks noGrp="1"/>
+          </p:cNvSpPr>
+          <p:nvPr>
+            <p:ph type="body" idx="1"/>
           </p:nvPr>
         </p:nvSpPr>
         <p:spPr/>
@@ -5125,7 +6663,118 @@
           <a:p>
             <a:r>
               <a:rPr lang="ro-RO" dirty="0" smtClean="0"/>
-              <a:t>Concluzii</a:t>
+              <a:t>1 LSB</a:t>
+            </a:r>
+            <a:endParaRPr lang="ro-RO" dirty="0"/>
+          </a:p>
+        </p:txBody>
+      </p:sp>
+      <p:sp>
+        <p:nvSpPr>
+          <p:cNvPr id="5" name="Text Placeholder 4"/>
+          <p:cNvSpPr>
+            <a:spLocks noGrp="1"/>
+          </p:cNvSpPr>
+          <p:nvPr>
+            <p:ph type="body" sz="quarter" idx="3"/>
+          </p:nvPr>
+        </p:nvSpPr>
+        <p:spPr/>
+        <p:txBody>
+          <a:bodyPr/>
+          <a:lstStyle/>
+          <a:p>
+            <a:r>
+              <a:rPr lang="ro-RO" dirty="0" smtClean="0"/>
+              <a:t>4 LSB</a:t>
+            </a:r>
+            <a:endParaRPr lang="ro-RO" dirty="0"/>
+          </a:p>
+        </p:txBody>
+      </p:sp>
+      <p:pic>
+        <p:nvPicPr>
+          <p:cNvPr id="11" name="Content Placeholder 10"/>
+          <p:cNvPicPr>
+            <a:picLocks noGrp="1" noChangeAspect="1"/>
+          </p:cNvPicPr>
+          <p:nvPr>
+            <p:ph sz="half" idx="2"/>
+          </p:nvPr>
+        </p:nvPicPr>
+        <p:blipFill>
+          <a:blip r:embed="rId2">
+            <a:extLst>
+              <a:ext uri="{28A0092B-C50C-407E-A947-70E740481C1C}">
+                <a14:useLocalDpi xmlns:a14="http://schemas.microsoft.com/office/drawing/2010/main" val="0"/>
+              </a:ext>
+            </a:extLst>
+          </a:blip>
+          <a:stretch>
+            <a:fillRect/>
+          </a:stretch>
+        </p:blipFill>
+        <p:spPr>
+          <a:xfrm>
+            <a:off x="4052316" y="1938265"/>
+            <a:ext cx="3432391" cy="3432391"/>
+          </a:xfrm>
+        </p:spPr>
+      </p:pic>
+      <p:pic>
+        <p:nvPicPr>
+          <p:cNvPr id="12" name="Content Placeholder 11"/>
+          <p:cNvPicPr>
+            <a:picLocks noGrp="1" noChangeAspect="1"/>
+          </p:cNvPicPr>
+          <p:nvPr>
+            <p:ph sz="quarter" idx="4"/>
+          </p:nvPr>
+        </p:nvPicPr>
+        <p:blipFill>
+          <a:blip r:embed="rId3">
+            <a:extLst>
+              <a:ext uri="{28A0092B-C50C-407E-A947-70E740481C1C}">
+                <a14:useLocalDpi xmlns:a14="http://schemas.microsoft.com/office/drawing/2010/main" val="0"/>
+              </a:ext>
+            </a:extLst>
+          </a:blip>
+          <a:stretch>
+            <a:fillRect/>
+          </a:stretch>
+        </p:blipFill>
+        <p:spPr>
+          <a:xfrm>
+            <a:off x="7818463" y="1938265"/>
+            <a:ext cx="3432391" cy="3432391"/>
+          </a:xfrm>
+        </p:spPr>
+      </p:pic>
+      <p:sp>
+        <p:nvSpPr>
+          <p:cNvPr id="14" name="TextBox 13"/>
+          <p:cNvSpPr txBox="1"/>
+          <p:nvPr/>
+        </p:nvSpPr>
+        <p:spPr>
+          <a:xfrm>
+            <a:off x="6938621" y="754505"/>
+            <a:ext cx="1283854" cy="369332"/>
+          </a:xfrm>
+          <a:prstGeom prst="rect">
+            <a:avLst/>
+          </a:prstGeom>
+          <a:noFill/>
+        </p:spPr>
+        <p:txBody>
+          <a:bodyPr wrap="square" rtlCol="0">
+            <a:spAutoFit/>
+          </a:bodyPr>
+          <a:lstStyle/>
+          <a:p>
+            <a:r>
+              <a:rPr lang="ro-RO" dirty="0" smtClean="0"/>
+              <a:t>Rezultate:</a:t>
             </a:r>
             <a:endParaRPr lang="ro-RO" dirty="0"/>
           </a:p>
@@ -5134,7 +6783,7 @@
     </p:spTree>
     <p:extLst>
       <p:ext uri="{BB962C8B-B14F-4D97-AF65-F5344CB8AC3E}">
-        <p14:creationId xmlns:p14="http://schemas.microsoft.com/office/powerpoint/2010/main" val="3076641950"/>
+        <p14:creationId xmlns:p14="http://schemas.microsoft.com/office/powerpoint/2010/main" val="1585416559"/>
       </p:ext>
     </p:extLst>
   </p:cSld>
@@ -5188,8 +6837,8 @@
               <a:t>Descrierea soluțiilor - </a:t>
             </a:r>
             <a:r>
-              <a:rPr lang="en-GB" u="sng" dirty="0" smtClean="0"/>
-              <a:t>PVD</a:t>
+              <a:rPr lang="ro-RO" u="sng" dirty="0"/>
+              <a:t>LSB</a:t>
             </a:r>
             <a:endParaRPr lang="ro-RO" dirty="0"/>
           </a:p>
@@ -5211,25 +6860,8 @@
           <a:lstStyle/>
           <a:p>
             <a:r>
-              <a:rPr lang="en-GB" dirty="0" smtClean="0"/>
-              <a:t>O </a:t>
-            </a:r>
-            <a:r>
               <a:rPr lang="ro-RO" dirty="0" smtClean="0"/>
-              <a:t>îmbunătățire adusă algoritmului LSB prin selectarea adaptivă a numărului de biți ce se încorporează</a:t>
-            </a:r>
-            <a:endParaRPr lang="en-GB" dirty="0" smtClean="0"/>
-          </a:p>
-          <a:p>
-            <a:r>
-              <a:rPr lang="ro-RO" dirty="0" smtClean="0"/>
-              <a:t>Imaginea este parcursă în blocuri de câte 2 pixeli</a:t>
-            </a:r>
-          </a:p>
-          <a:p>
-            <a:r>
-              <a:rPr lang="ro-RO" dirty="0" smtClean="0"/>
-              <a:t>Blocurile cu pixeli foarte diferiți permit încorporarea mai multor date</a:t>
+              <a:t>Concluzii</a:t>
             </a:r>
             <a:endParaRPr lang="ro-RO" dirty="0"/>
           </a:p>
@@ -5238,7 +6870,7 @@
     </p:spTree>
     <p:extLst>
       <p:ext uri="{BB962C8B-B14F-4D97-AF65-F5344CB8AC3E}">
-        <p14:creationId xmlns:p14="http://schemas.microsoft.com/office/powerpoint/2010/main" val="1856922768"/>
+        <p14:creationId xmlns:p14="http://schemas.microsoft.com/office/powerpoint/2010/main" val="3076641950"/>
       </p:ext>
     </p:extLst>
   </p:cSld>
@@ -5292,6 +6924,115 @@
               <a:t>Descrierea soluțiilor - </a:t>
             </a:r>
             <a:r>
+              <a:rPr lang="en-GB" u="sng" dirty="0" smtClean="0"/>
+              <a:t>PVD</a:t>
+            </a:r>
+            <a:endParaRPr lang="ro-RO" dirty="0"/>
+          </a:p>
+        </p:txBody>
+      </p:sp>
+      <p:sp>
+        <p:nvSpPr>
+          <p:cNvPr id="3" name="Content Placeholder 2"/>
+          <p:cNvSpPr>
+            <a:spLocks noGrp="1"/>
+          </p:cNvSpPr>
+          <p:nvPr>
+            <p:ph idx="1"/>
+          </p:nvPr>
+        </p:nvSpPr>
+        <p:spPr/>
+        <p:txBody>
+          <a:bodyPr/>
+          <a:lstStyle/>
+          <a:p>
+            <a:r>
+              <a:rPr lang="en-GB" dirty="0" smtClean="0"/>
+              <a:t>O </a:t>
+            </a:r>
+            <a:r>
+              <a:rPr lang="ro-RO" dirty="0" smtClean="0"/>
+              <a:t>îmbunătățire adusă algoritmului LSB prin selectarea adaptivă a numărului de biți ce se încorporează</a:t>
+            </a:r>
+            <a:endParaRPr lang="en-GB" dirty="0" smtClean="0"/>
+          </a:p>
+          <a:p>
+            <a:r>
+              <a:rPr lang="ro-RO" dirty="0" smtClean="0"/>
+              <a:t>Imaginea este parcursă în blocuri de câte 2 </a:t>
+            </a:r>
+            <a:r>
+              <a:rPr lang="ro-RO" dirty="0" smtClean="0"/>
+              <a:t>pixeli consecutivi</a:t>
+            </a:r>
+            <a:endParaRPr lang="ro-RO" dirty="0" smtClean="0"/>
+          </a:p>
+          <a:p>
+            <a:r>
+              <a:rPr lang="ro-RO" dirty="0" smtClean="0"/>
+              <a:t>Blocurile cu pixeli foarte diferiți permit încorporarea mai multor date</a:t>
+            </a:r>
+            <a:endParaRPr lang="ro-RO" dirty="0"/>
+          </a:p>
+        </p:txBody>
+      </p:sp>
+    </p:spTree>
+    <p:extLst>
+      <p:ext uri="{BB962C8B-B14F-4D97-AF65-F5344CB8AC3E}">
+        <p14:creationId xmlns:p14="http://schemas.microsoft.com/office/powerpoint/2010/main" val="1856922768"/>
+      </p:ext>
+    </p:extLst>
+  </p:cSld>
+  <p:clrMapOvr>
+    <a:masterClrMapping/>
+  </p:clrMapOvr>
+  <p:timing>
+    <p:tnLst>
+      <p:par>
+        <p:cTn id="1" dur="indefinite" restart="never" nodeType="tmRoot"/>
+      </p:par>
+    </p:tnLst>
+  </p:timing>
+</p:sld>
+</file>
+
+<file path=ppt/slides/slide15.xml><?xml version="1.0" encoding="utf-8"?>
+<p:sld xmlns:a="http://schemas.openxmlformats.org/drawingml/2006/main" xmlns:r="http://schemas.openxmlformats.org/officeDocument/2006/relationships" xmlns:p="http://schemas.openxmlformats.org/presentationml/2006/main">
+  <p:cSld>
+    <p:spTree>
+      <p:nvGrpSpPr>
+        <p:cNvPr id="1" name=""/>
+        <p:cNvGrpSpPr/>
+        <p:nvPr/>
+      </p:nvGrpSpPr>
+      <p:grpSpPr>
+        <a:xfrm>
+          <a:off x="0" y="0"/>
+          <a:ext cx="0" cy="0"/>
+          <a:chOff x="0" y="0"/>
+          <a:chExt cx="0" cy="0"/>
+        </a:xfrm>
+      </p:grpSpPr>
+      <p:sp>
+        <p:nvSpPr>
+          <p:cNvPr id="2" name="Title 1"/>
+          <p:cNvSpPr>
+            <a:spLocks noGrp="1"/>
+          </p:cNvSpPr>
+          <p:nvPr>
+            <p:ph type="title"/>
+          </p:nvPr>
+        </p:nvSpPr>
+        <p:spPr/>
+        <p:txBody>
+          <a:bodyPr/>
+          <a:lstStyle/>
+          <a:p>
+            <a:r>
+              <a:rPr lang="ro-RO" dirty="0"/>
+              <a:t>Descrierea soluțiilor - </a:t>
+            </a:r>
+            <a:r>
               <a:rPr lang="en-GB" u="sng" dirty="0"/>
               <a:t>PVD</a:t>
             </a:r>
@@ -5320,14 +7061,403 @@
               <a:p>
                 <a:r>
                   <a:rPr lang="ro-RO" dirty="0" smtClean="0"/>
-                  <a:t>Blocurile sunt clasificate după o mulțime de intervale</a:t>
+                  <a:t>Se calculează </a:t>
+                </a:r>
+                <a:r>
+                  <a:rPr lang="ro-RO" dirty="0"/>
+                  <a:t>diferența d </a:t>
+                </a:r>
+                <a:r>
+                  <a:rPr lang="ro-RO" dirty="0" smtClean="0"/>
+                  <a:t>dintre </a:t>
+                </a:r>
+                <a:r>
+                  <a:rPr lang="ro-RO" dirty="0" smtClean="0"/>
+                  <a:t>cei 2 pixeli ai blocului</a:t>
                 </a:r>
               </a:p>
               <a:p>
                 <a:pPr lvl="1"/>
                 <a:r>
                   <a:rPr lang="ro-RO" dirty="0" smtClean="0"/>
-                  <a:t>Intervalele utilizate în demo sunt următoarele:</a:t>
+                  <a:t>Pixelii </a:t>
+                </a:r>
+                <a:r>
+                  <a:rPr lang="ro-RO" i="1" dirty="0" smtClean="0"/>
+                  <a:t>p</a:t>
+                </a:r>
+                <a:r>
+                  <a:rPr lang="ro-RO" i="1" baseline="-25000" dirty="0" smtClean="0"/>
+                  <a:t>i</a:t>
+                </a:r>
+                <a:r>
+                  <a:rPr lang="ro-RO" i="1" dirty="0" smtClean="0"/>
+                  <a:t> </a:t>
+                </a:r>
+                <a:r>
+                  <a:rPr lang="ro-RO" dirty="0"/>
+                  <a:t>și </a:t>
+                </a:r>
+                <a:r>
+                  <a:rPr lang="ro-RO" i="1" dirty="0" smtClean="0"/>
+                  <a:t>p</a:t>
+                </a:r>
+                <a:r>
+                  <a:rPr lang="ro-RO" i="1" baseline="-25000" dirty="0" smtClean="0"/>
+                  <a:t>i+1</a:t>
+                </a:r>
+                <a:r>
+                  <a:rPr lang="ro-RO" i="1" dirty="0" smtClean="0"/>
+                  <a:t> </a:t>
+                </a:r>
+                <a:r>
+                  <a:rPr lang="ro-RO" dirty="0" smtClean="0"/>
+                  <a:t>au valorile </a:t>
+                </a:r>
+                <a:r>
+                  <a:rPr lang="ro-RO" i="1" dirty="0"/>
+                  <a:t>g</a:t>
+                </a:r>
+                <a:r>
+                  <a:rPr lang="ro-RO" i="1" baseline="-25000" dirty="0"/>
+                  <a:t>i</a:t>
+                </a:r>
+                <a:r>
+                  <a:rPr lang="ro-RO" i="1" dirty="0"/>
+                  <a:t> </a:t>
+                </a:r>
+                <a:r>
+                  <a:rPr lang="ro-RO" dirty="0"/>
+                  <a:t>și </a:t>
+                </a:r>
+                <a:r>
+                  <a:rPr lang="ro-RO" i="1" dirty="0"/>
+                  <a:t>g</a:t>
+                </a:r>
+                <a:r>
+                  <a:rPr lang="ro-RO" i="1" baseline="-25000" dirty="0"/>
+                  <a:t>i+1</a:t>
+                </a:r>
+                <a:endParaRPr lang="ro-RO" dirty="0" smtClean="0"/>
+              </a:p>
+              <a:p>
+                <a:r>
+                  <a:rPr lang="ro-RO" dirty="0" smtClean="0"/>
+                  <a:t>Diferența este clasificată </a:t>
+                </a:r>
+                <a:r>
+                  <a:rPr lang="ro-RO" dirty="0" smtClean="0"/>
+                  <a:t>după o mulțime de </a:t>
+                </a:r>
+                <a:r>
+                  <a:rPr lang="ro-RO" dirty="0" smtClean="0"/>
+                  <a:t>intervale</a:t>
+                </a:r>
+                <a:endParaRPr lang="en-GB" dirty="0" smtClean="0"/>
+              </a:p>
+              <a:p>
+                <a:pPr lvl="1"/>
+                <a14:m>
+                  <m:oMath xmlns:m="http://schemas.openxmlformats.org/officeDocument/2006/math">
+                    <m:r>
+                      <a:rPr lang="en-GB" b="0" i="1" smtClean="0">
+                        <a:latin typeface="Cambria Math" panose="02040503050406030204" pitchFamily="18" charset="0"/>
+                      </a:rPr>
+                      <m:t>𝑅</m:t>
+                    </m:r>
+                    <m:r>
+                      <a:rPr lang="en-GB" b="0" i="1" smtClean="0">
+                        <a:latin typeface="Cambria Math" panose="02040503050406030204" pitchFamily="18" charset="0"/>
+                      </a:rPr>
+                      <m:t>= </m:t>
+                    </m:r>
+                    <m:d>
+                      <m:dPr>
+                        <m:begChr m:val="{"/>
+                        <m:endChr m:val="}"/>
+                        <m:ctrlPr>
+                          <a:rPr lang="en-GB" b="0" i="1" smtClean="0">
+                            <a:latin typeface="Cambria Math" panose="02040503050406030204" pitchFamily="18" charset="0"/>
+                          </a:rPr>
+                        </m:ctrlPr>
+                      </m:dPr>
+                      <m:e>
+                        <m:sSub>
+                          <m:sSubPr>
+                            <m:ctrlPr>
+                              <a:rPr lang="en-GB" b="0" i="1" smtClean="0">
+                                <a:latin typeface="Cambria Math" panose="02040503050406030204" pitchFamily="18" charset="0"/>
+                              </a:rPr>
+                            </m:ctrlPr>
+                          </m:sSubPr>
+                          <m:e>
+                            <m:r>
+                              <a:rPr lang="en-GB" b="0" i="1" smtClean="0">
+                                <a:latin typeface="Cambria Math" panose="02040503050406030204" pitchFamily="18" charset="0"/>
+                              </a:rPr>
+                              <m:t>𝑅</m:t>
+                            </m:r>
+                          </m:e>
+                          <m:sub>
+                            <m:r>
+                              <a:rPr lang="en-GB" b="0" i="1" smtClean="0">
+                                <a:latin typeface="Cambria Math" panose="02040503050406030204" pitchFamily="18" charset="0"/>
+                              </a:rPr>
+                              <m:t>𝑖</m:t>
+                            </m:r>
+                          </m:sub>
+                        </m:sSub>
+                      </m:e>
+                      <m:e>
+                        <m:r>
+                          <a:rPr lang="en-GB" b="0" i="1" smtClean="0">
+                            <a:latin typeface="Cambria Math" panose="02040503050406030204" pitchFamily="18" charset="0"/>
+                          </a:rPr>
+                          <m:t>𝑖</m:t>
+                        </m:r>
+                        <m:r>
+                          <a:rPr lang="en-GB" b="0" i="1" smtClean="0">
+                            <a:latin typeface="Cambria Math" panose="02040503050406030204" pitchFamily="18" charset="0"/>
+                          </a:rPr>
+                          <m:t>=</m:t>
+                        </m:r>
+                        <m:acc>
+                          <m:accPr>
+                            <m:chr m:val="̅"/>
+                            <m:ctrlPr>
+                              <a:rPr lang="en-GB" b="0" i="1" smtClean="0">
+                                <a:latin typeface="Cambria Math" panose="02040503050406030204" pitchFamily="18" charset="0"/>
+                              </a:rPr>
+                            </m:ctrlPr>
+                          </m:accPr>
+                          <m:e>
+                            <m:r>
+                              <a:rPr lang="en-GB" b="0" i="1" smtClean="0">
+                                <a:latin typeface="Cambria Math" panose="02040503050406030204" pitchFamily="18" charset="0"/>
+                              </a:rPr>
+                              <m:t>1, </m:t>
+                            </m:r>
+                            <m:r>
+                              <a:rPr lang="en-GB" b="0" i="1" smtClean="0">
+                                <a:latin typeface="Cambria Math" panose="02040503050406030204" pitchFamily="18" charset="0"/>
+                              </a:rPr>
+                              <m:t>𝑛</m:t>
+                            </m:r>
+                          </m:e>
+                        </m:acc>
+                      </m:e>
+                    </m:d>
+                  </m:oMath>
+                </a14:m>
+                <a:endParaRPr lang="en-GB" dirty="0" smtClean="0"/>
+              </a:p>
+              <a:p>
+                <a:pPr lvl="1"/>
+                <a:r>
+                  <a:rPr lang="ro-RO" dirty="0" smtClean="0"/>
+                  <a:t> </a:t>
+                </a:r>
+                <a14:m>
+                  <m:oMath xmlns:m="http://schemas.openxmlformats.org/officeDocument/2006/math">
+                    <m:sSub>
+                      <m:sSubPr>
+                        <m:ctrlPr>
+                          <a:rPr lang="ro-RO" i="1" smtClean="0">
+                            <a:latin typeface="Cambria Math" panose="02040503050406030204" pitchFamily="18" charset="0"/>
+                          </a:rPr>
+                        </m:ctrlPr>
+                      </m:sSubPr>
+                      <m:e>
+                        <m:r>
+                          <a:rPr lang="ro-RO" b="0" i="1" smtClean="0">
+                            <a:latin typeface="Cambria Math" panose="02040503050406030204" pitchFamily="18" charset="0"/>
+                          </a:rPr>
+                          <m:t>𝑅</m:t>
+                        </m:r>
+                      </m:e>
+                      <m:sub>
+                        <m:r>
+                          <a:rPr lang="ro-RO" b="0" i="1" smtClean="0">
+                            <a:latin typeface="Cambria Math" panose="02040503050406030204" pitchFamily="18" charset="0"/>
+                          </a:rPr>
+                          <m:t>𝑖</m:t>
+                        </m:r>
+                      </m:sub>
+                    </m:sSub>
+                    <m:r>
+                      <a:rPr lang="en-GB" b="0" i="1" smtClean="0">
+                        <a:latin typeface="Cambria Math" panose="02040503050406030204" pitchFamily="18" charset="0"/>
+                      </a:rPr>
+                      <m:t>=</m:t>
+                    </m:r>
+                    <m:d>
+                      <m:dPr>
+                        <m:begChr m:val="["/>
+                        <m:endChr m:val="]"/>
+                        <m:ctrlPr>
+                          <a:rPr lang="en-GB" b="0" i="1" smtClean="0">
+                            <a:latin typeface="Cambria Math" panose="02040503050406030204" pitchFamily="18" charset="0"/>
+                          </a:rPr>
+                        </m:ctrlPr>
+                      </m:dPr>
+                      <m:e>
+                        <m:sSub>
+                          <m:sSubPr>
+                            <m:ctrlPr>
+                              <a:rPr lang="en-GB" i="1">
+                                <a:latin typeface="Cambria Math" panose="02040503050406030204" pitchFamily="18" charset="0"/>
+                              </a:rPr>
+                            </m:ctrlPr>
+                          </m:sSubPr>
+                          <m:e>
+                            <m:r>
+                              <a:rPr lang="en-GB" i="1">
+                                <a:latin typeface="Cambria Math" panose="02040503050406030204" pitchFamily="18" charset="0"/>
+                              </a:rPr>
+                              <m:t>𝑙</m:t>
+                            </m:r>
+                          </m:e>
+                          <m:sub>
+                            <m:r>
+                              <a:rPr lang="en-GB" i="1">
+                                <a:latin typeface="Cambria Math" panose="02040503050406030204" pitchFamily="18" charset="0"/>
+                              </a:rPr>
+                              <m:t>𝑖</m:t>
+                            </m:r>
+                          </m:sub>
+                        </m:sSub>
+                        <m:r>
+                          <a:rPr lang="en-GB" i="1">
+                            <a:latin typeface="Cambria Math" panose="02040503050406030204" pitchFamily="18" charset="0"/>
+                          </a:rPr>
+                          <m:t>,</m:t>
+                        </m:r>
+                        <m:sSub>
+                          <m:sSubPr>
+                            <m:ctrlPr>
+                              <a:rPr lang="en-GB" i="1">
+                                <a:latin typeface="Cambria Math" panose="02040503050406030204" pitchFamily="18" charset="0"/>
+                              </a:rPr>
+                            </m:ctrlPr>
+                          </m:sSubPr>
+                          <m:e>
+                            <m:r>
+                              <a:rPr lang="en-GB" i="1">
+                                <a:latin typeface="Cambria Math" panose="02040503050406030204" pitchFamily="18" charset="0"/>
+                              </a:rPr>
+                              <m:t>𝑢</m:t>
+                            </m:r>
+                          </m:e>
+                          <m:sub>
+                            <m:r>
+                              <a:rPr lang="en-GB" i="1">
+                                <a:latin typeface="Cambria Math" panose="02040503050406030204" pitchFamily="18" charset="0"/>
+                              </a:rPr>
+                              <m:t>𝑖</m:t>
+                            </m:r>
+                          </m:sub>
+                        </m:sSub>
+                      </m:e>
+                    </m:d>
+                  </m:oMath>
+                </a14:m>
+                <a:r>
+                  <a:rPr lang="en-GB" dirty="0" smtClean="0"/>
+                  <a:t>; </a:t>
+                </a:r>
+                <a14:m>
+                  <m:oMath xmlns:m="http://schemas.openxmlformats.org/officeDocument/2006/math">
+                    <m:sSub>
+                      <m:sSubPr>
+                        <m:ctrlPr>
+                          <a:rPr lang="en-GB" i="1">
+                            <a:latin typeface="Cambria Math" panose="02040503050406030204" pitchFamily="18" charset="0"/>
+                          </a:rPr>
+                        </m:ctrlPr>
+                      </m:sSubPr>
+                      <m:e>
+                        <m:r>
+                          <a:rPr lang="en-GB" b="0" i="1" smtClean="0">
+                            <a:latin typeface="Cambria Math" panose="02040503050406030204" pitchFamily="18" charset="0"/>
+                          </a:rPr>
+                          <m:t>  </m:t>
+                        </m:r>
+                        <m:r>
+                          <a:rPr lang="en-GB" i="1">
+                            <a:latin typeface="Cambria Math" panose="02040503050406030204" pitchFamily="18" charset="0"/>
+                          </a:rPr>
+                          <m:t>𝑙</m:t>
+                        </m:r>
+                      </m:e>
+                      <m:sub>
+                        <m:r>
+                          <a:rPr lang="en-GB" b="0" i="1" smtClean="0">
+                            <a:latin typeface="Cambria Math" panose="02040503050406030204" pitchFamily="18" charset="0"/>
+                          </a:rPr>
+                          <m:t>0</m:t>
+                        </m:r>
+                      </m:sub>
+                    </m:sSub>
+                    <m:r>
+                      <a:rPr lang="en-GB" b="0" i="1" smtClean="0">
+                        <a:latin typeface="Cambria Math" panose="02040503050406030204" pitchFamily="18" charset="0"/>
+                      </a:rPr>
+                      <m:t>=0</m:t>
+                    </m:r>
+                    <m:r>
+                      <a:rPr lang="en-GB" i="1">
+                        <a:latin typeface="Cambria Math" panose="02040503050406030204" pitchFamily="18" charset="0"/>
+                      </a:rPr>
+                      <m:t>,</m:t>
+                    </m:r>
+                    <m:sSub>
+                      <m:sSubPr>
+                        <m:ctrlPr>
+                          <a:rPr lang="en-GB" i="1" smtClean="0">
+                            <a:latin typeface="Cambria Math" panose="02040503050406030204" pitchFamily="18" charset="0"/>
+                          </a:rPr>
+                        </m:ctrlPr>
+                      </m:sSubPr>
+                      <m:e>
+                        <m:r>
+                          <a:rPr lang="en-GB" i="1">
+                            <a:latin typeface="Cambria Math" panose="02040503050406030204" pitchFamily="18" charset="0"/>
+                          </a:rPr>
+                          <m:t>𝑢</m:t>
+                        </m:r>
+                      </m:e>
+                      <m:sub>
+                        <m:r>
+                          <a:rPr lang="en-GB" b="0" i="1" smtClean="0">
+                            <a:latin typeface="Cambria Math" panose="02040503050406030204" pitchFamily="18" charset="0"/>
+                          </a:rPr>
+                          <m:t>𝑛</m:t>
+                        </m:r>
+                      </m:sub>
+                    </m:sSub>
+                    <m:r>
+                      <a:rPr lang="en-GB" b="0" i="1" smtClean="0">
+                        <a:latin typeface="Cambria Math" panose="02040503050406030204" pitchFamily="18" charset="0"/>
+                      </a:rPr>
+                      <m:t>=255</m:t>
+                    </m:r>
+                  </m:oMath>
+                </a14:m>
+                <a:endParaRPr lang="ro-RO" dirty="0" smtClean="0"/>
+              </a:p>
+              <a:p>
+                <a:pPr lvl="1"/>
+                <a:r>
+                  <a:rPr lang="ro-RO" dirty="0" smtClean="0"/>
+                  <a:t>Intervalele utilizate în </a:t>
+                </a:r>
+                <a:r>
+                  <a:rPr lang="ro-RO" dirty="0" smtClean="0"/>
+                  <a:t>algoritmi </a:t>
+                </a:r>
+                <a:r>
+                  <a:rPr lang="ro-RO" dirty="0" smtClean="0"/>
+                  <a:t>sunt următoarele:</a:t>
                 </a:r>
               </a:p>
               <a:p>
@@ -5341,11 +7471,15 @@
                     </m:oMathParaPr>
                     <m:oMath xmlns:m="http://schemas.openxmlformats.org/officeDocument/2006/math">
                       <m:r>
-                        <a:rPr lang="ro-RO" i="1"/>
+                        <a:rPr lang="ro-RO" i="1">
+                          <a:latin typeface="Cambria Math" panose="02040503050406030204" pitchFamily="18" charset="0"/>
+                        </a:rPr>
                         <m:t>𝑀</m:t>
                       </m:r>
                       <m:r>
-                        <a:rPr lang="ro-RO" i="1"/>
+                        <a:rPr lang="ro-RO" i="1">
+                          <a:latin typeface="Cambria Math" panose="02040503050406030204" pitchFamily="18" charset="0"/>
+                        </a:rPr>
                         <m:t>= </m:t>
                       </m:r>
                       <m:d>
@@ -5353,7 +7487,9 @@
                           <m:begChr m:val="{"/>
                           <m:endChr m:val="}"/>
                           <m:ctrlPr>
-                            <a:rPr lang="ro-RO" i="1"/>
+                            <a:rPr lang="ro-RO" i="1">
+                              <a:latin typeface="Cambria Math" panose="02040503050406030204" pitchFamily="18" charset="0"/>
+                            </a:rPr>
                           </m:ctrlPr>
                         </m:dPr>
                         <m:e>
@@ -5362,18 +7498,24 @@
                               <m:begChr m:val="["/>
                               <m:endChr m:val="]"/>
                               <m:ctrlPr>
-                                <a:rPr lang="ro-RO" i="1"/>
+                                <a:rPr lang="ro-RO" i="1">
+                                  <a:latin typeface="Cambria Math" panose="02040503050406030204" pitchFamily="18" charset="0"/>
+                                </a:rPr>
                               </m:ctrlPr>
                             </m:dPr>
                             <m:e>
                               <m:r>
-                                <a:rPr lang="ro-RO" i="1"/>
+                                <a:rPr lang="ro-RO" i="1">
+                                  <a:latin typeface="Cambria Math" panose="02040503050406030204" pitchFamily="18" charset="0"/>
+                                </a:rPr>
                                 <m:t>0, 7</m:t>
                               </m:r>
                             </m:e>
                           </m:d>
                           <m:r>
-                            <a:rPr lang="ro-RO" i="1"/>
+                            <a:rPr lang="ro-RO" i="1">
+                              <a:latin typeface="Cambria Math" panose="02040503050406030204" pitchFamily="18" charset="0"/>
+                            </a:rPr>
                             <m:t>,</m:t>
                           </m:r>
                           <m:d>
@@ -5381,18 +7523,24 @@
                               <m:begChr m:val="["/>
                               <m:endChr m:val="]"/>
                               <m:ctrlPr>
-                                <a:rPr lang="ro-RO" i="1"/>
+                                <a:rPr lang="ro-RO" i="1">
+                                  <a:latin typeface="Cambria Math" panose="02040503050406030204" pitchFamily="18" charset="0"/>
+                                </a:rPr>
                               </m:ctrlPr>
                             </m:dPr>
                             <m:e>
                               <m:r>
-                                <a:rPr lang="ro-RO" i="1"/>
+                                <a:rPr lang="ro-RO" i="1">
+                                  <a:latin typeface="Cambria Math" panose="02040503050406030204" pitchFamily="18" charset="0"/>
+                                </a:rPr>
                                 <m:t>8, 15</m:t>
                               </m:r>
                             </m:e>
                           </m:d>
                           <m:r>
-                            <a:rPr lang="ro-RO" i="1"/>
+                            <a:rPr lang="ro-RO" i="1">
+                              <a:latin typeface="Cambria Math" panose="02040503050406030204" pitchFamily="18" charset="0"/>
+                            </a:rPr>
                             <m:t>,</m:t>
                           </m:r>
                           <m:d>
@@ -5400,18 +7548,24 @@
                               <m:begChr m:val="["/>
                               <m:endChr m:val="]"/>
                               <m:ctrlPr>
-                                <a:rPr lang="ro-RO" i="1"/>
+                                <a:rPr lang="ro-RO" i="1">
+                                  <a:latin typeface="Cambria Math" panose="02040503050406030204" pitchFamily="18" charset="0"/>
+                                </a:rPr>
                               </m:ctrlPr>
                             </m:dPr>
                             <m:e>
                               <m:r>
-                                <a:rPr lang="ro-RO" i="1"/>
+                                <a:rPr lang="ro-RO" i="1">
+                                  <a:latin typeface="Cambria Math" panose="02040503050406030204" pitchFamily="18" charset="0"/>
+                                </a:rPr>
                                 <m:t>16, 31</m:t>
                               </m:r>
                             </m:e>
                           </m:d>
                           <m:r>
-                            <a:rPr lang="ro-RO" i="1"/>
+                            <a:rPr lang="ro-RO" i="1">
+                              <a:latin typeface="Cambria Math" panose="02040503050406030204" pitchFamily="18" charset="0"/>
+                            </a:rPr>
                             <m:t>,</m:t>
                           </m:r>
                           <m:d>
@@ -5419,18 +7573,24 @@
                               <m:begChr m:val="["/>
                               <m:endChr m:val="]"/>
                               <m:ctrlPr>
-                                <a:rPr lang="ro-RO" i="1"/>
+                                <a:rPr lang="ro-RO" i="1">
+                                  <a:latin typeface="Cambria Math" panose="02040503050406030204" pitchFamily="18" charset="0"/>
+                                </a:rPr>
                               </m:ctrlPr>
                             </m:dPr>
                             <m:e>
                               <m:r>
-                                <a:rPr lang="ro-RO" i="1"/>
+                                <a:rPr lang="ro-RO" i="1">
+                                  <a:latin typeface="Cambria Math" panose="02040503050406030204" pitchFamily="18" charset="0"/>
+                                </a:rPr>
                                 <m:t>32, 63</m:t>
                               </m:r>
                             </m:e>
                           </m:d>
                           <m:r>
-                            <a:rPr lang="ro-RO" i="1"/>
+                            <a:rPr lang="ro-RO" i="1">
+                              <a:latin typeface="Cambria Math" panose="02040503050406030204" pitchFamily="18" charset="0"/>
+                            </a:rPr>
                             <m:t>,</m:t>
                           </m:r>
                           <m:d>
@@ -5438,18 +7598,24 @@
                               <m:begChr m:val="["/>
                               <m:endChr m:val="]"/>
                               <m:ctrlPr>
-                                <a:rPr lang="ro-RO" i="1"/>
+                                <a:rPr lang="ro-RO" i="1">
+                                  <a:latin typeface="Cambria Math" panose="02040503050406030204" pitchFamily="18" charset="0"/>
+                                </a:rPr>
                               </m:ctrlPr>
                             </m:dPr>
                             <m:e>
                               <m:r>
-                                <a:rPr lang="ro-RO" i="1"/>
+                                <a:rPr lang="ro-RO" i="1">
+                                  <a:latin typeface="Cambria Math" panose="02040503050406030204" pitchFamily="18" charset="0"/>
+                                </a:rPr>
                                 <m:t>64, 127</m:t>
                               </m:r>
                             </m:e>
                           </m:d>
                           <m:r>
-                            <a:rPr lang="ro-RO" i="1"/>
+                            <a:rPr lang="ro-RO" i="1">
+                              <a:latin typeface="Cambria Math" panose="02040503050406030204" pitchFamily="18" charset="0"/>
+                            </a:rPr>
                             <m:t>,</m:t>
                           </m:r>
                           <m:d>
@@ -5457,18 +7623,24 @@
                               <m:begChr m:val="["/>
                               <m:endChr m:val="]"/>
                               <m:ctrlPr>
-                                <a:rPr lang="ro-RO" i="1"/>
+                                <a:rPr lang="ro-RO" i="1">
+                                  <a:latin typeface="Cambria Math" panose="02040503050406030204" pitchFamily="18" charset="0"/>
+                                </a:rPr>
                               </m:ctrlPr>
                             </m:dPr>
                             <m:e>
                               <m:r>
-                                <a:rPr lang="ro-RO" i="1"/>
+                                <a:rPr lang="ro-RO" i="1">
+                                  <a:latin typeface="Cambria Math" panose="02040503050406030204" pitchFamily="18" charset="0"/>
+                                </a:rPr>
                                 <m:t>128, 255</m:t>
                               </m:r>
                             </m:e>
                           </m:d>
                           <m:r>
-                            <a:rPr lang="ro-RO" i="1"/>
+                            <a:rPr lang="ro-RO" i="1">
+                              <a:latin typeface="Cambria Math" panose="02040503050406030204" pitchFamily="18" charset="0"/>
+                            </a:rPr>
                             <m:t> </m:t>
                           </m:r>
                         </m:e>
@@ -5497,24 +7669,32 @@
                       <m:sSup>
                         <m:sSupPr>
                           <m:ctrlPr>
-                            <a:rPr lang="ro-RO" sz="1600" i="1"/>
+                            <a:rPr lang="ro-RO" sz="1600" i="1">
+                              <a:latin typeface="Cambria Math" panose="02040503050406030204" pitchFamily="18" charset="0"/>
+                            </a:rPr>
                           </m:ctrlPr>
                         </m:sSupPr>
                         <m:e>
                           <m:r>
-                            <a:rPr lang="ro-RO" sz="1600" i="1"/>
+                            <a:rPr lang="ro-RO" sz="1600" i="1">
+                              <a:latin typeface="Cambria Math" panose="02040503050406030204" pitchFamily="18" charset="0"/>
+                            </a:rPr>
                             <m:t>𝑀</m:t>
                           </m:r>
                         </m:e>
                         <m:sup>
                           <m:r>
-                            <a:rPr lang="en-GB" sz="1600" i="1"/>
+                            <a:rPr lang="en-GB" sz="1600" i="1">
+                              <a:latin typeface="Cambria Math" panose="02040503050406030204" pitchFamily="18" charset="0"/>
+                            </a:rPr>
                             <m:t>′</m:t>
                           </m:r>
                         </m:sup>
                       </m:sSup>
                       <m:r>
-                        <a:rPr lang="ro-RO" sz="1600" i="1"/>
+                        <a:rPr lang="ro-RO" sz="1600" i="1">
+                          <a:latin typeface="Cambria Math" panose="02040503050406030204" pitchFamily="18" charset="0"/>
+                        </a:rPr>
                         <m:t>=</m:t>
                       </m:r>
                       <m:d>
@@ -5522,14 +7702,18 @@
                           <m:begChr m:val="{"/>
                           <m:endChr m:val="}"/>
                           <m:ctrlPr>
-                            <a:rPr lang="ro-RO" sz="1600" i="1"/>
+                            <a:rPr lang="ro-RO" sz="1600" i="1">
+                              <a:latin typeface="Cambria Math" panose="02040503050406030204" pitchFamily="18" charset="0"/>
+                            </a:rPr>
                           </m:ctrlPr>
                         </m:dPr>
                         <m:e>
                           <m:eqArr>
                             <m:eqArrPr>
                               <m:ctrlPr>
-                                <a:rPr lang="ro-RO" sz="1600" i="1"/>
+                                <a:rPr lang="ro-RO" sz="1600" i="1">
+                                  <a:latin typeface="Cambria Math" panose="02040503050406030204" pitchFamily="18" charset="0"/>
+                                </a:rPr>
                               </m:ctrlPr>
                             </m:eqArrPr>
                             <m:e>
@@ -5543,7 +7727,9 @@
                                 </m:eqArrPr>
                                 <m:e>
                                   <m:r>
-                                    <a:rPr lang="ro-RO" sz="1600" i="1"/>
+                                    <a:rPr lang="ro-RO" sz="1600" i="1">
+                                      <a:latin typeface="Cambria Math" panose="02040503050406030204" pitchFamily="18" charset="0"/>
+                                    </a:rPr>
                                     <m:t> </m:t>
                                   </m:r>
                                   <m:d>
@@ -5551,18 +7737,24 @@
                                       <m:begChr m:val="["/>
                                       <m:endChr m:val="]"/>
                                       <m:ctrlPr>
-                                        <a:rPr lang="ro-RO" sz="1600" i="1"/>
+                                        <a:rPr lang="ro-RO" sz="1600" i="1">
+                                          <a:latin typeface="Cambria Math" panose="02040503050406030204" pitchFamily="18" charset="0"/>
+                                        </a:rPr>
                                       </m:ctrlPr>
                                     </m:dPr>
                                     <m:e>
                                       <m:r>
-                                        <a:rPr lang="ro-RO" sz="1600" i="1"/>
+                                        <a:rPr lang="ro-RO" sz="1600" i="1">
+                                          <a:latin typeface="Cambria Math" panose="02040503050406030204" pitchFamily="18" charset="0"/>
+                                        </a:rPr>
                                         <m:t>0, 15</m:t>
                                       </m:r>
                                     </m:e>
                                   </m:d>
                                   <m:r>
-                                    <a:rPr lang="ro-RO" sz="1600" i="1"/>
+                                    <a:rPr lang="ro-RO" sz="1600" i="1">
+                                      <a:latin typeface="Cambria Math" panose="02040503050406030204" pitchFamily="18" charset="0"/>
+                                    </a:rPr>
                                     <m:t>, </m:t>
                                   </m:r>
                                   <m:d>
@@ -5570,18 +7762,24 @@
                                       <m:begChr m:val="["/>
                                       <m:endChr m:val="]"/>
                                       <m:ctrlPr>
-                                        <a:rPr lang="ro-RO" sz="1600" i="1"/>
+                                        <a:rPr lang="ro-RO" sz="1600" i="1">
+                                          <a:latin typeface="Cambria Math" panose="02040503050406030204" pitchFamily="18" charset="0"/>
+                                        </a:rPr>
                                       </m:ctrlPr>
                                     </m:dPr>
                                     <m:e>
                                       <m:r>
-                                        <a:rPr lang="ro-RO" sz="1600" i="1"/>
+                                        <a:rPr lang="ro-RO" sz="1600" i="1">
+                                          <a:latin typeface="Cambria Math" panose="02040503050406030204" pitchFamily="18" charset="0"/>
+                                        </a:rPr>
                                         <m:t>16, 23</m:t>
                                       </m:r>
                                     </m:e>
                                   </m:d>
                                   <m:r>
-                                    <a:rPr lang="ro-RO" sz="1600" i="1"/>
+                                    <a:rPr lang="ro-RO" sz="1600" i="1">
+                                      <a:latin typeface="Cambria Math" panose="02040503050406030204" pitchFamily="18" charset="0"/>
+                                    </a:rPr>
                                     <m:t>,</m:t>
                                   </m:r>
                                   <m:d>
@@ -5589,18 +7787,24 @@
                                       <m:begChr m:val="["/>
                                       <m:endChr m:val="]"/>
                                       <m:ctrlPr>
-                                        <a:rPr lang="ro-RO" sz="1600" i="1"/>
+                                        <a:rPr lang="ro-RO" sz="1600" i="1">
+                                          <a:latin typeface="Cambria Math" panose="02040503050406030204" pitchFamily="18" charset="0"/>
+                                        </a:rPr>
                                       </m:ctrlPr>
                                     </m:dPr>
                                     <m:e>
                                       <m:r>
-                                        <a:rPr lang="ro-RO" sz="1600" i="1"/>
+                                        <a:rPr lang="ro-RO" sz="1600" i="1">
+                                          <a:latin typeface="Cambria Math" panose="02040503050406030204" pitchFamily="18" charset="0"/>
+                                        </a:rPr>
                                         <m:t>24, 31</m:t>
                                       </m:r>
                                     </m:e>
                                   </m:d>
                                   <m:r>
-                                    <a:rPr lang="ro-RO" sz="1600" i="1"/>
+                                    <a:rPr lang="ro-RO" sz="1600" i="1">
+                                      <a:latin typeface="Cambria Math" panose="02040503050406030204" pitchFamily="18" charset="0"/>
+                                    </a:rPr>
                                     <m:t>,</m:t>
                                   </m:r>
                                   <m:d>
@@ -5608,18 +7812,24 @@
                                       <m:begChr m:val="["/>
                                       <m:endChr m:val="]"/>
                                       <m:ctrlPr>
-                                        <a:rPr lang="ro-RO" sz="1600" i="1"/>
+                                        <a:rPr lang="ro-RO" sz="1600" i="1">
+                                          <a:latin typeface="Cambria Math" panose="02040503050406030204" pitchFamily="18" charset="0"/>
+                                        </a:rPr>
                                       </m:ctrlPr>
                                     </m:dPr>
                                     <m:e>
                                       <m:r>
-                                        <a:rPr lang="ro-RO" sz="1600" i="1"/>
+                                        <a:rPr lang="ro-RO" sz="1600" i="1">
+                                          <a:latin typeface="Cambria Math" panose="02040503050406030204" pitchFamily="18" charset="0"/>
+                                        </a:rPr>
                                         <m:t>32, 47</m:t>
                                       </m:r>
                                     </m:e>
                                   </m:d>
                                   <m:r>
-                                    <a:rPr lang="ro-RO" sz="1600" i="1"/>
+                                    <a:rPr lang="ro-RO" sz="1600" i="1">
+                                      <a:latin typeface="Cambria Math" panose="02040503050406030204" pitchFamily="18" charset="0"/>
+                                    </a:rPr>
                                     <m:t>,</m:t>
                                   </m:r>
                                   <m:d>
@@ -5627,18 +7837,24 @@
                                       <m:begChr m:val="["/>
                                       <m:endChr m:val="]"/>
                                       <m:ctrlPr>
-                                        <a:rPr lang="ro-RO" sz="1600" i="1"/>
+                                        <a:rPr lang="ro-RO" sz="1600" i="1">
+                                          <a:latin typeface="Cambria Math" panose="02040503050406030204" pitchFamily="18" charset="0"/>
+                                        </a:rPr>
                                       </m:ctrlPr>
                                     </m:dPr>
                                     <m:e>
                                       <m:r>
-                                        <a:rPr lang="ro-RO" sz="1600" i="1"/>
+                                        <a:rPr lang="ro-RO" sz="1600" i="1">
+                                          <a:latin typeface="Cambria Math" panose="02040503050406030204" pitchFamily="18" charset="0"/>
+                                        </a:rPr>
                                         <m:t>48, 63</m:t>
                                       </m:r>
                                     </m:e>
                                   </m:d>
                                   <m:r>
-                                    <a:rPr lang="ro-RO" sz="1600" i="1"/>
+                                    <a:rPr lang="ro-RO" sz="1600" i="1">
+                                      <a:latin typeface="Cambria Math" panose="02040503050406030204" pitchFamily="18" charset="0"/>
+                                    </a:rPr>
                                     <m:t>,</m:t>
                                   </m:r>
                                 </m:e>
@@ -5648,18 +7864,24 @@
                                       <m:begChr m:val="["/>
                                       <m:endChr m:val="]"/>
                                       <m:ctrlPr>
-                                        <a:rPr lang="ro-RO" sz="1600" i="1"/>
+                                        <a:rPr lang="ro-RO" sz="1600" i="1">
+                                          <a:latin typeface="Cambria Math" panose="02040503050406030204" pitchFamily="18" charset="0"/>
+                                        </a:rPr>
                                       </m:ctrlPr>
                                     </m:dPr>
                                     <m:e>
                                       <m:r>
-                                        <a:rPr lang="ro-RO" sz="1600" i="1"/>
+                                        <a:rPr lang="ro-RO" sz="1600" i="1">
+                                          <a:latin typeface="Cambria Math" panose="02040503050406030204" pitchFamily="18" charset="0"/>
+                                        </a:rPr>
                                         <m:t>64, 79</m:t>
                                       </m:r>
                                     </m:e>
                                   </m:d>
                                   <m:r>
-                                    <a:rPr lang="ro-RO" sz="1600" i="1"/>
+                                    <a:rPr lang="ro-RO" sz="1600" i="1">
+                                      <a:latin typeface="Cambria Math" panose="02040503050406030204" pitchFamily="18" charset="0"/>
+                                    </a:rPr>
                                     <m:t>,</m:t>
                                   </m:r>
                                   <m:d>
@@ -5667,18 +7889,24 @@
                                       <m:begChr m:val="["/>
                                       <m:endChr m:val="]"/>
                                       <m:ctrlPr>
-                                        <a:rPr lang="ro-RO" sz="1600" i="1"/>
+                                        <a:rPr lang="ro-RO" sz="1600" i="1">
+                                          <a:latin typeface="Cambria Math" panose="02040503050406030204" pitchFamily="18" charset="0"/>
+                                        </a:rPr>
                                       </m:ctrlPr>
                                     </m:dPr>
                                     <m:e>
                                       <m:r>
-                                        <a:rPr lang="ro-RO" sz="1600" i="1"/>
+                                        <a:rPr lang="ro-RO" sz="1600" i="1">
+                                          <a:latin typeface="Cambria Math" panose="02040503050406030204" pitchFamily="18" charset="0"/>
+                                        </a:rPr>
                                         <m:t>80, 95</m:t>
                                       </m:r>
                                     </m:e>
                                   </m:d>
                                   <m:r>
-                                    <a:rPr lang="ro-RO" sz="1600" i="1"/>
+                                    <a:rPr lang="ro-RO" sz="1600" i="1">
+                                      <a:latin typeface="Cambria Math" panose="02040503050406030204" pitchFamily="18" charset="0"/>
+                                    </a:rPr>
                                     <m:t>,</m:t>
                                   </m:r>
                                   <m:d>
@@ -5686,18 +7914,24 @@
                                       <m:begChr m:val="["/>
                                       <m:endChr m:val="]"/>
                                       <m:ctrlPr>
-                                        <a:rPr lang="ro-RO" sz="1600" i="1"/>
+                                        <a:rPr lang="ro-RO" sz="1600" i="1">
+                                          <a:latin typeface="Cambria Math" panose="02040503050406030204" pitchFamily="18" charset="0"/>
+                                        </a:rPr>
                                       </m:ctrlPr>
                                     </m:dPr>
                                     <m:e>
                                       <m:r>
-                                        <a:rPr lang="ro-RO" sz="1600" i="1"/>
+                                        <a:rPr lang="ro-RO" sz="1600" i="1">
+                                          <a:latin typeface="Cambria Math" panose="02040503050406030204" pitchFamily="18" charset="0"/>
+                                        </a:rPr>
                                         <m:t>96, 103</m:t>
                                       </m:r>
                                     </m:e>
                                   </m:d>
                                   <m:r>
-                                    <a:rPr lang="ro-RO" sz="1600" i="1"/>
+                                    <a:rPr lang="ro-RO" sz="1600" i="1">
+                                      <a:latin typeface="Cambria Math" panose="02040503050406030204" pitchFamily="18" charset="0"/>
+                                    </a:rPr>
                                     <m:t>,</m:t>
                                   </m:r>
                                   <m:d>
@@ -5705,18 +7939,24 @@
                                       <m:begChr m:val="["/>
                                       <m:endChr m:val="]"/>
                                       <m:ctrlPr>
-                                        <a:rPr lang="ro-RO" sz="1600" i="1"/>
+                                        <a:rPr lang="ro-RO" sz="1600" i="1">
+                                          <a:latin typeface="Cambria Math" panose="02040503050406030204" pitchFamily="18" charset="0"/>
+                                        </a:rPr>
                                       </m:ctrlPr>
                                     </m:dPr>
                                     <m:e>
                                       <m:r>
-                                        <a:rPr lang="ro-RO" sz="1600" i="1"/>
+                                        <a:rPr lang="ro-RO" sz="1600" i="1">
+                                          <a:latin typeface="Cambria Math" panose="02040503050406030204" pitchFamily="18" charset="0"/>
+                                        </a:rPr>
                                         <m:t>104, 111</m:t>
                                       </m:r>
                                     </m:e>
                                   </m:d>
                                   <m:r>
-                                    <a:rPr lang="ro-RO" sz="1600" i="1"/>
+                                    <a:rPr lang="ro-RO" sz="1600" i="1">
+                                      <a:latin typeface="Cambria Math" panose="02040503050406030204" pitchFamily="18" charset="0"/>
+                                    </a:rPr>
                                     <m:t>,</m:t>
                                   </m:r>
                                 </m:e>
@@ -5728,18 +7968,24 @@
                                   <m:begChr m:val="["/>
                                   <m:endChr m:val="]"/>
                                   <m:ctrlPr>
-                                    <a:rPr lang="ro-RO" sz="1600" i="1"/>
+                                    <a:rPr lang="ro-RO" sz="1600" i="1">
+                                      <a:latin typeface="Cambria Math" panose="02040503050406030204" pitchFamily="18" charset="0"/>
+                                    </a:rPr>
                                   </m:ctrlPr>
                                 </m:dPr>
                                 <m:e>
                                   <m:r>
-                                    <a:rPr lang="ro-RO" sz="1600" i="1"/>
+                                    <a:rPr lang="ro-RO" sz="1600" i="1">
+                                      <a:latin typeface="Cambria Math" panose="02040503050406030204" pitchFamily="18" charset="0"/>
+                                    </a:rPr>
                                     <m:t>112, 119</m:t>
                                   </m:r>
                                 </m:e>
                               </m:d>
                               <m:r>
-                                <a:rPr lang="ro-RO" sz="1600" i="1"/>
+                                <a:rPr lang="ro-RO" sz="1600" i="1">
+                                  <a:latin typeface="Cambria Math" panose="02040503050406030204" pitchFamily="18" charset="0"/>
+                                </a:rPr>
                                 <m:t>, </m:t>
                               </m:r>
                               <m:d>
@@ -5747,18 +7993,24 @@
                                   <m:begChr m:val="["/>
                                   <m:endChr m:val="]"/>
                                   <m:ctrlPr>
-                                    <a:rPr lang="ro-RO" sz="1600" i="1"/>
+                                    <a:rPr lang="ro-RO" sz="1600" i="1">
+                                      <a:latin typeface="Cambria Math" panose="02040503050406030204" pitchFamily="18" charset="0"/>
+                                    </a:rPr>
                                   </m:ctrlPr>
                                 </m:dPr>
                                 <m:e>
                                   <m:r>
-                                    <a:rPr lang="ro-RO" sz="1600" i="1"/>
+                                    <a:rPr lang="ro-RO" sz="1600" i="1">
+                                      <a:latin typeface="Cambria Math" panose="02040503050406030204" pitchFamily="18" charset="0"/>
+                                    </a:rPr>
                                     <m:t>120, 127</m:t>
                                   </m:r>
                                 </m:e>
                               </m:d>
                               <m:r>
-                                <a:rPr lang="ro-RO" sz="1600" i="1"/>
+                                <a:rPr lang="ro-RO" sz="1600" i="1">
+                                  <a:latin typeface="Cambria Math" panose="02040503050406030204" pitchFamily="18" charset="0"/>
+                                </a:rPr>
                                 <m:t>,</m:t>
                               </m:r>
                               <m:d>
@@ -5766,18 +8018,24 @@
                                   <m:begChr m:val="["/>
                                   <m:endChr m:val="]"/>
                                   <m:ctrlPr>
-                                    <a:rPr lang="ro-RO" sz="1600" i="1"/>
+                                    <a:rPr lang="ro-RO" sz="1600" i="1">
+                                      <a:latin typeface="Cambria Math" panose="02040503050406030204" pitchFamily="18" charset="0"/>
+                                    </a:rPr>
                                   </m:ctrlPr>
                                 </m:dPr>
                                 <m:e>
                                   <m:r>
-                                    <a:rPr lang="ro-RO" sz="1600" i="1"/>
+                                    <a:rPr lang="ro-RO" sz="1600" i="1">
+                                      <a:latin typeface="Cambria Math" panose="02040503050406030204" pitchFamily="18" charset="0"/>
+                                    </a:rPr>
                                     <m:t>128, 135</m:t>
                                   </m:r>
                                 </m:e>
                               </m:d>
                               <m:r>
-                                <a:rPr lang="ro-RO" sz="1600" i="1"/>
+                                <a:rPr lang="ro-RO" sz="1600" i="1">
+                                  <a:latin typeface="Cambria Math" panose="02040503050406030204" pitchFamily="18" charset="0"/>
+                                </a:rPr>
                                 <m:t>,</m:t>
                               </m:r>
                               <m:d>
@@ -5785,18 +8043,24 @@
                                   <m:begChr m:val="["/>
                                   <m:endChr m:val="]"/>
                                   <m:ctrlPr>
-                                    <a:rPr lang="ro-RO" sz="1600" i="1"/>
+                                    <a:rPr lang="ro-RO" sz="1600" i="1">
+                                      <a:latin typeface="Cambria Math" panose="02040503050406030204" pitchFamily="18" charset="0"/>
+                                    </a:rPr>
                                   </m:ctrlPr>
                                 </m:dPr>
                                 <m:e>
                                   <m:r>
-                                    <a:rPr lang="ro-RO" sz="1600" i="1"/>
+                                    <a:rPr lang="ro-RO" sz="1600" i="1">
+                                      <a:latin typeface="Cambria Math" panose="02040503050406030204" pitchFamily="18" charset="0"/>
+                                    </a:rPr>
                                     <m:t>136, 143</m:t>
                                   </m:r>
                                 </m:e>
                               </m:d>
                               <m:r>
-                                <a:rPr lang="ro-RO" sz="1600" i="1"/>
+                                <a:rPr lang="ro-RO" sz="1600" i="1">
+                                  <a:latin typeface="Cambria Math" panose="02040503050406030204" pitchFamily="18" charset="0"/>
+                                </a:rPr>
                                 <m:t>,</m:t>
                               </m:r>
                             </m:e>
@@ -5806,18 +8070,24 @@
                                   <m:begChr m:val="["/>
                                   <m:endChr m:val="]"/>
                                   <m:ctrlPr>
-                                    <a:rPr lang="ro-RO" sz="1600" i="1"/>
+                                    <a:rPr lang="ro-RO" sz="1600" i="1">
+                                      <a:latin typeface="Cambria Math" panose="02040503050406030204" pitchFamily="18" charset="0"/>
+                                    </a:rPr>
                                   </m:ctrlPr>
                                 </m:dPr>
                                 <m:e>
                                   <m:r>
-                                    <a:rPr lang="ro-RO" sz="1600" i="1"/>
+                                    <a:rPr lang="ro-RO" sz="1600" i="1">
+                                      <a:latin typeface="Cambria Math" panose="02040503050406030204" pitchFamily="18" charset="0"/>
+                                    </a:rPr>
                                     <m:t>144, 151</m:t>
                                   </m:r>
                                 </m:e>
                               </m:d>
                               <m:r>
-                                <a:rPr lang="ro-RO" sz="1600" i="1"/>
+                                <a:rPr lang="ro-RO" sz="1600" i="1">
+                                  <a:latin typeface="Cambria Math" panose="02040503050406030204" pitchFamily="18" charset="0"/>
+                                </a:rPr>
                                 <m:t>,</m:t>
                               </m:r>
                               <m:d>
@@ -5825,18 +8095,24 @@
                                   <m:begChr m:val="["/>
                                   <m:endChr m:val="]"/>
                                   <m:ctrlPr>
-                                    <a:rPr lang="ro-RO" sz="1600" i="1"/>
+                                    <a:rPr lang="ro-RO" sz="1600" i="1">
+                                      <a:latin typeface="Cambria Math" panose="02040503050406030204" pitchFamily="18" charset="0"/>
+                                    </a:rPr>
                                   </m:ctrlPr>
                                 </m:dPr>
                                 <m:e>
                                   <m:r>
-                                    <a:rPr lang="ro-RO" sz="1600" i="1"/>
+                                    <a:rPr lang="ro-RO" sz="1600" i="1">
+                                      <a:latin typeface="Cambria Math" panose="02040503050406030204" pitchFamily="18" charset="0"/>
+                                    </a:rPr>
                                     <m:t>152, 159</m:t>
                                   </m:r>
                                 </m:e>
                               </m:d>
                               <m:r>
-                                <a:rPr lang="ro-RO" sz="1600" i="1"/>
+                                <a:rPr lang="ro-RO" sz="1600" i="1">
+                                  <a:latin typeface="Cambria Math" panose="02040503050406030204" pitchFamily="18" charset="0"/>
+                                </a:rPr>
                                 <m:t>,</m:t>
                               </m:r>
                               <m:d>
@@ -5844,18 +8120,24 @@
                                   <m:begChr m:val="["/>
                                   <m:endChr m:val="]"/>
                                   <m:ctrlPr>
-                                    <a:rPr lang="ro-RO" sz="1600" i="1"/>
+                                    <a:rPr lang="ro-RO" sz="1600" i="1">
+                                      <a:latin typeface="Cambria Math" panose="02040503050406030204" pitchFamily="18" charset="0"/>
+                                    </a:rPr>
                                   </m:ctrlPr>
                                 </m:dPr>
                                 <m:e>
                                   <m:r>
-                                    <a:rPr lang="ro-RO" sz="1600" i="1"/>
+                                    <a:rPr lang="ro-RO" sz="1600" i="1">
+                                      <a:latin typeface="Cambria Math" panose="02040503050406030204" pitchFamily="18" charset="0"/>
+                                    </a:rPr>
                                     <m:t>160, 191</m:t>
                                   </m:r>
                                 </m:e>
                               </m:d>
                               <m:r>
-                                <a:rPr lang="ro-RO" sz="1600" i="1"/>
+                                <a:rPr lang="ro-RO" sz="1600" i="1">
+                                  <a:latin typeface="Cambria Math" panose="02040503050406030204" pitchFamily="18" charset="0"/>
+                                </a:rPr>
                                 <m:t>,</m:t>
                               </m:r>
                               <m:d>
@@ -5863,18 +8145,24 @@
                                   <m:begChr m:val="["/>
                                   <m:endChr m:val="]"/>
                                   <m:ctrlPr>
-                                    <a:rPr lang="ro-RO" sz="1600" i="1"/>
+                                    <a:rPr lang="ro-RO" sz="1600" i="1">
+                                      <a:latin typeface="Cambria Math" panose="02040503050406030204" pitchFamily="18" charset="0"/>
+                                    </a:rPr>
                                   </m:ctrlPr>
                                 </m:dPr>
                                 <m:e>
                                   <m:r>
-                                    <a:rPr lang="ro-RO" sz="1600" i="1"/>
+                                    <a:rPr lang="ro-RO" sz="1600" i="1">
+                                      <a:latin typeface="Cambria Math" panose="02040503050406030204" pitchFamily="18" charset="0"/>
+                                    </a:rPr>
                                     <m:t>192, 255</m:t>
                                   </m:r>
                                 </m:e>
                               </m:d>
                               <m:r>
-                                <a:rPr lang="ro-RO" sz="1600" i="1"/>
+                                <a:rPr lang="ro-RO" sz="1600" i="1">
+                                  <a:latin typeface="Cambria Math" panose="02040503050406030204" pitchFamily="18" charset="0"/>
+                                </a:rPr>
                                 <m:t>,  </m:t>
                               </m:r>
                             </m:e>
@@ -5902,7 +8190,7 @@
             </p:nvSpPr>
             <p:spPr>
               <a:blipFill>
-                <a:blip r:embed="rId2"/>
+                <a:blip r:embed="rId3"/>
                 <a:stretch>
                   <a:fillRect l="-667"/>
                 </a:stretch>
@@ -5943,98 +8231,6 @@
 </p:sld>
 </file>
 
-<file path=ppt/slides/slide15.xml><?xml version="1.0" encoding="utf-8"?>
-<p:sld xmlns:a="http://schemas.openxmlformats.org/drawingml/2006/main" xmlns:r="http://schemas.openxmlformats.org/officeDocument/2006/relationships" xmlns:p="http://schemas.openxmlformats.org/presentationml/2006/main">
-  <p:cSld>
-    <p:spTree>
-      <p:nvGrpSpPr>
-        <p:cNvPr id="1" name=""/>
-        <p:cNvGrpSpPr/>
-        <p:nvPr/>
-      </p:nvGrpSpPr>
-      <p:grpSpPr>
-        <a:xfrm>
-          <a:off x="0" y="0"/>
-          <a:ext cx="0" cy="0"/>
-          <a:chOff x="0" y="0"/>
-          <a:chExt cx="0" cy="0"/>
-        </a:xfrm>
-      </p:grpSpPr>
-      <p:sp>
-        <p:nvSpPr>
-          <p:cNvPr id="2" name="Title 1"/>
-          <p:cNvSpPr>
-            <a:spLocks noGrp="1"/>
-          </p:cNvSpPr>
-          <p:nvPr>
-            <p:ph type="title"/>
-          </p:nvPr>
-        </p:nvSpPr>
-        <p:spPr/>
-        <p:txBody>
-          <a:bodyPr/>
-          <a:lstStyle/>
-          <a:p>
-            <a:r>
-              <a:rPr lang="ro-RO" dirty="0"/>
-              <a:t>Descrierea soluțiilor - </a:t>
-            </a:r>
-            <a:r>
-              <a:rPr lang="en-GB" u="sng" dirty="0"/>
-              <a:t>PVD</a:t>
-            </a:r>
-            <a:endParaRPr lang="ro-RO" dirty="0"/>
-          </a:p>
-        </p:txBody>
-      </p:sp>
-      <p:sp>
-        <p:nvSpPr>
-          <p:cNvPr id="3" name="Content Placeholder 2"/>
-          <p:cNvSpPr>
-            <a:spLocks noGrp="1"/>
-          </p:cNvSpPr>
-          <p:nvPr>
-            <p:ph idx="1"/>
-          </p:nvPr>
-        </p:nvSpPr>
-        <p:spPr/>
-        <p:txBody>
-          <a:bodyPr>
-            <a:normAutofit/>
-          </a:bodyPr>
-          <a:lstStyle/>
-          <a:p>
-            <a:pPr marL="0" indent="0" algn="ctr">
-              <a:buNone/>
-            </a:pPr>
-            <a:r>
-              <a:rPr lang="ro-RO" sz="3600" dirty="0" smtClean="0"/>
-              <a:t>Demo</a:t>
-            </a:r>
-            <a:endParaRPr lang="ro-RO" sz="3600" dirty="0"/>
-          </a:p>
-        </p:txBody>
-      </p:sp>
-    </p:spTree>
-    <p:extLst>
-      <p:ext uri="{BB962C8B-B14F-4D97-AF65-F5344CB8AC3E}">
-        <p14:creationId xmlns:p14="http://schemas.microsoft.com/office/powerpoint/2010/main" val="1792531828"/>
-      </p:ext>
-    </p:extLst>
-  </p:cSld>
-  <p:clrMapOvr>
-    <a:masterClrMapping/>
-  </p:clrMapOvr>
-  <p:timing>
-    <p:tnLst>
-      <p:par>
-        <p:cTn id="1" dur="indefinite" restart="never" nodeType="tmRoot"/>
-      </p:par>
-    </p:tnLst>
-  </p:timing>
-</p:sld>
-</file>
-
 <file path=ppt/slides/slide16.xml><?xml version="1.0" encoding="utf-8"?>
 <p:sld xmlns:a="http://schemas.openxmlformats.org/drawingml/2006/main" xmlns:r="http://schemas.openxmlformats.org/officeDocument/2006/relationships" xmlns:p="http://schemas.openxmlformats.org/presentationml/2006/main">
   <p:cSld>
@@ -6068,44 +8264,276 @@
           <a:lstStyle/>
           <a:p>
             <a:r>
-              <a:rPr lang="ro-RO" dirty="0"/>
+              <a:rPr lang="ro-RO" dirty="0" smtClean="0"/>
               <a:t>Descrierea soluțiilor - </a:t>
             </a:r>
             <a:r>
-              <a:rPr lang="en-GB" u="sng" dirty="0"/>
+              <a:rPr lang="en-GB" u="sng" dirty="0" smtClean="0"/>
               <a:t>PVD</a:t>
             </a:r>
-            <a:endParaRPr lang="ro-RO" dirty="0"/>
-          </a:p>
-        </p:txBody>
-      </p:sp>
-      <p:sp>
-        <p:nvSpPr>
-          <p:cNvPr id="3" name="Content Placeholder 2"/>
-          <p:cNvSpPr>
-            <a:spLocks noGrp="1"/>
-          </p:cNvSpPr>
-          <p:nvPr>
-            <p:ph idx="1"/>
-          </p:nvPr>
-        </p:nvSpPr>
-        <p:spPr/>
-        <p:txBody>
-          <a:bodyPr/>
-          <a:lstStyle/>
-          <a:p>
-            <a:r>
-              <a:rPr lang="ro-RO" dirty="0" smtClean="0"/>
-              <a:t>Concluzii</a:t>
-            </a:r>
-            <a:endParaRPr lang="ro-RO" dirty="0"/>
-          </a:p>
-        </p:txBody>
-      </p:sp>
+            <a:endParaRPr lang="ro-RO" u="sng" dirty="0"/>
+          </a:p>
+        </p:txBody>
+      </p:sp>
+      <mc:AlternateContent xmlns:mc="http://schemas.openxmlformats.org/markup-compatibility/2006">
+        <mc:Choice xmlns:a14="http://schemas.microsoft.com/office/drawing/2010/main" Requires="a14">
+          <p:sp>
+            <p:nvSpPr>
+              <p:cNvPr id="3" name="Content Placeholder 2"/>
+              <p:cNvSpPr>
+                <a:spLocks noGrp="1"/>
+              </p:cNvSpPr>
+              <p:nvPr>
+                <p:ph idx="1"/>
+              </p:nvPr>
+            </p:nvSpPr>
+            <p:spPr/>
+            <p:txBody>
+              <a:bodyPr/>
+              <a:lstStyle/>
+              <a:p>
+                <a:r>
+                  <a:rPr lang="ro-RO" dirty="0" smtClean="0"/>
+                  <a:t>După clasificare, se calculează o diferență nouă</a:t>
+                </a:r>
+              </a:p>
+              <a:p>
+                <a:pPr marL="502920" lvl="1" indent="0">
+                  <a:buNone/>
+                </a:pPr>
+                <a14:m>
+                  <m:oMathPara xmlns:m="http://schemas.openxmlformats.org/officeDocument/2006/math">
+                    <m:oMathParaPr>
+                      <m:jc m:val="centerGroup"/>
+                    </m:oMathParaPr>
+                    <m:oMath xmlns:m="http://schemas.openxmlformats.org/officeDocument/2006/math">
+                      <m:r>
+                        <a:rPr lang="ro-RO" i="1"/>
+                        <m:t>𝑑</m:t>
+                      </m:r>
+                      <m:r>
+                        <a:rPr lang="ro-RO" i="1"/>
+                        <m:t>’ = </m:t>
+                      </m:r>
+                      <m:d>
+                        <m:dPr>
+                          <m:begChr m:val="{"/>
+                          <m:endChr m:val=""/>
+                          <m:ctrlPr>
+                            <a:rPr lang="ro-RO" i="1"/>
+                          </m:ctrlPr>
+                        </m:dPr>
+                        <m:e>
+                          <m:eqArr>
+                            <m:eqArrPr>
+                              <m:ctrlPr>
+                                <a:rPr lang="ro-RO" i="1"/>
+                              </m:ctrlPr>
+                            </m:eqArrPr>
+                            <m:e>
+                              <m:sSub>
+                                <m:sSubPr>
+                                  <m:ctrlPr>
+                                    <a:rPr lang="ro-RO" i="1"/>
+                                  </m:ctrlPr>
+                                </m:sSubPr>
+                                <m:e>
+                                  <m:r>
+                                    <a:rPr lang="ro-RO" i="1"/>
+                                    <m:t>𝑙</m:t>
+                                  </m:r>
+                                </m:e>
+                                <m:sub>
+                                  <m:r>
+                                    <a:rPr lang="ro-RO" i="1"/>
+                                    <m:t>𝑘</m:t>
+                                  </m:r>
+                                </m:sub>
+                              </m:sSub>
+                              <m:r>
+                                <a:rPr lang="ro-RO" i="1"/>
+                                <m:t>+</m:t>
+                              </m:r>
+                              <m:r>
+                                <a:rPr lang="ro-RO" i="1"/>
+                                <m:t>𝑏</m:t>
+                              </m:r>
+                              <m:r>
+                                <a:rPr lang="ro-RO" i="1"/>
+                                <m:t>,  </m:t>
+                              </m:r>
+                              <m:r>
+                                <a:rPr lang="ro-RO" i="1"/>
+                                <m:t>𝑑</m:t>
+                              </m:r>
+                              <m:r>
+                                <a:rPr lang="ro-RO" i="1"/>
+                                <m:t>≥0</m:t>
+                              </m:r>
+                            </m:e>
+                            <m:e>
+                              <m:sSub>
+                                <m:sSubPr>
+                                  <m:ctrlPr>
+                                    <a:rPr lang="ro-RO" i="1"/>
+                                  </m:ctrlPr>
+                                </m:sSubPr>
+                                <m:e>
+                                  <m:r>
+                                    <a:rPr lang="ro-RO" i="1"/>
+                                    <m:t>−(</m:t>
+                                  </m:r>
+                                  <m:r>
+                                    <a:rPr lang="ro-RO" i="1"/>
+                                    <m:t>𝑙</m:t>
+                                  </m:r>
+                                </m:e>
+                                <m:sub>
+                                  <m:r>
+                                    <a:rPr lang="ro-RO" i="1"/>
+                                    <m:t>𝑘</m:t>
+                                  </m:r>
+                                </m:sub>
+                              </m:sSub>
+                              <m:r>
+                                <a:rPr lang="ro-RO" i="1"/>
+                                <m:t>+</m:t>
+                              </m:r>
+                              <m:r>
+                                <a:rPr lang="ro-RO" i="1"/>
+                                <m:t>𝑏</m:t>
+                              </m:r>
+                              <m:r>
+                                <a:rPr lang="ro-RO" i="1"/>
+                                <m:t>), </m:t>
+                              </m:r>
+                              <m:r>
+                                <a:rPr lang="ro-RO" i="1"/>
+                                <m:t>𝑑</m:t>
+                              </m:r>
+                              <m:r>
+                                <a:rPr lang="ro-RO" i="1"/>
+                                <m:t>&lt;0</m:t>
+                              </m:r>
+                            </m:e>
+                          </m:eqArr>
+                          <m:r>
+                            <a:rPr lang="ro-RO" i="1"/>
+                            <m:t>,  </m:t>
+                          </m:r>
+                        </m:e>
+                      </m:d>
+                    </m:oMath>
+                  </m:oMathPara>
+                </a14:m>
+                <a:endParaRPr lang="ro-RO" dirty="0" smtClean="0"/>
+              </a:p>
+              <a:p>
+                <a:pPr marL="502920" lvl="1" indent="0">
+                  <a:buNone/>
+                </a:pPr>
+                <a:endParaRPr lang="ro-RO" dirty="0" smtClean="0"/>
+              </a:p>
+              <a:p>
+                <a:pPr marL="502920" lvl="1" indent="0">
+                  <a:buNone/>
+                </a:pPr>
+                <a14:m>
+                  <m:oMathPara xmlns:m="http://schemas.openxmlformats.org/officeDocument/2006/math">
+                    <m:oMathParaPr>
+                      <m:jc m:val="centerGroup"/>
+                    </m:oMathParaPr>
+                    <m:oMath xmlns:m="http://schemas.openxmlformats.org/officeDocument/2006/math">
+                      <m:r>
+                        <a:rPr lang="ro-RO" i="1"/>
+                        <m:t>𝑏</m:t>
+                      </m:r>
+                      <m:r>
+                        <a:rPr lang="ro-RO" i="1"/>
+                        <m:t>=</m:t>
+                      </m:r>
+                      <m:r>
+                        <a:rPr lang="ro-RO" i="1"/>
+                        <m:t>𝑣𝑎𝑙𝑜𝑎𝑟𝑒𝑎</m:t>
+                      </m:r>
+                      <m:r>
+                        <a:rPr lang="ro-RO" i="1"/>
+                        <m:t> </m:t>
+                      </m:r>
+                      <m:r>
+                        <a:rPr lang="ro-RO" i="1"/>
+                        <m:t>𝑠𝑢𝑏</m:t>
+                      </m:r>
+                      <m:r>
+                        <a:rPr lang="ro-RO" i="1"/>
+                        <m:t>ș</m:t>
+                      </m:r>
+                      <m:r>
+                        <a:rPr lang="ro-RO" i="1"/>
+                        <m:t>𝑖𝑟𝑢𝑙𝑢𝑖</m:t>
+                      </m:r>
+                      <m:r>
+                        <a:rPr lang="ro-RO" i="1"/>
+                        <m:t> </m:t>
+                      </m:r>
+                      <m:r>
+                        <a:rPr lang="ro-RO" i="1"/>
+                        <m:t>𝑑𝑖𝑛</m:t>
+                      </m:r>
+                      <m:r>
+                        <a:rPr lang="ro-RO" i="1"/>
+                        <m:t> </m:t>
+                      </m:r>
+                      <m:r>
+                        <a:rPr lang="ro-RO" i="1"/>
+                        <m:t>𝑆</m:t>
+                      </m:r>
+                    </m:oMath>
+                  </m:oMathPara>
+                </a14:m>
+                <a:endParaRPr lang="ro-RO" dirty="0"/>
+              </a:p>
+            </p:txBody>
+          </p:sp>
+        </mc:Choice>
+        <mc:Fallback>
+          <p:sp>
+            <p:nvSpPr>
+              <p:cNvPr id="3" name="Content Placeholder 2"/>
+              <p:cNvSpPr>
+                <a:spLocks noGrp="1" noRot="1" noChangeAspect="1" noMove="1" noResize="1" noEditPoints="1" noAdjustHandles="1" noChangeArrowheads="1" noChangeShapeType="1" noTextEdit="1"/>
+              </p:cNvSpPr>
+              <p:nvPr>
+                <p:ph idx="1"/>
+              </p:nvPr>
+            </p:nvSpPr>
+            <p:spPr>
+              <a:blipFill>
+                <a:blip r:embed="rId3"/>
+                <a:stretch>
+                  <a:fillRect l="-667"/>
+                </a:stretch>
+              </a:blipFill>
+            </p:spPr>
+            <p:txBody>
+              <a:bodyPr/>
+              <a:lstStyle/>
+              <a:p>
+                <a:r>
+                  <a:rPr lang="ro-RO">
+                    <a:noFill/>
+                  </a:rPr>
+                  <a:t> </a:t>
+                </a:r>
+              </a:p>
+            </p:txBody>
+          </p:sp>
+        </mc:Fallback>
+      </mc:AlternateContent>
     </p:spTree>
     <p:extLst>
       <p:ext uri="{BB962C8B-B14F-4D97-AF65-F5344CB8AC3E}">
-        <p14:creationId xmlns:p14="http://schemas.microsoft.com/office/powerpoint/2010/main" val="3099783442"/>
+        <p14:creationId xmlns:p14="http://schemas.microsoft.com/office/powerpoint/2010/main" val="1792531828"/>
       </p:ext>
     </p:extLst>
   </p:cSld>
@@ -6159,6 +8587,1625 @@
               <a:t>Descrierea soluțiilor - </a:t>
             </a:r>
             <a:r>
+              <a:rPr lang="en-GB" u="sng" dirty="0"/>
+              <a:t>PVD</a:t>
+            </a:r>
+            <a:endParaRPr lang="ro-RO" u="sng" dirty="0"/>
+          </a:p>
+        </p:txBody>
+      </p:sp>
+      <mc:AlternateContent xmlns:mc="http://schemas.openxmlformats.org/markup-compatibility/2006">
+        <mc:Choice xmlns:a14="http://schemas.microsoft.com/office/drawing/2010/main" Requires="a14">
+          <p:sp>
+            <p:nvSpPr>
+              <p:cNvPr id="3" name="Content Placeholder 2"/>
+              <p:cNvSpPr>
+                <a:spLocks noGrp="1"/>
+              </p:cNvSpPr>
+              <p:nvPr>
+                <p:ph idx="1"/>
+              </p:nvPr>
+            </p:nvSpPr>
+            <p:spPr>
+              <a:xfrm>
+                <a:off x="3869267" y="864108"/>
+                <a:ext cx="7879387" cy="5120640"/>
+              </a:xfrm>
+            </p:spPr>
+            <p:txBody>
+              <a:bodyPr/>
+              <a:lstStyle/>
+              <a:p>
+                <a:r>
+                  <a:rPr lang="ro-RO" dirty="0" smtClean="0"/>
+                  <a:t>Diferența nouă d</a:t>
+                </a:r>
+                <a:r>
+                  <a:rPr lang="en-GB" dirty="0" smtClean="0"/>
+                  <a:t>’</a:t>
+                </a:r>
+                <a:r>
+                  <a:rPr lang="ro-RO" dirty="0" smtClean="0"/>
+                  <a:t> este folosită pentru a calcula valori noi pentru blocul de pixeli procesat:</a:t>
+                </a:r>
+                <a:endParaRPr lang="en-GB" dirty="0" smtClean="0"/>
+              </a:p>
+              <a:p>
+                <a:pPr marL="0" indent="0">
+                  <a:buNone/>
+                </a:pPr>
+                <a:endParaRPr lang="en-GB" dirty="0" smtClean="0"/>
+              </a:p>
+              <a:p>
+                <a:pPr marL="0" indent="0">
+                  <a:buNone/>
+                </a:pPr>
+                <a14:m>
+                  <m:oMathPara xmlns:m="http://schemas.openxmlformats.org/officeDocument/2006/math">
+                    <m:oMathParaPr>
+                      <m:jc m:val="centerGroup"/>
+                    </m:oMathParaPr>
+                    <m:oMath xmlns:m="http://schemas.openxmlformats.org/officeDocument/2006/math">
+                      <m:r>
+                        <a:rPr lang="ro-RO" sz="1600" i="1"/>
+                        <m:t>𝑓</m:t>
+                      </m:r>
+                      <m:d>
+                        <m:dPr>
+                          <m:ctrlPr>
+                            <a:rPr lang="ro-RO" sz="1600" i="1"/>
+                          </m:ctrlPr>
+                        </m:dPr>
+                        <m:e>
+                          <m:d>
+                            <m:dPr>
+                              <m:ctrlPr>
+                                <a:rPr lang="ro-RO" sz="1600" i="1"/>
+                              </m:ctrlPr>
+                            </m:dPr>
+                            <m:e>
+                              <m:sSub>
+                                <m:sSubPr>
+                                  <m:ctrlPr>
+                                    <a:rPr lang="ro-RO" sz="1600" i="1" smtClean="0">
+                                      <a:latin typeface="Cambria Math" panose="02040503050406030204" pitchFamily="18" charset="0"/>
+                                    </a:rPr>
+                                  </m:ctrlPr>
+                                </m:sSubPr>
+                                <m:e>
+                                  <m:r>
+                                    <a:rPr lang="ro-RO" sz="1600" b="0" i="1" smtClean="0">
+                                      <a:latin typeface="Cambria Math" panose="02040503050406030204" pitchFamily="18" charset="0"/>
+                                    </a:rPr>
+                                    <m:t>𝑔</m:t>
+                                  </m:r>
+                                </m:e>
+                                <m:sub>
+                                  <m:r>
+                                    <a:rPr lang="ro-RO" sz="1600" b="0" i="1" smtClean="0">
+                                      <a:latin typeface="Cambria Math" panose="02040503050406030204" pitchFamily="18" charset="0"/>
+                                    </a:rPr>
+                                    <m:t>𝑖</m:t>
+                                  </m:r>
+                                </m:sub>
+                              </m:sSub>
+                              <m:r>
+                                <a:rPr lang="ro-RO" sz="1600" b="0" i="1" smtClean="0">
+                                  <a:latin typeface="Cambria Math" panose="02040503050406030204" pitchFamily="18" charset="0"/>
+                                </a:rPr>
+                                <m:t>,</m:t>
+                              </m:r>
+                              <m:sSub>
+                                <m:sSubPr>
+                                  <m:ctrlPr>
+                                    <a:rPr lang="ro-RO" sz="1600" b="0" i="1" smtClean="0">
+                                      <a:latin typeface="Cambria Math" panose="02040503050406030204" pitchFamily="18" charset="0"/>
+                                    </a:rPr>
+                                  </m:ctrlPr>
+                                </m:sSubPr>
+                                <m:e>
+                                  <m:r>
+                                    <a:rPr lang="ro-RO" sz="1600" b="0" i="1" smtClean="0">
+                                      <a:latin typeface="Cambria Math" panose="02040503050406030204" pitchFamily="18" charset="0"/>
+                                    </a:rPr>
+                                    <m:t>𝑔</m:t>
+                                  </m:r>
+                                </m:e>
+                                <m:sub>
+                                  <m:r>
+                                    <a:rPr lang="ro-RO" sz="1600" b="0" i="1" smtClean="0">
+                                      <a:latin typeface="Cambria Math" panose="02040503050406030204" pitchFamily="18" charset="0"/>
+                                    </a:rPr>
+                                    <m:t>𝑖</m:t>
+                                  </m:r>
+                                  <m:r>
+                                    <a:rPr lang="ro-RO" sz="1600" b="0" i="1" smtClean="0">
+                                      <a:latin typeface="Cambria Math" panose="02040503050406030204" pitchFamily="18" charset="0"/>
+                                    </a:rPr>
+                                    <m:t>+1</m:t>
+                                  </m:r>
+                                </m:sub>
+                              </m:sSub>
+                            </m:e>
+                          </m:d>
+                          <m:r>
+                            <a:rPr lang="ro-RO" sz="1600" i="1"/>
+                            <m:t>, </m:t>
+                          </m:r>
+                          <m:r>
+                            <a:rPr lang="ro-RO" sz="1600" i="1"/>
+                            <m:t>𝑚</m:t>
+                          </m:r>
+                        </m:e>
+                      </m:d>
+                      <m:r>
+                        <a:rPr lang="ro-RO" sz="1600" i="1"/>
+                        <m:t>=</m:t>
+                      </m:r>
+                      <m:d>
+                        <m:dPr>
+                          <m:ctrlPr>
+                            <a:rPr lang="ro-RO" sz="1600" i="1">
+                              <a:latin typeface="Cambria Math" panose="02040503050406030204" pitchFamily="18" charset="0"/>
+                            </a:rPr>
+                          </m:ctrlPr>
+                        </m:dPr>
+                        <m:e>
+                          <m:sSubSup>
+                            <m:sSubSupPr>
+                              <m:ctrlPr>
+                                <a:rPr lang="ro-RO" sz="1600" i="1" smtClean="0">
+                                  <a:latin typeface="Cambria Math" panose="02040503050406030204" pitchFamily="18" charset="0"/>
+                                </a:rPr>
+                              </m:ctrlPr>
+                            </m:sSubSupPr>
+                            <m:e>
+                              <m:r>
+                                <a:rPr lang="en-GB" sz="1600" b="0" i="1" smtClean="0">
+                                  <a:latin typeface="Cambria Math" panose="02040503050406030204" pitchFamily="18" charset="0"/>
+                                </a:rPr>
+                                <m:t>𝑔</m:t>
+                              </m:r>
+                            </m:e>
+                            <m:sub>
+                              <m:r>
+                                <a:rPr lang="en-GB" sz="1600" b="0" i="1" smtClean="0">
+                                  <a:latin typeface="Cambria Math" panose="02040503050406030204" pitchFamily="18" charset="0"/>
+                                </a:rPr>
+                                <m:t>𝑖</m:t>
+                              </m:r>
+                            </m:sub>
+                            <m:sup>
+                              <m:r>
+                                <a:rPr lang="en-GB" sz="1600" b="0" i="1" smtClean="0">
+                                  <a:latin typeface="Cambria Math" panose="02040503050406030204" pitchFamily="18" charset="0"/>
+                                </a:rPr>
+                                <m:t>′</m:t>
+                              </m:r>
+                            </m:sup>
+                          </m:sSubSup>
+                          <m:r>
+                            <a:rPr lang="ro-RO" sz="1600" i="1">
+                              <a:latin typeface="Cambria Math" panose="02040503050406030204" pitchFamily="18" charset="0"/>
+                            </a:rPr>
+                            <m:t>,</m:t>
+                          </m:r>
+                          <m:sSubSup>
+                            <m:sSubSupPr>
+                              <m:ctrlPr>
+                                <a:rPr lang="ro-RO" sz="1600" i="1">
+                                  <a:latin typeface="Cambria Math" panose="02040503050406030204" pitchFamily="18" charset="0"/>
+                                </a:rPr>
+                              </m:ctrlPr>
+                            </m:sSubSupPr>
+                            <m:e>
+                              <m:r>
+                                <a:rPr lang="en-GB" sz="1600" i="1">
+                                  <a:latin typeface="Cambria Math" panose="02040503050406030204" pitchFamily="18" charset="0"/>
+                                </a:rPr>
+                                <m:t>𝑔</m:t>
+                              </m:r>
+                            </m:e>
+                            <m:sub>
+                              <m:r>
+                                <a:rPr lang="en-GB" sz="1600" i="1">
+                                  <a:latin typeface="Cambria Math" panose="02040503050406030204" pitchFamily="18" charset="0"/>
+                                </a:rPr>
+                                <m:t>𝑖</m:t>
+                              </m:r>
+                              <m:r>
+                                <a:rPr lang="en-GB" sz="1600" b="0" i="1" smtClean="0">
+                                  <a:latin typeface="Cambria Math" panose="02040503050406030204" pitchFamily="18" charset="0"/>
+                                </a:rPr>
+                                <m:t>+1</m:t>
+                              </m:r>
+                            </m:sub>
+                            <m:sup>
+                              <m:r>
+                                <a:rPr lang="en-GB" sz="1600" i="1">
+                                  <a:latin typeface="Cambria Math" panose="02040503050406030204" pitchFamily="18" charset="0"/>
+                                </a:rPr>
+                                <m:t>′</m:t>
+                              </m:r>
+                            </m:sup>
+                          </m:sSubSup>
+                        </m:e>
+                      </m:d>
+                      <m:r>
+                        <a:rPr lang="ro-RO" sz="1600" i="1"/>
+                        <m:t>= </m:t>
+                      </m:r>
+                      <m:d>
+                        <m:dPr>
+                          <m:begChr m:val="{"/>
+                          <m:endChr m:val=""/>
+                          <m:ctrlPr>
+                            <a:rPr lang="ro-RO" sz="1600" i="1"/>
+                          </m:ctrlPr>
+                        </m:dPr>
+                        <m:e>
+                          <m:eqArr>
+                            <m:eqArrPr>
+                              <m:ctrlPr>
+                                <a:rPr lang="ro-RO" sz="1600" i="1"/>
+                              </m:ctrlPr>
+                            </m:eqArrPr>
+                            <m:e>
+                              <m:sSub>
+                                <m:sSubPr>
+                                  <m:ctrlPr>
+                                    <a:rPr lang="ro-RO" sz="1600" i="1"/>
+                                  </m:ctrlPr>
+                                </m:sSubPr>
+                                <m:e>
+                                  <m:r>
+                                    <a:rPr lang="ro-RO" sz="1600" i="1"/>
+                                    <m:t>𝑔</m:t>
+                                  </m:r>
+                                </m:e>
+                                <m:sub>
+                                  <m:r>
+                                    <a:rPr lang="ro-RO" sz="1600" i="1"/>
+                                    <m:t>𝑖</m:t>
+                                  </m:r>
+                                </m:sub>
+                              </m:sSub>
+                              <m:r>
+                                <a:rPr lang="ro-RO" sz="1600" i="1"/>
+                                <m:t>−</m:t>
+                              </m:r>
+                              <m:r>
+                                <a:rPr lang="ro-RO" sz="1600" i="1"/>
+                                <m:t>𝑐𝑒𝑖𝑙</m:t>
+                              </m:r>
+                              <m:d>
+                                <m:dPr>
+                                  <m:ctrlPr>
+                                    <a:rPr lang="ro-RO" sz="1600" i="1"/>
+                                  </m:ctrlPr>
+                                </m:dPr>
+                                <m:e>
+                                  <m:f>
+                                    <m:fPr>
+                                      <m:ctrlPr>
+                                        <a:rPr lang="ro-RO" sz="1600" i="1"/>
+                                      </m:ctrlPr>
+                                    </m:fPr>
+                                    <m:num>
+                                      <m:r>
+                                        <a:rPr lang="ro-RO" sz="1600" i="1"/>
+                                        <m:t>𝑚</m:t>
+                                      </m:r>
+                                    </m:num>
+                                    <m:den>
+                                      <m:r>
+                                        <a:rPr lang="ro-RO" sz="1600" i="1"/>
+                                        <m:t>2</m:t>
+                                      </m:r>
+                                    </m:den>
+                                  </m:f>
+                                </m:e>
+                              </m:d>
+                              <m:r>
+                                <a:rPr lang="ro-RO" sz="1600" i="1"/>
+                                <m:t>, </m:t>
+                              </m:r>
+                              <m:sSub>
+                                <m:sSubPr>
+                                  <m:ctrlPr>
+                                    <a:rPr lang="ro-RO" sz="1600" i="1"/>
+                                  </m:ctrlPr>
+                                </m:sSubPr>
+                                <m:e>
+                                  <m:r>
+                                    <a:rPr lang="ro-RO" sz="1600" i="1"/>
+                                    <m:t>𝑔</m:t>
+                                  </m:r>
+                                </m:e>
+                                <m:sub>
+                                  <m:r>
+                                    <a:rPr lang="ro-RO" sz="1600" i="1"/>
+                                    <m:t>𝑖</m:t>
+                                  </m:r>
+                                  <m:r>
+                                    <a:rPr lang="ro-RO" sz="1600" i="1"/>
+                                    <m:t>+1</m:t>
+                                  </m:r>
+                                </m:sub>
+                              </m:sSub>
+                              <m:r>
+                                <a:rPr lang="ro-RO" sz="1600" i="1"/>
+                                <m:t>+</m:t>
+                              </m:r>
+                              <m:r>
+                                <a:rPr lang="ro-RO" sz="1600" i="1"/>
+                                <m:t>𝑓𝑙𝑜𝑜𝑟</m:t>
+                              </m:r>
+                              <m:d>
+                                <m:dPr>
+                                  <m:ctrlPr>
+                                    <a:rPr lang="ro-RO" sz="1600" i="1"/>
+                                  </m:ctrlPr>
+                                </m:dPr>
+                                <m:e>
+                                  <m:f>
+                                    <m:fPr>
+                                      <m:ctrlPr>
+                                        <a:rPr lang="ro-RO" sz="1600" i="1"/>
+                                      </m:ctrlPr>
+                                    </m:fPr>
+                                    <m:num>
+                                      <m:r>
+                                        <a:rPr lang="ro-RO" sz="1600" i="1"/>
+                                        <m:t>𝑚</m:t>
+                                      </m:r>
+                                    </m:num>
+                                    <m:den>
+                                      <m:r>
+                                        <a:rPr lang="ro-RO" sz="1600" i="1"/>
+                                        <m:t>2</m:t>
+                                      </m:r>
+                                    </m:den>
+                                  </m:f>
+                                </m:e>
+                              </m:d>
+                              <m:r>
+                                <a:rPr lang="ro-RO" sz="1600" i="1"/>
+                                <m:t>, </m:t>
+                              </m:r>
+                              <m:r>
+                                <a:rPr lang="ro-RO" sz="1600" i="1"/>
+                                <m:t>𝑝𝑒𝑛𝑡𝑟𝑢</m:t>
+                              </m:r>
+                              <m:r>
+                                <a:rPr lang="ro-RO" sz="1600" i="1"/>
+                                <m:t> </m:t>
+                              </m:r>
+                              <m:r>
+                                <a:rPr lang="ro-RO" sz="1600" i="1"/>
+                                <m:t>𝑑</m:t>
+                              </m:r>
+                              <m:r>
+                                <a:rPr lang="ro-RO" sz="1600" i="1"/>
+                                <m:t> </m:t>
+                              </m:r>
+                              <m:r>
+                                <a:rPr lang="ro-RO" sz="1600" i="1"/>
+                                <m:t>𝑖𝑚𝑝𝑎𝑟</m:t>
+                              </m:r>
+                            </m:e>
+                            <m:e>
+                              <m:sSub>
+                                <m:sSubPr>
+                                  <m:ctrlPr>
+                                    <a:rPr lang="ro-RO" sz="1600" i="1"/>
+                                  </m:ctrlPr>
+                                </m:sSubPr>
+                                <m:e>
+                                  <m:r>
+                                    <a:rPr lang="ro-RO" sz="1600" i="1"/>
+                                    <m:t>𝑔</m:t>
+                                  </m:r>
+                                </m:e>
+                                <m:sub>
+                                  <m:r>
+                                    <a:rPr lang="ro-RO" sz="1600" i="1"/>
+                                    <m:t>𝑖</m:t>
+                                  </m:r>
+                                </m:sub>
+                              </m:sSub>
+                              <m:r>
+                                <a:rPr lang="ro-RO" sz="1600" i="1"/>
+                                <m:t>−</m:t>
+                              </m:r>
+                              <m:r>
+                                <a:rPr lang="ro-RO" sz="1600" i="1"/>
+                                <m:t>𝑓𝑙𝑜𝑜𝑟</m:t>
+                              </m:r>
+                              <m:d>
+                                <m:dPr>
+                                  <m:ctrlPr>
+                                    <a:rPr lang="ro-RO" sz="1600" i="1"/>
+                                  </m:ctrlPr>
+                                </m:dPr>
+                                <m:e>
+                                  <m:f>
+                                    <m:fPr>
+                                      <m:ctrlPr>
+                                        <a:rPr lang="ro-RO" sz="1600" i="1"/>
+                                      </m:ctrlPr>
+                                    </m:fPr>
+                                    <m:num>
+                                      <m:r>
+                                        <a:rPr lang="ro-RO" sz="1600" i="1"/>
+                                        <m:t>𝑚</m:t>
+                                      </m:r>
+                                    </m:num>
+                                    <m:den>
+                                      <m:r>
+                                        <a:rPr lang="ro-RO" sz="1600" i="1"/>
+                                        <m:t>2</m:t>
+                                      </m:r>
+                                    </m:den>
+                                  </m:f>
+                                </m:e>
+                              </m:d>
+                              <m:r>
+                                <a:rPr lang="ro-RO" sz="1600" i="1"/>
+                                <m:t>, </m:t>
+                              </m:r>
+                              <m:sSub>
+                                <m:sSubPr>
+                                  <m:ctrlPr>
+                                    <a:rPr lang="ro-RO" sz="1600" i="1"/>
+                                  </m:ctrlPr>
+                                </m:sSubPr>
+                                <m:e>
+                                  <m:r>
+                                    <a:rPr lang="ro-RO" sz="1600" i="1"/>
+                                    <m:t>𝑔</m:t>
+                                  </m:r>
+                                </m:e>
+                                <m:sub>
+                                  <m:r>
+                                    <a:rPr lang="ro-RO" sz="1600" i="1"/>
+                                    <m:t>𝑖</m:t>
+                                  </m:r>
+                                  <m:r>
+                                    <a:rPr lang="ro-RO" sz="1600" i="1"/>
+                                    <m:t>+1</m:t>
+                                  </m:r>
+                                </m:sub>
+                              </m:sSub>
+                              <m:r>
+                                <a:rPr lang="ro-RO" sz="1600" i="1"/>
+                                <m:t>+</m:t>
+                              </m:r>
+                              <m:r>
+                                <a:rPr lang="ro-RO" sz="1600" i="1"/>
+                                <m:t>𝑐𝑒𝑖𝑙</m:t>
+                              </m:r>
+                              <m:d>
+                                <m:dPr>
+                                  <m:ctrlPr>
+                                    <a:rPr lang="ro-RO" sz="1600" i="1"/>
+                                  </m:ctrlPr>
+                                </m:dPr>
+                                <m:e>
+                                  <m:f>
+                                    <m:fPr>
+                                      <m:ctrlPr>
+                                        <a:rPr lang="ro-RO" sz="1600" i="1"/>
+                                      </m:ctrlPr>
+                                    </m:fPr>
+                                    <m:num>
+                                      <m:r>
+                                        <a:rPr lang="ro-RO" sz="1600" i="1"/>
+                                        <m:t>𝑚</m:t>
+                                      </m:r>
+                                    </m:num>
+                                    <m:den>
+                                      <m:r>
+                                        <a:rPr lang="ro-RO" sz="1600" i="1"/>
+                                        <m:t>2</m:t>
+                                      </m:r>
+                                    </m:den>
+                                  </m:f>
+                                </m:e>
+                              </m:d>
+                              <m:r>
+                                <a:rPr lang="ro-RO" sz="1600" i="1"/>
+                                <m:t>, </m:t>
+                              </m:r>
+                              <m:r>
+                                <a:rPr lang="ro-RO" sz="1600" i="1"/>
+                                <m:t>𝑝𝑒𝑛𝑡𝑟𝑢</m:t>
+                              </m:r>
+                              <m:r>
+                                <a:rPr lang="ro-RO" sz="1600" i="1"/>
+                                <m:t> </m:t>
+                              </m:r>
+                              <m:r>
+                                <a:rPr lang="ro-RO" sz="1600" i="1"/>
+                                <m:t>𝑑</m:t>
+                              </m:r>
+                              <m:r>
+                                <a:rPr lang="ro-RO" sz="1600" i="1"/>
+                                <m:t> </m:t>
+                              </m:r>
+                              <m:r>
+                                <a:rPr lang="ro-RO" sz="1600" i="1"/>
+                                <m:t>𝑝𝑎𝑟</m:t>
+                              </m:r>
+                            </m:e>
+                          </m:eqArr>
+                        </m:e>
+                      </m:d>
+                    </m:oMath>
+                  </m:oMathPara>
+                </a14:m>
+                <a:endParaRPr lang="en-GB" dirty="0" smtClean="0"/>
+              </a:p>
+              <a:p>
+                <a:pPr marL="0" indent="0">
+                  <a:buNone/>
+                </a:pPr>
+                <a:endParaRPr lang="en-GB" dirty="0" smtClean="0"/>
+              </a:p>
+              <a:p>
+                <a:pPr marL="0" indent="0">
+                  <a:buNone/>
+                </a:pPr>
+                <a14:m>
+                  <m:oMathPara xmlns:m="http://schemas.openxmlformats.org/officeDocument/2006/math">
+                    <m:oMathParaPr>
+                      <m:jc m:val="centerGroup"/>
+                    </m:oMathParaPr>
+                    <m:oMath xmlns:m="http://schemas.openxmlformats.org/officeDocument/2006/math">
+                      <m:r>
+                        <a:rPr lang="ro-RO" sz="1600" i="1"/>
+                        <m:t>𝑚</m:t>
+                      </m:r>
+                      <m:r>
+                        <a:rPr lang="ro-RO" sz="1600" i="1"/>
+                        <m:t>=</m:t>
+                      </m:r>
+                      <m:r>
+                        <a:rPr lang="ro-RO" sz="1600" i="1"/>
+                        <m:t>𝑑</m:t>
+                      </m:r>
+                      <m:r>
+                        <a:rPr lang="ro-RO" sz="1600" i="1"/>
+                        <m:t>−</m:t>
+                      </m:r>
+                      <m:r>
+                        <a:rPr lang="ro-RO" sz="1600" i="1"/>
+                        <m:t>𝑑</m:t>
+                      </m:r>
+                      <m:r>
+                        <a:rPr lang="ro-RO" sz="1600" i="1"/>
+                        <m:t>′</m:t>
+                      </m:r>
+                    </m:oMath>
+                  </m:oMathPara>
+                </a14:m>
+                <a:endParaRPr lang="ro-RO" sz="1600" dirty="0"/>
+              </a:p>
+            </p:txBody>
+          </p:sp>
+        </mc:Choice>
+        <mc:Fallback>
+          <p:sp>
+            <p:nvSpPr>
+              <p:cNvPr id="3" name="Content Placeholder 2"/>
+              <p:cNvSpPr>
+                <a:spLocks noGrp="1" noRot="1" noChangeAspect="1" noMove="1" noResize="1" noEditPoints="1" noAdjustHandles="1" noChangeArrowheads="1" noChangeShapeType="1" noTextEdit="1"/>
+              </p:cNvSpPr>
+              <p:nvPr>
+                <p:ph idx="1"/>
+              </p:nvPr>
+            </p:nvSpPr>
+            <p:spPr>
+              <a:xfrm>
+                <a:off x="3869267" y="864108"/>
+                <a:ext cx="7879387" cy="5120640"/>
+              </a:xfrm>
+              <a:blipFill>
+                <a:blip r:embed="rId2"/>
+                <a:stretch>
+                  <a:fillRect l="-619"/>
+                </a:stretch>
+              </a:blipFill>
+            </p:spPr>
+            <p:txBody>
+              <a:bodyPr/>
+              <a:lstStyle/>
+              <a:p>
+                <a:r>
+                  <a:rPr lang="ro-RO">
+                    <a:noFill/>
+                  </a:rPr>
+                  <a:t> </a:t>
+                </a:r>
+              </a:p>
+            </p:txBody>
+          </p:sp>
+        </mc:Fallback>
+      </mc:AlternateContent>
+    </p:spTree>
+    <p:extLst>
+      <p:ext uri="{BB962C8B-B14F-4D97-AF65-F5344CB8AC3E}">
+        <p14:creationId xmlns:p14="http://schemas.microsoft.com/office/powerpoint/2010/main" val="1923134189"/>
+      </p:ext>
+    </p:extLst>
+  </p:cSld>
+  <p:clrMapOvr>
+    <a:masterClrMapping/>
+  </p:clrMapOvr>
+</p:sld>
+</file>
+
+<file path=ppt/slides/slide18.xml><?xml version="1.0" encoding="utf-8"?>
+<p:sld xmlns:a="http://schemas.openxmlformats.org/drawingml/2006/main" xmlns:r="http://schemas.openxmlformats.org/officeDocument/2006/relationships" xmlns:p="http://schemas.openxmlformats.org/presentationml/2006/main">
+  <p:cSld>
+    <p:spTree>
+      <p:nvGrpSpPr>
+        <p:cNvPr id="1" name=""/>
+        <p:cNvGrpSpPr/>
+        <p:nvPr/>
+      </p:nvGrpSpPr>
+      <p:grpSpPr>
+        <a:xfrm>
+          <a:off x="0" y="0"/>
+          <a:ext cx="0" cy="0"/>
+          <a:chOff x="0" y="0"/>
+          <a:chExt cx="0" cy="0"/>
+        </a:xfrm>
+      </p:grpSpPr>
+      <p:sp>
+        <p:nvSpPr>
+          <p:cNvPr id="2" name="Title 1"/>
+          <p:cNvSpPr>
+            <a:spLocks noGrp="1"/>
+          </p:cNvSpPr>
+          <p:nvPr>
+            <p:ph type="title"/>
+          </p:nvPr>
+        </p:nvSpPr>
+        <p:spPr/>
+        <p:txBody>
+          <a:bodyPr/>
+          <a:lstStyle/>
+          <a:p>
+            <a:r>
+              <a:rPr lang="ro-RO" dirty="0"/>
+              <a:t>Descrierea soluțiilor - </a:t>
+            </a:r>
+            <a:r>
+              <a:rPr lang="en-GB" u="sng" dirty="0"/>
+              <a:t>PVD</a:t>
+            </a:r>
+            <a:endParaRPr lang="ro-RO" dirty="0"/>
+          </a:p>
+        </p:txBody>
+      </p:sp>
+      <mc:AlternateContent xmlns:mc="http://schemas.openxmlformats.org/markup-compatibility/2006">
+        <mc:Choice xmlns:a14="http://schemas.microsoft.com/office/drawing/2010/main" Requires="a14">
+          <p:sp>
+            <p:nvSpPr>
+              <p:cNvPr id="3" name="Content Placeholder 2"/>
+              <p:cNvSpPr>
+                <a:spLocks noGrp="1"/>
+              </p:cNvSpPr>
+              <p:nvPr>
+                <p:ph idx="1"/>
+              </p:nvPr>
+            </p:nvSpPr>
+            <p:spPr/>
+            <p:txBody>
+              <a:bodyPr/>
+              <a:lstStyle/>
+              <a:p>
+                <a:r>
+                  <a:rPr lang="ro-RO" dirty="0" smtClean="0"/>
+                  <a:t>Calculul</a:t>
+                </a:r>
+                <a:r>
+                  <a:rPr lang="en-GB" dirty="0" smtClean="0"/>
+                  <a:t> </a:t>
+                </a:r>
+                <a14:m>
+                  <m:oMath xmlns:m="http://schemas.openxmlformats.org/officeDocument/2006/math">
+                    <m:r>
+                      <a:rPr lang="ro-RO" i="1">
+                        <a:latin typeface="Cambria Math" panose="02040503050406030204" pitchFamily="18" charset="0"/>
+                      </a:rPr>
+                      <m:t>𝑓</m:t>
+                    </m:r>
+                    <m:d>
+                      <m:dPr>
+                        <m:ctrlPr>
+                          <a:rPr lang="ro-RO" i="1">
+                            <a:latin typeface="Cambria Math" panose="02040503050406030204" pitchFamily="18" charset="0"/>
+                          </a:rPr>
+                        </m:ctrlPr>
+                      </m:dPr>
+                      <m:e>
+                        <m:d>
+                          <m:dPr>
+                            <m:ctrlPr>
+                              <a:rPr lang="ro-RO" i="1">
+                                <a:latin typeface="Cambria Math" panose="02040503050406030204" pitchFamily="18" charset="0"/>
+                              </a:rPr>
+                            </m:ctrlPr>
+                          </m:dPr>
+                          <m:e>
+                            <m:sSub>
+                              <m:sSubPr>
+                                <m:ctrlPr>
+                                  <a:rPr lang="ro-RO" i="1">
+                                    <a:latin typeface="Cambria Math" panose="02040503050406030204" pitchFamily="18" charset="0"/>
+                                  </a:rPr>
+                                </m:ctrlPr>
+                              </m:sSubPr>
+                              <m:e>
+                                <m:r>
+                                  <a:rPr lang="ro-RO" i="1">
+                                    <a:latin typeface="Cambria Math" panose="02040503050406030204" pitchFamily="18" charset="0"/>
+                                  </a:rPr>
+                                  <m:t>𝑔</m:t>
+                                </m:r>
+                              </m:e>
+                              <m:sub>
+                                <m:r>
+                                  <a:rPr lang="ro-RO" i="1">
+                                    <a:latin typeface="Cambria Math" panose="02040503050406030204" pitchFamily="18" charset="0"/>
+                                  </a:rPr>
+                                  <m:t>𝑖</m:t>
+                                </m:r>
+                              </m:sub>
+                            </m:sSub>
+                            <m:r>
+                              <a:rPr lang="ro-RO" i="1">
+                                <a:latin typeface="Cambria Math" panose="02040503050406030204" pitchFamily="18" charset="0"/>
+                              </a:rPr>
+                              <m:t>,</m:t>
+                            </m:r>
+                            <m:sSub>
+                              <m:sSubPr>
+                                <m:ctrlPr>
+                                  <a:rPr lang="ro-RO" i="1">
+                                    <a:latin typeface="Cambria Math" panose="02040503050406030204" pitchFamily="18" charset="0"/>
+                                  </a:rPr>
+                                </m:ctrlPr>
+                              </m:sSubPr>
+                              <m:e>
+                                <m:r>
+                                  <a:rPr lang="ro-RO" i="1">
+                                    <a:latin typeface="Cambria Math" panose="02040503050406030204" pitchFamily="18" charset="0"/>
+                                  </a:rPr>
+                                  <m:t>𝑔</m:t>
+                                </m:r>
+                              </m:e>
+                              <m:sub>
+                                <m:r>
+                                  <a:rPr lang="ro-RO" i="1">
+                                    <a:latin typeface="Cambria Math" panose="02040503050406030204" pitchFamily="18" charset="0"/>
+                                  </a:rPr>
+                                  <m:t>𝑖</m:t>
+                                </m:r>
+                                <m:r>
+                                  <a:rPr lang="ro-RO" i="1">
+                                    <a:latin typeface="Cambria Math" panose="02040503050406030204" pitchFamily="18" charset="0"/>
+                                  </a:rPr>
+                                  <m:t>+1</m:t>
+                                </m:r>
+                              </m:sub>
+                            </m:sSub>
+                          </m:e>
+                        </m:d>
+                        <m:r>
+                          <a:rPr lang="ro-RO" i="1">
+                            <a:latin typeface="Cambria Math" panose="02040503050406030204" pitchFamily="18" charset="0"/>
+                          </a:rPr>
+                          <m:t>, </m:t>
+                        </m:r>
+                        <m:r>
+                          <a:rPr lang="ro-RO" i="1">
+                            <a:latin typeface="Cambria Math" panose="02040503050406030204" pitchFamily="18" charset="0"/>
+                          </a:rPr>
+                          <m:t>𝑚</m:t>
+                        </m:r>
+                      </m:e>
+                    </m:d>
+                  </m:oMath>
+                </a14:m>
+                <a:r>
+                  <a:rPr lang="ro-RO" dirty="0" smtClean="0"/>
+                  <a:t> poate produce însă valori înafara intervalului </a:t>
+                </a:r>
+                <a:r>
+                  <a:rPr lang="en-GB" dirty="0" smtClean="0"/>
+                  <a:t>[0, 255]</a:t>
+                </a:r>
+                <a:endParaRPr lang="ro-RO" dirty="0" smtClean="0"/>
+              </a:p>
+              <a:p>
+                <a:pPr lvl="1"/>
+                <a:r>
+                  <a:rPr lang="ro-RO" dirty="0" smtClean="0"/>
+                  <a:t>Se face o verificare în prealabil pentru a determina dacă blocul poate fi folosit</a:t>
+                </a:r>
+              </a:p>
+              <a:p>
+                <a:pPr lvl="1"/>
+                <a:r>
+                  <a:rPr lang="ro-RO" dirty="0" smtClean="0"/>
+                  <a:t>Calculul </a:t>
+                </a:r>
+                <a14:m>
+                  <m:oMath xmlns:m="http://schemas.openxmlformats.org/officeDocument/2006/math">
+                    <m:r>
+                      <a:rPr lang="ro-RO" i="1">
+                        <a:latin typeface="Cambria Math" panose="02040503050406030204" pitchFamily="18" charset="0"/>
+                      </a:rPr>
+                      <m:t>𝑓</m:t>
+                    </m:r>
+                    <m:d>
+                      <m:dPr>
+                        <m:ctrlPr>
+                          <a:rPr lang="ro-RO" i="1">
+                            <a:latin typeface="Cambria Math" panose="02040503050406030204" pitchFamily="18" charset="0"/>
+                          </a:rPr>
+                        </m:ctrlPr>
+                      </m:dPr>
+                      <m:e>
+                        <m:d>
+                          <m:dPr>
+                            <m:ctrlPr>
+                              <a:rPr lang="ro-RO" i="1">
+                                <a:latin typeface="Cambria Math" panose="02040503050406030204" pitchFamily="18" charset="0"/>
+                              </a:rPr>
+                            </m:ctrlPr>
+                          </m:dPr>
+                          <m:e>
+                            <m:sSub>
+                              <m:sSubPr>
+                                <m:ctrlPr>
+                                  <a:rPr lang="ro-RO" i="1">
+                                    <a:latin typeface="Cambria Math" panose="02040503050406030204" pitchFamily="18" charset="0"/>
+                                  </a:rPr>
+                                </m:ctrlPr>
+                              </m:sSubPr>
+                              <m:e>
+                                <m:r>
+                                  <a:rPr lang="ro-RO" i="1">
+                                    <a:latin typeface="Cambria Math" panose="02040503050406030204" pitchFamily="18" charset="0"/>
+                                  </a:rPr>
+                                  <m:t>𝑔</m:t>
+                                </m:r>
+                              </m:e>
+                              <m:sub>
+                                <m:r>
+                                  <a:rPr lang="ro-RO" i="1">
+                                    <a:latin typeface="Cambria Math" panose="02040503050406030204" pitchFamily="18" charset="0"/>
+                                  </a:rPr>
+                                  <m:t>𝑖</m:t>
+                                </m:r>
+                              </m:sub>
+                            </m:sSub>
+                            <m:r>
+                              <a:rPr lang="ro-RO" i="1">
+                                <a:latin typeface="Cambria Math" panose="02040503050406030204" pitchFamily="18" charset="0"/>
+                              </a:rPr>
+                              <m:t>,</m:t>
+                            </m:r>
+                            <m:sSub>
+                              <m:sSubPr>
+                                <m:ctrlPr>
+                                  <a:rPr lang="ro-RO" i="1">
+                                    <a:latin typeface="Cambria Math" panose="02040503050406030204" pitchFamily="18" charset="0"/>
+                                  </a:rPr>
+                                </m:ctrlPr>
+                              </m:sSubPr>
+                              <m:e>
+                                <m:r>
+                                  <a:rPr lang="ro-RO" i="1">
+                                    <a:latin typeface="Cambria Math" panose="02040503050406030204" pitchFamily="18" charset="0"/>
+                                  </a:rPr>
+                                  <m:t>𝑔</m:t>
+                                </m:r>
+                              </m:e>
+                              <m:sub>
+                                <m:r>
+                                  <a:rPr lang="ro-RO" i="1">
+                                    <a:latin typeface="Cambria Math" panose="02040503050406030204" pitchFamily="18" charset="0"/>
+                                  </a:rPr>
+                                  <m:t>𝑖</m:t>
+                                </m:r>
+                                <m:r>
+                                  <a:rPr lang="ro-RO" i="1">
+                                    <a:latin typeface="Cambria Math" panose="02040503050406030204" pitchFamily="18" charset="0"/>
+                                  </a:rPr>
+                                  <m:t>+1</m:t>
+                                </m:r>
+                              </m:sub>
+                            </m:sSub>
+                          </m:e>
+                        </m:d>
+                        <m:r>
+                          <a:rPr lang="ro-RO" i="1">
+                            <a:latin typeface="Cambria Math" panose="02040503050406030204" pitchFamily="18" charset="0"/>
+                          </a:rPr>
+                          <m:t>, </m:t>
+                        </m:r>
+                        <m:r>
+                          <a:rPr lang="ro-RO" b="0" i="1" smtClean="0">
+                            <a:latin typeface="Cambria Math" panose="02040503050406030204" pitchFamily="18" charset="0"/>
+                          </a:rPr>
+                          <m:t>𝑑</m:t>
+                        </m:r>
+                        <m:r>
+                          <a:rPr lang="ro-RO" b="0" i="1" smtClean="0">
+                            <a:latin typeface="Cambria Math" panose="02040503050406030204" pitchFamily="18" charset="0"/>
+                          </a:rPr>
+                          <m:t>−</m:t>
+                        </m:r>
+                        <m:sSub>
+                          <m:sSubPr>
+                            <m:ctrlPr>
+                              <a:rPr lang="ro-RO" b="0" i="1" smtClean="0">
+                                <a:latin typeface="Cambria Math" panose="02040503050406030204" pitchFamily="18" charset="0"/>
+                              </a:rPr>
+                            </m:ctrlPr>
+                          </m:sSubPr>
+                          <m:e>
+                            <m:r>
+                              <a:rPr lang="ro-RO" b="0" i="1" smtClean="0">
+                                <a:latin typeface="Cambria Math" panose="02040503050406030204" pitchFamily="18" charset="0"/>
+                              </a:rPr>
+                              <m:t>𝑢</m:t>
+                            </m:r>
+                          </m:e>
+                          <m:sub>
+                            <m:r>
+                              <a:rPr lang="ro-RO" b="0" i="1" smtClean="0">
+                                <a:latin typeface="Cambria Math" panose="02040503050406030204" pitchFamily="18" charset="0"/>
+                              </a:rPr>
+                              <m:t>𝑘</m:t>
+                            </m:r>
+                          </m:sub>
+                        </m:sSub>
+                      </m:e>
+                    </m:d>
+                  </m:oMath>
+                </a14:m>
+                <a:r>
+                  <a:rPr lang="ro-RO" dirty="0" smtClean="0"/>
+                  <a:t> produce  perechea </a:t>
+                </a:r>
+                <a14:m>
+                  <m:oMath xmlns:m="http://schemas.openxmlformats.org/officeDocument/2006/math">
+                    <m:d>
+                      <m:dPr>
+                        <m:ctrlPr>
+                          <a:rPr lang="ro-RO" i="1">
+                            <a:latin typeface="Cambria Math" panose="02040503050406030204" pitchFamily="18" charset="0"/>
+                          </a:rPr>
+                        </m:ctrlPr>
+                      </m:dPr>
+                      <m:e>
+                        <m:sSub>
+                          <m:sSubPr>
+                            <m:ctrlPr>
+                              <a:rPr lang="ro-RO" i="1">
+                                <a:latin typeface="Cambria Math" panose="02040503050406030204" pitchFamily="18" charset="0"/>
+                              </a:rPr>
+                            </m:ctrlPr>
+                          </m:sSubPr>
+                          <m:e>
+                            <m:r>
+                              <m:rPr>
+                                <m:nor/>
+                              </m:rPr>
+                              <a:rPr lang="ro-RO" i="1"/>
+                              <m:t>ĝ</m:t>
+                            </m:r>
+                          </m:e>
+                          <m:sub>
+                            <m:r>
+                              <a:rPr lang="ro-RO" i="1">
+                                <a:latin typeface="Cambria Math" panose="02040503050406030204" pitchFamily="18" charset="0"/>
+                              </a:rPr>
+                              <m:t>𝑖</m:t>
+                            </m:r>
+                          </m:sub>
+                        </m:sSub>
+                        <m:r>
+                          <a:rPr lang="ro-RO" i="1">
+                            <a:latin typeface="Cambria Math" panose="02040503050406030204" pitchFamily="18" charset="0"/>
+                          </a:rPr>
+                          <m:t>,</m:t>
+                        </m:r>
+                        <m:sSub>
+                          <m:sSubPr>
+                            <m:ctrlPr>
+                              <a:rPr lang="ro-RO" i="1">
+                                <a:latin typeface="Cambria Math" panose="02040503050406030204" pitchFamily="18" charset="0"/>
+                              </a:rPr>
+                            </m:ctrlPr>
+                          </m:sSubPr>
+                          <m:e>
+                            <m:r>
+                              <m:rPr>
+                                <m:nor/>
+                              </m:rPr>
+                              <a:rPr lang="ro-RO" i="1"/>
+                              <m:t>ĝ</m:t>
+                            </m:r>
+                          </m:e>
+                          <m:sub>
+                            <m:r>
+                              <a:rPr lang="ro-RO" i="1">
+                                <a:latin typeface="Cambria Math" panose="02040503050406030204" pitchFamily="18" charset="0"/>
+                              </a:rPr>
+                              <m:t>𝑖</m:t>
+                            </m:r>
+                            <m:r>
+                              <a:rPr lang="ro-RO" i="1">
+                                <a:latin typeface="Cambria Math" panose="02040503050406030204" pitchFamily="18" charset="0"/>
+                              </a:rPr>
+                              <m:t>+1</m:t>
+                            </m:r>
+                          </m:sub>
+                        </m:sSub>
+                      </m:e>
+                    </m:d>
+                  </m:oMath>
+                </a14:m>
+                <a:r>
+                  <a:rPr lang="ro-RO" dirty="0" smtClean="0"/>
+                  <a:t>; dacă aceasta iese din interval, blocul nu e folosit</a:t>
+                </a:r>
+              </a:p>
+            </p:txBody>
+          </p:sp>
+        </mc:Choice>
+        <mc:Fallback>
+          <p:sp>
+            <p:nvSpPr>
+              <p:cNvPr id="3" name="Content Placeholder 2"/>
+              <p:cNvSpPr>
+                <a:spLocks noGrp="1" noRot="1" noChangeAspect="1" noMove="1" noResize="1" noEditPoints="1" noAdjustHandles="1" noChangeArrowheads="1" noChangeShapeType="1" noTextEdit="1"/>
+              </p:cNvSpPr>
+              <p:nvPr>
+                <p:ph idx="1"/>
+              </p:nvPr>
+            </p:nvSpPr>
+            <p:spPr>
+              <a:blipFill>
+                <a:blip r:embed="rId2"/>
+                <a:stretch>
+                  <a:fillRect l="-667" r="-1000"/>
+                </a:stretch>
+              </a:blipFill>
+            </p:spPr>
+            <p:txBody>
+              <a:bodyPr/>
+              <a:lstStyle/>
+              <a:p>
+                <a:r>
+                  <a:rPr lang="ro-RO">
+                    <a:noFill/>
+                  </a:rPr>
+                  <a:t> </a:t>
+                </a:r>
+              </a:p>
+            </p:txBody>
+          </p:sp>
+        </mc:Fallback>
+      </mc:AlternateContent>
+    </p:spTree>
+    <p:extLst>
+      <p:ext uri="{BB962C8B-B14F-4D97-AF65-F5344CB8AC3E}">
+        <p14:creationId xmlns:p14="http://schemas.microsoft.com/office/powerpoint/2010/main" val="2481836093"/>
+      </p:ext>
+    </p:extLst>
+  </p:cSld>
+  <p:clrMapOvr>
+    <a:masterClrMapping/>
+  </p:clrMapOvr>
+</p:sld>
+</file>
+
+<file path=ppt/slides/slide19.xml><?xml version="1.0" encoding="utf-8"?>
+<p:sld xmlns:a="http://schemas.openxmlformats.org/drawingml/2006/main" xmlns:r="http://schemas.openxmlformats.org/officeDocument/2006/relationships" xmlns:p="http://schemas.openxmlformats.org/presentationml/2006/main">
+  <p:cSld>
+    <p:spTree>
+      <p:nvGrpSpPr>
+        <p:cNvPr id="1" name=""/>
+        <p:cNvGrpSpPr/>
+        <p:nvPr/>
+      </p:nvGrpSpPr>
+      <p:grpSpPr>
+        <a:xfrm>
+          <a:off x="0" y="0"/>
+          <a:ext cx="0" cy="0"/>
+          <a:chOff x="0" y="0"/>
+          <a:chExt cx="0" cy="0"/>
+        </a:xfrm>
+      </p:grpSpPr>
+      <p:sp>
+        <p:nvSpPr>
+          <p:cNvPr id="2" name="Title 1"/>
+          <p:cNvSpPr>
+            <a:spLocks noGrp="1"/>
+          </p:cNvSpPr>
+          <p:nvPr>
+            <p:ph type="title"/>
+          </p:nvPr>
+        </p:nvSpPr>
+        <p:spPr/>
+        <p:txBody>
+          <a:bodyPr/>
+          <a:lstStyle/>
+          <a:p>
+            <a:r>
+              <a:rPr lang="ro-RO" dirty="0"/>
+              <a:t>Descrierea soluțiilor - </a:t>
+            </a:r>
+            <a:r>
+              <a:rPr lang="ro-RO" u="sng" dirty="0"/>
+              <a:t>LSB</a:t>
+            </a:r>
+            <a:endParaRPr lang="ro-RO" dirty="0"/>
+          </a:p>
+        </p:txBody>
+      </p:sp>
+      <p:sp>
+        <p:nvSpPr>
+          <p:cNvPr id="3" name="Text Placeholder 2"/>
+          <p:cNvSpPr>
+            <a:spLocks noGrp="1"/>
+          </p:cNvSpPr>
+          <p:nvPr>
+            <p:ph type="body" idx="1"/>
+          </p:nvPr>
+        </p:nvSpPr>
+        <p:spPr/>
+        <p:txBody>
+          <a:bodyPr/>
+          <a:lstStyle/>
+          <a:p>
+            <a:r>
+              <a:rPr lang="ro-RO" dirty="0" smtClean="0"/>
+              <a:t>Imaginea originală</a:t>
+            </a:r>
+            <a:endParaRPr lang="ro-RO" dirty="0"/>
+          </a:p>
+        </p:txBody>
+      </p:sp>
+      <p:sp>
+        <p:nvSpPr>
+          <p:cNvPr id="5" name="Text Placeholder 4"/>
+          <p:cNvSpPr>
+            <a:spLocks noGrp="1"/>
+          </p:cNvSpPr>
+          <p:nvPr>
+            <p:ph type="body" sz="quarter" idx="3"/>
+          </p:nvPr>
+        </p:nvSpPr>
+        <p:spPr/>
+        <p:txBody>
+          <a:bodyPr/>
+          <a:lstStyle/>
+          <a:p>
+            <a:r>
+              <a:rPr lang="ro-RO" dirty="0" smtClean="0"/>
+              <a:t>Stego-imaginea</a:t>
+            </a:r>
+            <a:endParaRPr lang="ro-RO" dirty="0"/>
+          </a:p>
+        </p:txBody>
+      </p:sp>
+      <p:pic>
+        <p:nvPicPr>
+          <p:cNvPr id="11" name="Content Placeholder 10"/>
+          <p:cNvPicPr>
+            <a:picLocks noGrp="1" noChangeAspect="1"/>
+          </p:cNvPicPr>
+          <p:nvPr>
+            <p:ph sz="half" idx="2"/>
+          </p:nvPr>
+        </p:nvPicPr>
+        <p:blipFill>
+          <a:blip r:embed="rId3">
+            <a:extLst>
+              <a:ext uri="{28A0092B-C50C-407E-A947-70E740481C1C}">
+                <a14:useLocalDpi xmlns:a14="http://schemas.microsoft.com/office/drawing/2010/main" val="0"/>
+              </a:ext>
+            </a:extLst>
+          </a:blip>
+          <a:stretch>
+            <a:fillRect/>
+          </a:stretch>
+        </p:blipFill>
+        <p:spPr>
+          <a:xfrm>
+            <a:off x="4395555" y="1938265"/>
+            <a:ext cx="2745913" cy="3432391"/>
+          </a:xfrm>
+        </p:spPr>
+      </p:pic>
+      <p:pic>
+        <p:nvPicPr>
+          <p:cNvPr id="12" name="Content Placeholder 11"/>
+          <p:cNvPicPr>
+            <a:picLocks noGrp="1" noChangeAspect="1"/>
+          </p:cNvPicPr>
+          <p:nvPr>
+            <p:ph sz="quarter" idx="4"/>
+          </p:nvPr>
+        </p:nvPicPr>
+        <p:blipFill>
+          <a:blip r:embed="rId4">
+            <a:extLst>
+              <a:ext uri="{28A0092B-C50C-407E-A947-70E740481C1C}">
+                <a14:useLocalDpi xmlns:a14="http://schemas.microsoft.com/office/drawing/2010/main" val="0"/>
+              </a:ext>
+            </a:extLst>
+          </a:blip>
+          <a:stretch>
+            <a:fillRect/>
+          </a:stretch>
+        </p:blipFill>
+        <p:spPr>
+          <a:xfrm>
+            <a:off x="8161702" y="1938265"/>
+            <a:ext cx="2745913" cy="3432391"/>
+          </a:xfrm>
+        </p:spPr>
+      </p:pic>
+      <p:sp>
+        <p:nvSpPr>
+          <p:cNvPr id="14" name="TextBox 13"/>
+          <p:cNvSpPr txBox="1"/>
+          <p:nvPr/>
+        </p:nvSpPr>
+        <p:spPr>
+          <a:xfrm>
+            <a:off x="6938621" y="754505"/>
+            <a:ext cx="1283854" cy="369332"/>
+          </a:xfrm>
+          <a:prstGeom prst="rect">
+            <a:avLst/>
+          </a:prstGeom>
+          <a:noFill/>
+        </p:spPr>
+        <p:txBody>
+          <a:bodyPr wrap="square" rtlCol="0">
+            <a:spAutoFit/>
+          </a:bodyPr>
+          <a:lstStyle/>
+          <a:p>
+            <a:r>
+              <a:rPr lang="ro-RO" dirty="0" smtClean="0"/>
+              <a:t>Rezultate:</a:t>
+            </a:r>
+            <a:endParaRPr lang="ro-RO" dirty="0"/>
+          </a:p>
+        </p:txBody>
+      </p:sp>
+    </p:spTree>
+    <p:extLst>
+      <p:ext uri="{BB962C8B-B14F-4D97-AF65-F5344CB8AC3E}">
+        <p14:creationId xmlns:p14="http://schemas.microsoft.com/office/powerpoint/2010/main" val="3841484317"/>
+      </p:ext>
+    </p:extLst>
+  </p:cSld>
+  <p:clrMapOvr>
+    <a:masterClrMapping/>
+  </p:clrMapOvr>
+  <p:timing>
+    <p:tnLst>
+      <p:par>
+        <p:cTn id="1" dur="indefinite" restart="never" nodeType="tmRoot"/>
+      </p:par>
+    </p:tnLst>
+  </p:timing>
+</p:sld>
+</file>
+
+<file path=ppt/slides/slide2.xml><?xml version="1.0" encoding="utf-8"?>
+<p:sld xmlns:a="http://schemas.openxmlformats.org/drawingml/2006/main" xmlns:r="http://schemas.openxmlformats.org/officeDocument/2006/relationships" xmlns:p="http://schemas.openxmlformats.org/presentationml/2006/main">
+  <p:cSld>
+    <p:spTree>
+      <p:nvGrpSpPr>
+        <p:cNvPr id="1" name=""/>
+        <p:cNvGrpSpPr/>
+        <p:nvPr/>
+      </p:nvGrpSpPr>
+      <p:grpSpPr>
+        <a:xfrm>
+          <a:off x="0" y="0"/>
+          <a:ext cx="0" cy="0"/>
+          <a:chOff x="0" y="0"/>
+          <a:chExt cx="0" cy="0"/>
+        </a:xfrm>
+      </p:grpSpPr>
+      <p:sp>
+        <p:nvSpPr>
+          <p:cNvPr id="2" name="Title 1"/>
+          <p:cNvSpPr>
+            <a:spLocks noGrp="1"/>
+          </p:cNvSpPr>
+          <p:nvPr>
+            <p:ph type="title"/>
+          </p:nvPr>
+        </p:nvSpPr>
+        <p:spPr/>
+        <p:txBody>
+          <a:bodyPr/>
+          <a:lstStyle/>
+          <a:p>
+            <a:r>
+              <a:rPr lang="ro-RO" dirty="0" smtClean="0"/>
+              <a:t>Cuprins</a:t>
+            </a:r>
+            <a:endParaRPr lang="ro-RO" dirty="0"/>
+          </a:p>
+        </p:txBody>
+      </p:sp>
+      <p:sp>
+        <p:nvSpPr>
+          <p:cNvPr id="3" name="Content Placeholder 2"/>
+          <p:cNvSpPr>
+            <a:spLocks noGrp="1"/>
+          </p:cNvSpPr>
+          <p:nvPr>
+            <p:ph idx="1"/>
+          </p:nvPr>
+        </p:nvSpPr>
+        <p:spPr/>
+        <p:txBody>
+          <a:bodyPr/>
+          <a:lstStyle/>
+          <a:p>
+            <a:pPr marL="457200" indent="-457200">
+              <a:buFont typeface="+mj-lt"/>
+              <a:buAutoNum type="arabicPeriod"/>
+            </a:pPr>
+            <a:r>
+              <a:rPr lang="ro-RO" dirty="0" smtClean="0"/>
+              <a:t>Scurtă introducere</a:t>
+            </a:r>
+          </a:p>
+          <a:p>
+            <a:pPr marL="960120" lvl="1" indent="-457200">
+              <a:buFont typeface="+mj-lt"/>
+              <a:buAutoNum type="arabicPeriod"/>
+            </a:pPr>
+            <a:r>
+              <a:rPr lang="ro-RO" dirty="0" smtClean="0"/>
+              <a:t>Descrierea problemei</a:t>
+            </a:r>
+          </a:p>
+          <a:p>
+            <a:pPr marL="457200" indent="-457200">
+              <a:buFont typeface="+mj-lt"/>
+              <a:buAutoNum type="arabicPeriod"/>
+            </a:pPr>
+            <a:r>
+              <a:rPr lang="ro-RO" dirty="0" smtClean="0"/>
+              <a:t>Metrici</a:t>
+            </a:r>
+          </a:p>
+          <a:p>
+            <a:pPr marL="457200" indent="-457200">
+              <a:buFont typeface="+mj-lt"/>
+              <a:buAutoNum type="arabicPeriod"/>
+            </a:pPr>
+            <a:r>
+              <a:rPr lang="ro-RO" dirty="0" smtClean="0"/>
+              <a:t>Soluțiile propuse</a:t>
+            </a:r>
+          </a:p>
+          <a:p>
+            <a:pPr marL="960120" lvl="1" indent="-457200">
+              <a:buFont typeface="+mj-lt"/>
+              <a:buAutoNum type="arabicPeriod"/>
+            </a:pPr>
+            <a:r>
+              <a:rPr lang="ro-RO" dirty="0" smtClean="0"/>
+              <a:t>LSB</a:t>
+            </a:r>
+          </a:p>
+          <a:p>
+            <a:pPr marL="960120" lvl="1" indent="-457200">
+              <a:buFont typeface="+mj-lt"/>
+              <a:buAutoNum type="arabicPeriod"/>
+            </a:pPr>
+            <a:r>
+              <a:rPr lang="ro-RO" dirty="0" smtClean="0"/>
+              <a:t>PVD</a:t>
+            </a:r>
+          </a:p>
+          <a:p>
+            <a:pPr marL="960120" lvl="1" indent="-457200">
+              <a:buFont typeface="+mj-lt"/>
+              <a:buAutoNum type="arabicPeriod"/>
+            </a:pPr>
+            <a:r>
+              <a:rPr lang="ro-RO" dirty="0" smtClean="0"/>
+              <a:t>EDS</a:t>
+            </a:r>
+          </a:p>
+          <a:p>
+            <a:pPr marL="960120" lvl="1" indent="-457200">
+              <a:buFont typeface="+mj-lt"/>
+              <a:buAutoNum type="arabicPeriod"/>
+            </a:pPr>
+            <a:r>
+              <a:rPr lang="ro-RO" dirty="0" smtClean="0"/>
+              <a:t>DCT</a:t>
+            </a:r>
+          </a:p>
+          <a:p>
+            <a:pPr marL="457200" indent="-457200">
+              <a:buFont typeface="+mj-lt"/>
+              <a:buAutoNum type="arabicPeriod"/>
+            </a:pPr>
+            <a:r>
+              <a:rPr lang="ro-RO" dirty="0" smtClean="0"/>
+              <a:t>Concluzii</a:t>
+            </a:r>
+          </a:p>
+        </p:txBody>
+      </p:sp>
+    </p:spTree>
+    <p:extLst>
+      <p:ext uri="{BB962C8B-B14F-4D97-AF65-F5344CB8AC3E}">
+        <p14:creationId xmlns:p14="http://schemas.microsoft.com/office/powerpoint/2010/main" val="2195629904"/>
+      </p:ext>
+    </p:extLst>
+  </p:cSld>
+  <p:clrMapOvr>
+    <a:masterClrMapping/>
+  </p:clrMapOvr>
+  <p:timing>
+    <p:tnLst>
+      <p:par>
+        <p:cTn id="1" dur="indefinite" restart="never" nodeType="tmRoot"/>
+      </p:par>
+    </p:tnLst>
+  </p:timing>
+</p:sld>
+</file>
+
+<file path=ppt/slides/slide20.xml><?xml version="1.0" encoding="utf-8"?>
+<p:sld xmlns:a="http://schemas.openxmlformats.org/drawingml/2006/main" xmlns:r="http://schemas.openxmlformats.org/officeDocument/2006/relationships" xmlns:p="http://schemas.openxmlformats.org/presentationml/2006/main">
+  <p:cSld>
+    <p:spTree>
+      <p:nvGrpSpPr>
+        <p:cNvPr id="1" name=""/>
+        <p:cNvGrpSpPr/>
+        <p:nvPr/>
+      </p:nvGrpSpPr>
+      <p:grpSpPr>
+        <a:xfrm>
+          <a:off x="0" y="0"/>
+          <a:ext cx="0" cy="0"/>
+          <a:chOff x="0" y="0"/>
+          <a:chExt cx="0" cy="0"/>
+        </a:xfrm>
+      </p:grpSpPr>
+      <p:sp>
+        <p:nvSpPr>
+          <p:cNvPr id="2" name="Title 1"/>
+          <p:cNvSpPr>
+            <a:spLocks noGrp="1"/>
+          </p:cNvSpPr>
+          <p:nvPr>
+            <p:ph type="title"/>
+          </p:nvPr>
+        </p:nvSpPr>
+        <p:spPr/>
+        <p:txBody>
+          <a:bodyPr/>
+          <a:lstStyle/>
+          <a:p>
+            <a:r>
+              <a:rPr lang="ro-RO" dirty="0"/>
+              <a:t>Descrierea soluțiilor - </a:t>
+            </a:r>
+            <a:r>
+              <a:rPr lang="en-GB" u="sng" dirty="0"/>
+              <a:t>PVD</a:t>
+            </a:r>
+            <a:endParaRPr lang="ro-RO" dirty="0"/>
+          </a:p>
+        </p:txBody>
+      </p:sp>
+      <p:sp>
+        <p:nvSpPr>
+          <p:cNvPr id="3" name="Content Placeholder 2"/>
+          <p:cNvSpPr>
+            <a:spLocks noGrp="1"/>
+          </p:cNvSpPr>
+          <p:nvPr>
+            <p:ph idx="1"/>
+          </p:nvPr>
+        </p:nvSpPr>
+        <p:spPr/>
+        <p:txBody>
+          <a:bodyPr/>
+          <a:lstStyle/>
+          <a:p>
+            <a:r>
+              <a:rPr lang="ro-RO" dirty="0" smtClean="0"/>
+              <a:t>Concluzii</a:t>
+            </a:r>
+            <a:endParaRPr lang="ro-RO" dirty="0"/>
+          </a:p>
+        </p:txBody>
+      </p:sp>
+    </p:spTree>
+    <p:extLst>
+      <p:ext uri="{BB962C8B-B14F-4D97-AF65-F5344CB8AC3E}">
+        <p14:creationId xmlns:p14="http://schemas.microsoft.com/office/powerpoint/2010/main" val="3099783442"/>
+      </p:ext>
+    </p:extLst>
+  </p:cSld>
+  <p:clrMapOvr>
+    <a:masterClrMapping/>
+  </p:clrMapOvr>
+  <p:timing>
+    <p:tnLst>
+      <p:par>
+        <p:cTn id="1" dur="indefinite" restart="never" nodeType="tmRoot"/>
+      </p:par>
+    </p:tnLst>
+  </p:timing>
+</p:sld>
+</file>
+
+<file path=ppt/slides/slide21.xml><?xml version="1.0" encoding="utf-8"?>
+<p:sld xmlns:a="http://schemas.openxmlformats.org/drawingml/2006/main" xmlns:r="http://schemas.openxmlformats.org/officeDocument/2006/relationships" xmlns:p="http://schemas.openxmlformats.org/presentationml/2006/main">
+  <p:cSld>
+    <p:spTree>
+      <p:nvGrpSpPr>
+        <p:cNvPr id="1" name=""/>
+        <p:cNvGrpSpPr/>
+        <p:nvPr/>
+      </p:nvGrpSpPr>
+      <p:grpSpPr>
+        <a:xfrm>
+          <a:off x="0" y="0"/>
+          <a:ext cx="0" cy="0"/>
+          <a:chOff x="0" y="0"/>
+          <a:chExt cx="0" cy="0"/>
+        </a:xfrm>
+      </p:grpSpPr>
+      <p:sp>
+        <p:nvSpPr>
+          <p:cNvPr id="2" name="Title 1"/>
+          <p:cNvSpPr>
+            <a:spLocks noGrp="1"/>
+          </p:cNvSpPr>
+          <p:nvPr>
+            <p:ph type="title"/>
+          </p:nvPr>
+        </p:nvSpPr>
+        <p:spPr/>
+        <p:txBody>
+          <a:bodyPr/>
+          <a:lstStyle/>
+          <a:p>
+            <a:r>
+              <a:rPr lang="ro-RO" dirty="0"/>
+              <a:t>Descrierea soluțiilor - </a:t>
+            </a:r>
+            <a:r>
               <a:rPr lang="ro-RO" u="sng" dirty="0" smtClean="0"/>
               <a:t>EDS</a:t>
             </a:r>
@@ -6195,8 +10242,28 @@
           <a:p>
             <a:r>
               <a:rPr lang="ro-RO" dirty="0" smtClean="0"/>
-              <a:t>Algoritmul lui Canny are ca parametri pragul superior și pragul inferior (după care se selectează muchiile) și lățimea matricei Gaussiene</a:t>
-            </a:r>
+              <a:t>Algoritmul lui Canny are ca parametri pragul superior și pragul inferior (după care se selectează muchiile) și lățimea matricei </a:t>
+            </a:r>
+            <a:r>
+              <a:rPr lang="ro-RO" dirty="0" smtClean="0"/>
+              <a:t>Gaussiene</a:t>
+            </a:r>
+            <a:endParaRPr lang="en-GB" dirty="0" smtClean="0"/>
+          </a:p>
+          <a:p>
+            <a:r>
+              <a:rPr lang="en-GB" dirty="0" smtClean="0"/>
+              <a:t>Se </a:t>
+            </a:r>
+            <a:r>
+              <a:rPr lang="en-GB" dirty="0" err="1" smtClean="0"/>
+              <a:t>aplic</a:t>
+            </a:r>
+            <a:r>
+              <a:rPr lang="ro-RO" dirty="0" smtClean="0"/>
+              <a:t>ă o mască asupra imaginii (în funcție de căți LSB folosim) </a:t>
+            </a:r>
+            <a:endParaRPr lang="ro-RO" dirty="0" smtClean="0"/>
           </a:p>
           <a:p>
             <a:endParaRPr lang="ro-RO" dirty="0" smtClean="0"/>
@@ -6226,7 +10293,7 @@
 </p:sld>
 </file>
 
-<file path=ppt/slides/slide18.xml><?xml version="1.0" encoding="utf-8"?>
+<file path=ppt/slides/slide22.xml><?xml version="1.0" encoding="utf-8"?>
 <p:sld xmlns:a="http://schemas.openxmlformats.org/drawingml/2006/main" xmlns:r="http://schemas.openxmlformats.org/officeDocument/2006/relationships" xmlns:p="http://schemas.openxmlformats.org/presentationml/2006/main">
   <p:cSld>
     <p:spTree>
@@ -6282,10 +10349,15 @@
                 <p:ph idx="1"/>
               </p:nvPr>
             </p:nvSpPr>
-            <p:spPr/>
+            <p:spPr>
+              <a:xfrm>
+                <a:off x="3739959" y="500771"/>
+                <a:ext cx="7214368" cy="5847313"/>
+              </a:xfrm>
+            </p:spPr>
             <p:txBody>
               <a:bodyPr>
-                <a:normAutofit fontScale="55000" lnSpcReduction="20000"/>
+                <a:normAutofit fontScale="40000" lnSpcReduction="20000"/>
               </a:bodyPr>
               <a:lstStyle/>
               <a:p>
@@ -6293,7 +10365,7 @@
                   <a:buNone/>
                 </a:pPr>
                 <a:r>
-                  <a:rPr lang="ro-RO" dirty="0" smtClean="0">
+                  <a:rPr lang="ro-RO" sz="3700" dirty="0" smtClean="0">
                     <a:solidFill>
                       <a:schemeClr val="tx1"/>
                     </a:solidFill>
@@ -6308,7 +10380,7 @@
                   <a:buNone/>
                 </a:pPr>
                 <a:r>
-                  <a:rPr lang="ro-RO" dirty="0">
+                  <a:rPr lang="ro-RO" sz="3700" dirty="0">
                     <a:solidFill>
                       <a:schemeClr val="tx1"/>
                     </a:solidFill>
@@ -6318,7 +10390,7 @@
                   <a:t>t</a:t>
                 </a:r>
                 <a:r>
-                  <a:rPr lang="ro-RO" baseline="-25000" dirty="0">
+                  <a:rPr lang="ro-RO" sz="3700" baseline="-25000" dirty="0">
                     <a:solidFill>
                       <a:schemeClr val="tx1"/>
                     </a:solidFill>
@@ -6328,7 +10400,7 @@
                   <a:t>max</a:t>
                 </a:r>
                 <a:r>
-                  <a:rPr lang="ro-RO" dirty="0">
+                  <a:rPr lang="ro-RO" sz="3700" dirty="0">
                     <a:solidFill>
                       <a:schemeClr val="tx1"/>
                     </a:solidFill>
@@ -6343,7 +10415,7 @@
                   <a:buNone/>
                 </a:pPr>
                 <a:r>
-                  <a:rPr lang="ro-RO" dirty="0">
+                  <a:rPr lang="ro-RO" sz="3700" dirty="0">
                     <a:solidFill>
                       <a:schemeClr val="tx1"/>
                     </a:solidFill>
@@ -6353,7 +10425,7 @@
                   <a:t>t</a:t>
                 </a:r>
                 <a:r>
-                  <a:rPr lang="ro-RO" baseline="-25000" dirty="0">
+                  <a:rPr lang="ro-RO" sz="3700" baseline="-25000" dirty="0">
                     <a:solidFill>
                       <a:schemeClr val="tx1"/>
                     </a:solidFill>
@@ -6363,7 +10435,7 @@
                   <a:t>min</a:t>
                 </a:r>
                 <a:r>
-                  <a:rPr lang="ro-RO" dirty="0">
+                  <a:rPr lang="ro-RO" sz="3700" dirty="0">
                     <a:solidFill>
                       <a:schemeClr val="tx1"/>
                     </a:solidFill>
@@ -6378,7 +10450,7 @@
                   <a:buNone/>
                 </a:pPr>
                 <a:r>
-                  <a:rPr lang="ro-RO" dirty="0">
+                  <a:rPr lang="ro-RO" sz="3700" dirty="0">
                     <a:solidFill>
                       <a:schemeClr val="tx1"/>
                     </a:solidFill>
@@ -6393,7 +10465,7 @@
                   <a:buNone/>
                 </a:pPr>
                 <a:r>
-                  <a:rPr lang="ro-RO" dirty="0">
+                  <a:rPr lang="ro-RO" sz="3700" dirty="0">
                     <a:solidFill>
                       <a:schemeClr val="tx1"/>
                     </a:solidFill>
@@ -6403,7 +10475,7 @@
                   <a:t>r</a:t>
                 </a:r>
                 <a:r>
-                  <a:rPr lang="ro-RO" dirty="0" smtClean="0">
+                  <a:rPr lang="ro-RO" sz="3700" dirty="0" smtClean="0">
                     <a:solidFill>
                       <a:schemeClr val="tx1"/>
                     </a:solidFill>
@@ -6412,7 +10484,7 @@
                   </a:rPr>
                   <a:t>epeat {</a:t>
                 </a:r>
-                <a:endParaRPr lang="ro-RO" dirty="0">
+                <a:endParaRPr lang="ro-RO" sz="3700" dirty="0">
                   <a:solidFill>
                     <a:schemeClr val="tx1"/>
                   </a:solidFill>
@@ -6425,7 +10497,7 @@
                   <a:buNone/>
                 </a:pPr>
                 <a:r>
-                  <a:rPr lang="ro-RO" dirty="0">
+                  <a:rPr lang="ro-RO" sz="3700" dirty="0">
                     <a:solidFill>
                       <a:schemeClr val="tx1"/>
                     </a:solidFill>
@@ -6435,7 +10507,7 @@
                   <a:t>	t</a:t>
                 </a:r>
                 <a:r>
-                  <a:rPr lang="ro-RO" baseline="-25000" dirty="0">
+                  <a:rPr lang="ro-RO" sz="3700" baseline="-25000" dirty="0">
                     <a:solidFill>
                       <a:schemeClr val="tx1"/>
                     </a:solidFill>
@@ -6445,7 +10517,7 @@
                   <a:t>h</a:t>
                 </a:r>
                 <a:r>
-                  <a:rPr lang="ro-RO" dirty="0">
+                  <a:rPr lang="ro-RO" sz="3700" dirty="0">
                     <a:solidFill>
                       <a:schemeClr val="tx1"/>
                     </a:solidFill>
@@ -6459,10 +10531,11 @@
                     <m:f>
                       <m:fPr>
                         <m:ctrlPr>
-                          <a:rPr lang="ro-RO" i="1">
+                          <a:rPr lang="ro-RO" sz="3700" i="1">
                             <a:solidFill>
                               <a:schemeClr val="tx1"/>
                             </a:solidFill>
+                            <a:latin typeface="Cambria Math" panose="02040503050406030204" pitchFamily="18" charset="0"/>
                           </a:rPr>
                         </m:ctrlPr>
                       </m:fPr>
@@ -6470,68 +10543,75 @@
                         <m:sSub>
                           <m:sSubPr>
                             <m:ctrlPr>
-                              <a:rPr lang="ro-RO" i="1">
+                              <a:rPr lang="ro-RO" sz="3700" i="1">
                                 <a:solidFill>
                                   <a:schemeClr val="tx1"/>
                                 </a:solidFill>
+                                <a:latin typeface="Cambria Math" panose="02040503050406030204" pitchFamily="18" charset="0"/>
                               </a:rPr>
                             </m:ctrlPr>
                           </m:sSubPr>
                           <m:e>
                             <m:r>
-                              <a:rPr lang="ro-RO" i="1">
+                              <a:rPr lang="ro-RO" sz="3700" i="1">
                                 <a:solidFill>
                                   <a:schemeClr val="tx1"/>
                                 </a:solidFill>
+                                <a:latin typeface="Cambria Math" panose="02040503050406030204" pitchFamily="18" charset="0"/>
                               </a:rPr>
                               <m:t>𝑡</m:t>
                             </m:r>
                           </m:e>
                           <m:sub>
                             <m:r>
-                              <a:rPr lang="ro-RO" i="1">
+                              <a:rPr lang="ro-RO" sz="3700" i="1">
                                 <a:solidFill>
                                   <a:schemeClr val="tx1"/>
                                 </a:solidFill>
+                                <a:latin typeface="Cambria Math" panose="02040503050406030204" pitchFamily="18" charset="0"/>
                               </a:rPr>
                               <m:t>𝑚𝑎𝑥</m:t>
                             </m:r>
                           </m:sub>
                         </m:sSub>
                         <m:r>
-                          <a:rPr lang="ro-RO" i="1">
+                          <a:rPr lang="ro-RO" sz="3700" i="1">
                             <a:solidFill>
                               <a:schemeClr val="tx1"/>
                             </a:solidFill>
+                            <a:latin typeface="Cambria Math" panose="02040503050406030204" pitchFamily="18" charset="0"/>
                           </a:rPr>
                           <m:t>+ </m:t>
                         </m:r>
                         <m:sSub>
                           <m:sSubPr>
                             <m:ctrlPr>
-                              <a:rPr lang="ro-RO" i="1">
+                              <a:rPr lang="ro-RO" sz="3700" i="1">
                                 <a:solidFill>
                                   <a:schemeClr val="tx1"/>
                                 </a:solidFill>
+                                <a:latin typeface="Cambria Math" panose="02040503050406030204" pitchFamily="18" charset="0"/>
                               </a:rPr>
                             </m:ctrlPr>
                           </m:sSubPr>
                           <m:e>
                             <m:r>
-                              <a:rPr lang="ro-RO" i="1">
+                              <a:rPr lang="ro-RO" sz="3700" i="1">
                                 <a:solidFill>
                                   <a:schemeClr val="tx1"/>
                                 </a:solidFill>
+                                <a:latin typeface="Cambria Math" panose="02040503050406030204" pitchFamily="18" charset="0"/>
                               </a:rPr>
                               <m:t>𝑡</m:t>
                             </m:r>
                           </m:e>
                           <m:sub>
                             <m:r>
-                              <a:rPr lang="ro-RO" i="1">
+                              <a:rPr lang="ro-RO" sz="3700" i="1">
                                 <a:solidFill>
                                   <a:schemeClr val="tx1"/>
                                 </a:solidFill>
+                                <a:latin typeface="Cambria Math" panose="02040503050406030204" pitchFamily="18" charset="0"/>
                               </a:rPr>
                               <m:t>𝑚𝑖𝑛</m:t>
                             </m:r>
@@ -6540,10 +10620,11 @@
                       </m:num>
                       <m:den>
                         <m:r>
-                          <a:rPr lang="ro-RO" i="1">
+                          <a:rPr lang="ro-RO" sz="3700" i="1">
                             <a:solidFill>
                               <a:schemeClr val="tx1"/>
                             </a:solidFill>
+                            <a:latin typeface="Cambria Math" panose="02040503050406030204" pitchFamily="18" charset="0"/>
                           </a:rPr>
                           <m:t>2</m:t>
                         </m:r>
@@ -6552,7 +10633,7 @@
                   </m:oMath>
                 </a14:m>
                 <a:r>
-                  <a:rPr lang="ro-RO" dirty="0">
+                  <a:rPr lang="ro-RO" sz="3700" dirty="0">
                     <a:solidFill>
                       <a:schemeClr val="tx1"/>
                     </a:solidFill>
@@ -6567,7 +10648,7 @@
                   <a:buNone/>
                 </a:pPr>
                 <a:r>
-                  <a:rPr lang="ro-RO" dirty="0">
+                  <a:rPr lang="ro-RO" sz="3700" dirty="0">
                     <a:solidFill>
                       <a:schemeClr val="tx1"/>
                     </a:solidFill>
@@ -6577,7 +10658,7 @@
                   <a:t>	</a:t>
                 </a:r>
                 <a:r>
-                  <a:rPr lang="ro-RO" dirty="0" smtClean="0">
+                  <a:rPr lang="ro-RO" sz="3700" dirty="0" smtClean="0">
                     <a:solidFill>
                       <a:schemeClr val="tx1"/>
                     </a:solidFill>
@@ -6587,7 +10668,7 @@
                   <a:t>edgeImage </a:t>
                 </a:r>
                 <a:r>
-                  <a:rPr lang="ro-RO" dirty="0">
+                  <a:rPr lang="ro-RO" sz="3700" dirty="0">
                     <a:solidFill>
                       <a:schemeClr val="tx1"/>
                     </a:solidFill>
@@ -6597,7 +10678,7 @@
                   <a:t>= Canny(I, t</a:t>
                 </a:r>
                 <a:r>
-                  <a:rPr lang="ro-RO" baseline="-25000" dirty="0">
+                  <a:rPr lang="ro-RO" sz="3700" baseline="-25000" dirty="0">
                     <a:solidFill>
                       <a:schemeClr val="tx1"/>
                     </a:solidFill>
@@ -6607,7 +10688,7 @@
                   <a:t>h</a:t>
                 </a:r>
                 <a:r>
-                  <a:rPr lang="ro-RO" dirty="0">
+                  <a:rPr lang="ro-RO" sz="3700" dirty="0">
                     <a:solidFill>
                       <a:schemeClr val="tx1"/>
                     </a:solidFill>
@@ -6617,7 +10698,7 @@
                   <a:t>, 0,4*t</a:t>
                 </a:r>
                 <a:r>
-                  <a:rPr lang="ro-RO" baseline="-25000" dirty="0">
+                  <a:rPr lang="ro-RO" sz="3700" baseline="-25000" dirty="0">
                     <a:solidFill>
                       <a:schemeClr val="tx1"/>
                     </a:solidFill>
@@ -6627,7 +10708,7 @@
                   <a:t>h</a:t>
                 </a:r>
                 <a:r>
-                  <a:rPr lang="ro-RO" dirty="0">
+                  <a:rPr lang="ro-RO" sz="3700" dirty="0">
                     <a:solidFill>
                       <a:schemeClr val="tx1"/>
                     </a:solidFill>
@@ -6642,7 +10723,7 @@
                   <a:buNone/>
                 </a:pPr>
                 <a:r>
-                  <a:rPr lang="ro-RO" dirty="0">
+                  <a:rPr lang="ro-RO" sz="3700" dirty="0">
                     <a:solidFill>
                       <a:schemeClr val="tx1"/>
                     </a:solidFill>
@@ -6652,7 +10733,7 @@
                   <a:t>	n</a:t>
                 </a:r>
                 <a:r>
-                  <a:rPr lang="ro-RO" baseline="-25000" dirty="0">
+                  <a:rPr lang="ro-RO" sz="3700" baseline="-25000" dirty="0">
                     <a:solidFill>
                       <a:schemeClr val="tx1"/>
                     </a:solidFill>
@@ -6662,7 +10743,7 @@
                   <a:t>e</a:t>
                 </a:r>
                 <a:r>
-                  <a:rPr lang="ro-RO" dirty="0">
+                  <a:rPr lang="ro-RO" sz="3700" dirty="0">
                     <a:solidFill>
                       <a:schemeClr val="tx1"/>
                     </a:solidFill>
@@ -6677,7 +10758,7 @@
                   <a:buNone/>
                 </a:pPr>
                 <a:r>
-                  <a:rPr lang="ro-RO" dirty="0">
+                  <a:rPr lang="ro-RO" sz="3700" dirty="0">
                     <a:solidFill>
                       <a:schemeClr val="tx1"/>
                     </a:solidFill>
@@ -6687,7 +10768,7 @@
                   <a:t>	difference = n</a:t>
                 </a:r>
                 <a:r>
-                  <a:rPr lang="ro-RO" baseline="-25000" dirty="0">
+                  <a:rPr lang="ro-RO" sz="3700" baseline="-25000" dirty="0">
                     <a:solidFill>
                       <a:schemeClr val="tx1"/>
                     </a:solidFill>
@@ -6697,7 +10778,7 @@
                   <a:t>e</a:t>
                 </a:r>
                 <a:r>
-                  <a:rPr lang="ro-RO" dirty="0">
+                  <a:rPr lang="ro-RO" sz="3700" dirty="0">
                     <a:solidFill>
                       <a:schemeClr val="tx1"/>
                     </a:solidFill>
@@ -6712,7 +10793,7 @@
                   <a:buNone/>
                 </a:pPr>
                 <a:r>
-                  <a:rPr lang="ro-RO" dirty="0">
+                  <a:rPr lang="ro-RO" sz="3700" dirty="0">
                     <a:solidFill>
                       <a:schemeClr val="tx1"/>
                     </a:solidFill>
@@ -6727,7 +10808,7 @@
                   <a:buNone/>
                 </a:pPr>
                 <a:r>
-                  <a:rPr lang="ro-RO" dirty="0">
+                  <a:rPr lang="ro-RO" sz="3700" dirty="0">
                     <a:solidFill>
                       <a:schemeClr val="tx1"/>
                     </a:solidFill>
@@ -6737,7 +10818,7 @@
                   <a:t>		t</a:t>
                 </a:r>
                 <a:r>
-                  <a:rPr lang="ro-RO" baseline="-25000" dirty="0">
+                  <a:rPr lang="ro-RO" sz="3700" baseline="-25000" dirty="0">
                     <a:solidFill>
                       <a:schemeClr val="tx1"/>
                     </a:solidFill>
@@ -6747,7 +10828,7 @@
                   <a:t>min</a:t>
                 </a:r>
                 <a:r>
-                  <a:rPr lang="ro-RO" dirty="0">
+                  <a:rPr lang="ro-RO" sz="3700" dirty="0">
                     <a:solidFill>
                       <a:schemeClr val="tx1"/>
                     </a:solidFill>
@@ -6757,7 +10838,7 @@
                   <a:t> = t</a:t>
                 </a:r>
                 <a:r>
-                  <a:rPr lang="ro-RO" baseline="-25000" dirty="0">
+                  <a:rPr lang="ro-RO" sz="3700" baseline="-25000" dirty="0">
                     <a:solidFill>
                       <a:schemeClr val="tx1"/>
                     </a:solidFill>
@@ -6767,7 +10848,7 @@
                   <a:t>h</a:t>
                 </a:r>
                 <a:r>
-                  <a:rPr lang="ro-RO" dirty="0">
+                  <a:rPr lang="ro-RO" sz="3700" dirty="0">
                     <a:solidFill>
                       <a:schemeClr val="tx1"/>
                     </a:solidFill>
@@ -6782,7 +10863,7 @@
                   <a:buNone/>
                 </a:pPr>
                 <a:r>
-                  <a:rPr lang="ro-RO" dirty="0">
+                  <a:rPr lang="ro-RO" sz="3700" dirty="0">
                     <a:solidFill>
                       <a:schemeClr val="tx1"/>
                     </a:solidFill>
@@ -6797,7 +10878,7 @@
                   <a:buNone/>
                 </a:pPr>
                 <a:r>
-                  <a:rPr lang="ro-RO" dirty="0">
+                  <a:rPr lang="ro-RO" sz="3700" dirty="0">
                     <a:solidFill>
                       <a:schemeClr val="tx1"/>
                     </a:solidFill>
@@ -6812,7 +10893,7 @@
                   <a:buNone/>
                 </a:pPr>
                 <a:r>
-                  <a:rPr lang="ro-RO" dirty="0">
+                  <a:rPr lang="ro-RO" sz="3700" dirty="0">
                     <a:solidFill>
                       <a:schemeClr val="tx1"/>
                     </a:solidFill>
@@ -6822,7 +10903,7 @@
                   <a:t>		t</a:t>
                 </a:r>
                 <a:r>
-                  <a:rPr lang="ro-RO" baseline="-25000" dirty="0">
+                  <a:rPr lang="ro-RO" sz="3700" baseline="-25000" dirty="0">
                     <a:solidFill>
                       <a:schemeClr val="tx1"/>
                     </a:solidFill>
@@ -6832,7 +10913,7 @@
                   <a:t>max</a:t>
                 </a:r>
                 <a:r>
-                  <a:rPr lang="ro-RO" dirty="0">
+                  <a:rPr lang="ro-RO" sz="3700" dirty="0">
                     <a:solidFill>
                       <a:schemeClr val="tx1"/>
                     </a:solidFill>
@@ -6842,7 +10923,7 @@
                   <a:t> = t</a:t>
                 </a:r>
                 <a:r>
-                  <a:rPr lang="ro-RO" baseline="-25000" dirty="0">
+                  <a:rPr lang="ro-RO" sz="3700" baseline="-25000" dirty="0">
                     <a:solidFill>
                       <a:schemeClr val="tx1"/>
                     </a:solidFill>
@@ -6852,7 +10933,7 @@
                   <a:t>h</a:t>
                 </a:r>
                 <a:r>
-                  <a:rPr lang="ro-RO" dirty="0">
+                  <a:rPr lang="ro-RO" sz="3700" dirty="0">
                     <a:solidFill>
                       <a:schemeClr val="tx1"/>
                     </a:solidFill>
@@ -6867,7 +10948,7 @@
                   <a:buNone/>
                 </a:pPr>
                 <a:r>
-                  <a:rPr lang="ro-RO" dirty="0">
+                  <a:rPr lang="ro-RO" sz="3700" dirty="0">
                     <a:solidFill>
                       <a:schemeClr val="tx1"/>
                     </a:solidFill>
@@ -6882,7 +10963,7 @@
                   <a:buNone/>
                 </a:pPr>
                 <a:r>
-                  <a:rPr lang="ro-RO" dirty="0">
+                  <a:rPr lang="ro-RO" sz="3700" dirty="0">
                     <a:solidFill>
                       <a:schemeClr val="tx1"/>
                     </a:solidFill>
@@ -6897,7 +10978,7 @@
                   <a:buNone/>
                 </a:pPr>
                 <a:r>
-                  <a:rPr lang="ro-RO" dirty="0" smtClean="0">
+                  <a:rPr lang="ro-RO" sz="3700" dirty="0" smtClean="0">
                     <a:solidFill>
                       <a:schemeClr val="tx1"/>
                     </a:solidFill>
@@ -6907,7 +10988,7 @@
                   <a:t>} until </a:t>
                 </a:r>
                 <a:r>
-                  <a:rPr lang="ro-RO" dirty="0">
+                  <a:rPr lang="ro-RO" sz="3700" dirty="0">
                     <a:solidFill>
                       <a:schemeClr val="tx1"/>
                     </a:solidFill>
@@ -6922,7 +11003,7 @@
                   <a:buNone/>
                 </a:pPr>
                 <a:r>
-                  <a:rPr lang="ro-RO" dirty="0">
+                  <a:rPr lang="ro-RO" sz="3700" dirty="0">
                     <a:solidFill>
                       <a:schemeClr val="tx1"/>
                     </a:solidFill>
@@ -6932,7 +11013,7 @@
                   <a:t>return t</a:t>
                 </a:r>
                 <a:r>
-                  <a:rPr lang="ro-RO" baseline="-25000" dirty="0">
+                  <a:rPr lang="ro-RO" sz="3700" baseline="-25000" dirty="0">
                     <a:solidFill>
                       <a:schemeClr val="tx1"/>
                     </a:solidFill>
@@ -6942,7 +11023,7 @@
                   <a:t>h</a:t>
                 </a:r>
                 <a:r>
-                  <a:rPr lang="ro-RO" dirty="0">
+                  <a:rPr lang="ro-RO" sz="3700" dirty="0">
                     <a:solidFill>
                       <a:schemeClr val="tx1"/>
                     </a:solidFill>
@@ -6973,10 +11054,14 @@
               </p:nvPr>
             </p:nvSpPr>
             <p:spPr>
+              <a:xfrm>
+                <a:off x="3739959" y="500771"/>
+                <a:ext cx="7214368" cy="5847313"/>
+              </a:xfrm>
               <a:blipFill>
-                <a:blip r:embed="rId2"/>
+                <a:blip r:embed="rId3"/>
                 <a:stretch>
-                  <a:fillRect t="-595"/>
+                  <a:fillRect l="-338" t="-1251"/>
                 </a:stretch>
               </a:blipFill>
             </p:spPr>
@@ -7015,7 +11100,7 @@
 </p:sld>
 </file>
 
-<file path=ppt/slides/slide19.xml><?xml version="1.0" encoding="utf-8"?>
+<file path=ppt/slides/slide23.xml><?xml version="1.0" encoding="utf-8"?>
 <p:sld xmlns:a="http://schemas.openxmlformats.org/drawingml/2006/main" xmlns:r="http://schemas.openxmlformats.org/officeDocument/2006/relationships" xmlns:p="http://schemas.openxmlformats.org/presentationml/2006/main">
   <p:cSld>
     <p:spTree>
@@ -7076,14 +11161,38 @@
           <a:p>
             <a:r>
               <a:rPr lang="ro-RO" dirty="0" smtClean="0"/>
-              <a:t>Algoritmul implică și utilizarea unei ”stego-chei”, cu ajutorul căreia se modifică ordinea în care sunt folosiți pixelii pentru încorporare</a:t>
-            </a:r>
-          </a:p>
-          <a:p>
+              <a:t>După obținerea t</a:t>
+            </a:r>
+            <a:r>
+              <a:rPr lang="ro-RO" baseline="-25000" dirty="0" smtClean="0"/>
+              <a:t>h</a:t>
+            </a:r>
             <a:r>
               <a:rPr lang="ro-RO" dirty="0" smtClean="0"/>
-              <a:t>Fiindcă receptorul nu are la îndemână pragul și lățimea utilizate, acestea sunt introduse în alte părți ale imaginii</a:t>
-            </a:r>
+              <a:t>, aplic Canny pentru a obține muchiile în care încorporăm</a:t>
+            </a:r>
+            <a:endParaRPr lang="ro-RO" dirty="0" smtClean="0"/>
+          </a:p>
+          <a:p>
+            <a:r>
+              <a:rPr lang="ro-RO" dirty="0" smtClean="0"/>
+              <a:t>Algoritmul </a:t>
+            </a:r>
+            <a:r>
+              <a:rPr lang="ro-RO" dirty="0" smtClean="0"/>
+              <a:t>implică și utilizarea unei ”stego-chei”, cu ajutorul căreia se modifică ordinea în care sunt folosiți pixelii pentru încorporare</a:t>
+            </a:r>
+          </a:p>
+          <a:p>
+            <a:r>
+              <a:rPr lang="ro-RO" dirty="0" smtClean="0"/>
+              <a:t>Fiindcă receptorul nu are la îndemână pragul și lățimea utilizate, acestea sunt introduse în alte părți ale </a:t>
+            </a:r>
+            <a:r>
+              <a:rPr lang="ro-RO" dirty="0" smtClean="0"/>
+              <a:t>imaginii (dar nu în muchii)</a:t>
+            </a:r>
+            <a:endParaRPr lang="ro-RO" dirty="0" smtClean="0"/>
           </a:p>
           <a:p>
             <a:r>
@@ -7116,7 +11225,7 @@
 </p:sld>
 </file>
 
-<file path=ppt/slides/slide2.xml><?xml version="1.0" encoding="utf-8"?>
+<file path=ppt/slides/slide24.xml><?xml version="1.0" encoding="utf-8"?>
 <p:sld xmlns:a="http://schemas.openxmlformats.org/drawingml/2006/main" xmlns:r="http://schemas.openxmlformats.org/officeDocument/2006/relationships" xmlns:p="http://schemas.openxmlformats.org/presentationml/2006/main">
   <p:cSld>
     <p:spTree>
@@ -7149,211 +11258,187 @@
           <a:lstStyle/>
           <a:p>
             <a:r>
+              <a:rPr lang="ro-RO" smtClean="0"/>
+              <a:t>Descrierea soluțiilor - EDS</a:t>
+            </a:r>
+            <a:endParaRPr lang="ro-RO" dirty="0"/>
+          </a:p>
+        </p:txBody>
+      </p:sp>
+      <p:sp>
+        <p:nvSpPr>
+          <p:cNvPr id="3" name="Content Placeholder 2"/>
+          <p:cNvSpPr>
+            <a:spLocks noGrp="1"/>
+          </p:cNvSpPr>
+          <p:nvPr>
+            <p:ph type="body" idx="1"/>
+          </p:nvPr>
+        </p:nvSpPr>
+        <p:spPr>
+          <a:xfrm>
+            <a:off x="4274313" y="657746"/>
+            <a:ext cx="3474720" cy="807720"/>
+          </a:xfrm>
+        </p:spPr>
+        <p:txBody>
+          <a:bodyPr/>
+          <a:lstStyle/>
+          <a:p>
+            <a:r>
               <a:rPr lang="ro-RO" dirty="0" smtClean="0"/>
-              <a:t>Cuprins</a:t>
+              <a:t>Imaginea originală</a:t>
             </a:r>
             <a:endParaRPr lang="ro-RO" dirty="0"/>
           </a:p>
         </p:txBody>
       </p:sp>
-      <p:sp>
-        <p:nvSpPr>
-          <p:cNvPr id="3" name="Content Placeholder 2"/>
-          <p:cNvSpPr>
-            <a:spLocks noGrp="1"/>
-          </p:cNvSpPr>
-          <p:nvPr>
-            <p:ph idx="1"/>
-          </p:nvPr>
-        </p:nvSpPr>
-        <p:spPr/>
-        <p:txBody>
-          <a:bodyPr/>
-          <a:lstStyle/>
-          <a:p>
-            <a:pPr marL="457200" indent="-457200">
-              <a:buFont typeface="+mj-lt"/>
-              <a:buAutoNum type="arabicPeriod"/>
-            </a:pPr>
+      <p:pic>
+        <p:nvPicPr>
+          <p:cNvPr id="10" name="Content Placeholder 9"/>
+          <p:cNvPicPr>
+            <a:picLocks noGrp="1" noChangeAspect="1"/>
+          </p:cNvPicPr>
+          <p:nvPr>
+            <p:ph sz="half" idx="2"/>
+          </p:nvPr>
+        </p:nvPicPr>
+        <p:blipFill>
+          <a:blip r:embed="rId3">
+            <a:extLst>
+              <a:ext uri="{28A0092B-C50C-407E-A947-70E740481C1C}">
+                <a14:useLocalDpi xmlns:a14="http://schemas.microsoft.com/office/drawing/2010/main" val="0"/>
+              </a:ext>
+            </a:extLst>
+          </a:blip>
+          <a:stretch>
+            <a:fillRect/>
+          </a:stretch>
+        </p:blipFill>
+        <p:spPr>
+          <a:xfrm>
+            <a:off x="4274313" y="1648216"/>
+            <a:ext cx="2438740" cy="2438740"/>
+          </a:xfrm>
+        </p:spPr>
+      </p:pic>
+      <p:sp>
+        <p:nvSpPr>
+          <p:cNvPr id="7" name="Text Placeholder 6"/>
+          <p:cNvSpPr>
+            <a:spLocks noGrp="1"/>
+          </p:cNvSpPr>
+          <p:nvPr>
+            <p:ph type="body" sz="quarter" idx="3"/>
+          </p:nvPr>
+        </p:nvSpPr>
+        <p:spPr>
+          <a:xfrm>
+            <a:off x="8224863" y="652295"/>
+            <a:ext cx="3474720" cy="813171"/>
+          </a:xfrm>
+        </p:spPr>
+        <p:txBody>
+          <a:bodyPr/>
+          <a:lstStyle/>
+          <a:p>
             <a:r>
               <a:rPr lang="ro-RO" dirty="0" smtClean="0"/>
-              <a:t>Scurtă introducere</a:t>
-            </a:r>
-          </a:p>
-          <a:p>
-            <a:pPr marL="960120" lvl="1" indent="-457200">
-              <a:buFont typeface="+mj-lt"/>
-              <a:buAutoNum type="arabicPeriod"/>
-            </a:pPr>
+              <a:t>Stego-imaginea</a:t>
+            </a:r>
+            <a:endParaRPr lang="ro-RO" dirty="0"/>
+          </a:p>
+        </p:txBody>
+      </p:sp>
+      <p:pic>
+        <p:nvPicPr>
+          <p:cNvPr id="11" name="Content Placeholder 10"/>
+          <p:cNvPicPr>
+            <a:picLocks noGrp="1" noChangeAspect="1"/>
+          </p:cNvPicPr>
+          <p:nvPr>
+            <p:ph sz="quarter" idx="4"/>
+          </p:nvPr>
+        </p:nvPicPr>
+        <p:blipFill>
+          <a:blip r:embed="rId4">
+            <a:extLst>
+              <a:ext uri="{28A0092B-C50C-407E-A947-70E740481C1C}">
+                <a14:useLocalDpi xmlns:a14="http://schemas.microsoft.com/office/drawing/2010/main" val="0"/>
+              </a:ext>
+            </a:extLst>
+          </a:blip>
+          <a:stretch>
+            <a:fillRect/>
+          </a:stretch>
+        </p:blipFill>
+        <p:spPr>
+          <a:xfrm>
+            <a:off x="8224863" y="1692475"/>
+            <a:ext cx="2438400" cy="2438400"/>
+          </a:xfrm>
+        </p:spPr>
+      </p:pic>
+      <p:sp>
+        <p:nvSpPr>
+          <p:cNvPr id="9" name="TextBox 8"/>
+          <p:cNvSpPr txBox="1"/>
+          <p:nvPr/>
+        </p:nvSpPr>
+        <p:spPr>
+          <a:xfrm>
+            <a:off x="6938621" y="754505"/>
+            <a:ext cx="1283854" cy="369332"/>
+          </a:xfrm>
+          <a:prstGeom prst="rect">
+            <a:avLst/>
+          </a:prstGeom>
+          <a:noFill/>
+        </p:spPr>
+        <p:txBody>
+          <a:bodyPr wrap="square" rtlCol="0">
+            <a:spAutoFit/>
+          </a:bodyPr>
+          <a:lstStyle/>
+          <a:p>
             <a:r>
               <a:rPr lang="ro-RO" dirty="0" smtClean="0"/>
-              <a:t>Descrierea problemei</a:t>
-            </a:r>
-          </a:p>
-          <a:p>
-            <a:pPr marL="457200" indent="-457200">
-              <a:buFont typeface="+mj-lt"/>
-              <a:buAutoNum type="arabicPeriod"/>
-            </a:pPr>
-            <a:r>
-              <a:rPr lang="ro-RO" dirty="0" smtClean="0"/>
-              <a:t>Metrici</a:t>
-            </a:r>
-          </a:p>
-          <a:p>
-            <a:pPr marL="457200" indent="-457200">
-              <a:buFont typeface="+mj-lt"/>
-              <a:buAutoNum type="arabicPeriod"/>
-            </a:pPr>
-            <a:r>
-              <a:rPr lang="ro-RO" dirty="0" smtClean="0"/>
-              <a:t>Soluțiile propuse</a:t>
-            </a:r>
-          </a:p>
-          <a:p>
-            <a:pPr marL="960120" lvl="1" indent="-457200">
-              <a:buFont typeface="+mj-lt"/>
-              <a:buAutoNum type="arabicPeriod"/>
-            </a:pPr>
-            <a:r>
-              <a:rPr lang="ro-RO" dirty="0" smtClean="0"/>
-              <a:t>LSB</a:t>
-            </a:r>
-          </a:p>
-          <a:p>
-            <a:pPr marL="960120" lvl="1" indent="-457200">
-              <a:buFont typeface="+mj-lt"/>
-              <a:buAutoNum type="arabicPeriod"/>
-            </a:pPr>
-            <a:r>
-              <a:rPr lang="ro-RO" dirty="0" smtClean="0"/>
-              <a:t>PVD</a:t>
-            </a:r>
-          </a:p>
-          <a:p>
-            <a:pPr marL="960120" lvl="1" indent="-457200">
-              <a:buFont typeface="+mj-lt"/>
-              <a:buAutoNum type="arabicPeriod"/>
-            </a:pPr>
-            <a:r>
-              <a:rPr lang="ro-RO" dirty="0" smtClean="0"/>
-              <a:t>EDS</a:t>
-            </a:r>
-          </a:p>
-          <a:p>
-            <a:pPr marL="960120" lvl="1" indent="-457200">
-              <a:buFont typeface="+mj-lt"/>
-              <a:buAutoNum type="arabicPeriod"/>
-            </a:pPr>
-            <a:r>
-              <a:rPr lang="ro-RO" dirty="0" smtClean="0"/>
-              <a:t>DCT</a:t>
-            </a:r>
-          </a:p>
-          <a:p>
-            <a:pPr marL="457200" indent="-457200">
-              <a:buFont typeface="+mj-lt"/>
-              <a:buAutoNum type="arabicPeriod"/>
-            </a:pPr>
-            <a:r>
-              <a:rPr lang="ro-RO" dirty="0" smtClean="0"/>
-              <a:t>Concluzii</a:t>
-            </a:r>
-          </a:p>
-        </p:txBody>
-      </p:sp>
-    </p:spTree>
-    <p:extLst>
-      <p:ext uri="{BB962C8B-B14F-4D97-AF65-F5344CB8AC3E}">
-        <p14:creationId xmlns:p14="http://schemas.microsoft.com/office/powerpoint/2010/main" val="2195629904"/>
-      </p:ext>
-    </p:extLst>
-  </p:cSld>
-  <p:clrMapOvr>
-    <a:masterClrMapping/>
-  </p:clrMapOvr>
-  <p:timing>
-    <p:tnLst>
-      <p:par>
-        <p:cTn id="1" dur="indefinite" restart="never" nodeType="tmRoot"/>
-      </p:par>
-    </p:tnLst>
-  </p:timing>
-</p:sld>
-</file>
-
-<file path=ppt/slides/slide20.xml><?xml version="1.0" encoding="utf-8"?>
-<p:sld xmlns:a="http://schemas.openxmlformats.org/drawingml/2006/main" xmlns:r="http://schemas.openxmlformats.org/officeDocument/2006/relationships" xmlns:p="http://schemas.openxmlformats.org/presentationml/2006/main">
-  <p:cSld>
-    <p:spTree>
-      <p:nvGrpSpPr>
-        <p:cNvPr id="1" name=""/>
-        <p:cNvGrpSpPr/>
-        <p:nvPr/>
-      </p:nvGrpSpPr>
-      <p:grpSpPr>
-        <a:xfrm>
-          <a:off x="0" y="0"/>
-          <a:ext cx="0" cy="0"/>
-          <a:chOff x="0" y="0"/>
-          <a:chExt cx="0" cy="0"/>
-        </a:xfrm>
-      </p:grpSpPr>
-      <p:sp>
-        <p:nvSpPr>
-          <p:cNvPr id="2" name="Title 1"/>
-          <p:cNvSpPr>
-            <a:spLocks noGrp="1"/>
-          </p:cNvSpPr>
-          <p:nvPr>
-            <p:ph type="title"/>
-          </p:nvPr>
-        </p:nvSpPr>
-        <p:spPr/>
-        <p:txBody>
-          <a:bodyPr/>
-          <a:lstStyle/>
-          <a:p>
-            <a:r>
-              <a:rPr lang="ro-RO" dirty="0"/>
-              <a:t>Descrierea soluțiilor - </a:t>
-            </a:r>
-            <a:r>
-              <a:rPr lang="ro-RO" u="sng" dirty="0"/>
-              <a:t>EDS</a:t>
+              <a:t>Rezultate:</a:t>
             </a:r>
             <a:endParaRPr lang="ro-RO" dirty="0"/>
           </a:p>
         </p:txBody>
       </p:sp>
-      <p:sp>
-        <p:nvSpPr>
-          <p:cNvPr id="3" name="Content Placeholder 2"/>
-          <p:cNvSpPr>
-            <a:spLocks noGrp="1"/>
-          </p:cNvSpPr>
-          <p:nvPr>
-            <p:ph idx="1"/>
-          </p:nvPr>
-        </p:nvSpPr>
-        <p:spPr/>
-        <p:txBody>
-          <a:bodyPr>
-            <a:normAutofit/>
-          </a:bodyPr>
-          <a:lstStyle/>
-          <a:p>
-            <a:pPr marL="0" indent="0" algn="ctr">
-              <a:buNone/>
-            </a:pPr>
-            <a:r>
-              <a:rPr lang="ro-RO" sz="3600" dirty="0" smtClean="0"/>
-              <a:t>Demo</a:t>
-            </a:r>
-            <a:endParaRPr lang="ro-RO" sz="3600" dirty="0"/>
-          </a:p>
-        </p:txBody>
-      </p:sp>
+      <p:pic>
+        <p:nvPicPr>
+          <p:cNvPr id="12" name="Picture 11"/>
+          <p:cNvPicPr>
+            <a:picLocks noChangeAspect="1"/>
+          </p:cNvPicPr>
+          <p:nvPr/>
+        </p:nvPicPr>
+        <p:blipFill>
+          <a:blip r:embed="rId5">
+            <a:extLst>
+              <a:ext uri="{28A0092B-C50C-407E-A947-70E740481C1C}">
+                <a14:useLocalDpi xmlns:a14="http://schemas.microsoft.com/office/drawing/2010/main" val="0"/>
+              </a:ext>
+            </a:extLst>
+          </a:blip>
+          <a:stretch>
+            <a:fillRect/>
+          </a:stretch>
+        </p:blipFill>
+        <p:spPr>
+          <a:xfrm>
+            <a:off x="6190475" y="4269706"/>
+            <a:ext cx="2438400" cy="2438400"/>
+          </a:xfrm>
+          <a:prstGeom prst="rect">
+            <a:avLst/>
+          </a:prstGeom>
+        </p:spPr>
+      </p:pic>
     </p:spTree>
     <p:extLst>
       <p:ext uri="{BB962C8B-B14F-4D97-AF65-F5344CB8AC3E}">
@@ -7374,7 +11459,7 @@
 </p:sld>
 </file>
 
-<file path=ppt/slides/slide21.xml><?xml version="1.0" encoding="utf-8"?>
+<file path=ppt/slides/slide25.xml><?xml version="1.0" encoding="utf-8"?>
 <p:sld xmlns:a="http://schemas.openxmlformats.org/drawingml/2006/main" xmlns:r="http://schemas.openxmlformats.org/officeDocument/2006/relationships" xmlns:p="http://schemas.openxmlformats.org/presentationml/2006/main">
   <p:cSld>
     <p:spTree>
@@ -7461,7 +11546,7 @@
 </p:sld>
 </file>
 
-<file path=ppt/slides/slide22.xml><?xml version="1.0" encoding="utf-8"?>
+<file path=ppt/slides/slide26.xml><?xml version="1.0" encoding="utf-8"?>
 <p:sld xmlns:a="http://schemas.openxmlformats.org/drawingml/2006/main" xmlns:r="http://schemas.openxmlformats.org/officeDocument/2006/relationships" xmlns:p="http://schemas.openxmlformats.org/presentationml/2006/main">
   <p:cSld>
     <p:spTree>
@@ -7528,8 +11613,13 @@
           <a:p>
             <a:r>
               <a:rPr lang="ro-RO" dirty="0" smtClean="0"/>
-              <a:t>Aplică transformata Cosinus Discretă pe blocuri de dimensiune 8 * 8 din imagine</a:t>
-            </a:r>
+              <a:t>Aplică transformata Cosinus Discretă pe blocuri de dimensiune 8 * 8 din </a:t>
+            </a:r>
+            <a:r>
+              <a:rPr lang="ro-RO" dirty="0" smtClean="0"/>
+              <a:t>imagine</a:t>
+            </a:r>
+            <a:endParaRPr lang="ro-RO" dirty="0" smtClean="0"/>
           </a:p>
           <a:p>
             <a:r>
@@ -7560,7 +11650,7 @@
 </p:sld>
 </file>
 
-<file path=ppt/slides/slide23.xml><?xml version="1.0" encoding="utf-8"?>
+<file path=ppt/slides/slide27.xml><?xml version="1.0" encoding="utf-8"?>
 <p:sld xmlns:a="http://schemas.openxmlformats.org/drawingml/2006/main" xmlns:r="http://schemas.openxmlformats.org/officeDocument/2006/relationships" xmlns:p="http://schemas.openxmlformats.org/presentationml/2006/main">
   <p:cSld>
     <p:spTree>
@@ -7627,7 +11717,29 @@
           <a:p>
             <a:r>
               <a:rPr lang="ro-RO" dirty="0" smtClean="0"/>
-              <a:t>Algoritmul poate fi modificat pentru a folosi un număr diferit de coeficienți, în funcție de dimensiunea mesajului</a:t>
+              <a:t>Algoritmul poate fi </a:t>
+            </a:r>
+            <a:r>
+              <a:rPr lang="ro-RO" dirty="0" smtClean="0"/>
+              <a:t>schimbat</a:t>
+            </a:r>
+            <a:r>
+              <a:rPr lang="ro-RO" dirty="0" smtClean="0"/>
+              <a:t> </a:t>
+            </a:r>
+            <a:r>
+              <a:rPr lang="ro-RO" dirty="0" smtClean="0"/>
+              <a:t>pentru a folosi un număr diferit de coeficienți, în funcție de dimensiunea </a:t>
+            </a:r>
+            <a:r>
+              <a:rPr lang="ro-RO" dirty="0" smtClean="0"/>
+              <a:t>mesajului</a:t>
+            </a:r>
+          </a:p>
+          <a:p>
+            <a:r>
+              <a:rPr lang="ro-RO" dirty="0" smtClean="0"/>
+              <a:t>După modificarea coeficienților, se aplică transformata inversă pentru a obține blocurile stego-imaginii</a:t>
             </a:r>
             <a:endParaRPr lang="ro-RO" dirty="0"/>
           </a:p>
@@ -7646,7 +11758,7 @@
 </p:sld>
 </file>
 
-<file path=ppt/slides/slide24.xml><?xml version="1.0" encoding="utf-8"?>
+<file path=ppt/slides/slide28.xml><?xml version="1.0" encoding="utf-8"?>
 <p:sld xmlns:a="http://schemas.openxmlformats.org/drawingml/2006/main" xmlns:r="http://schemas.openxmlformats.org/officeDocument/2006/relationships" xmlns:p="http://schemas.openxmlformats.org/presentationml/2006/main">
   <p:cSld>
     <p:spTree>
@@ -7702,91 +11814,6 @@
         </p:nvSpPr>
         <p:spPr/>
         <p:txBody>
-          <a:bodyPr>
-            <a:normAutofit/>
-          </a:bodyPr>
-          <a:lstStyle/>
-          <a:p>
-            <a:pPr marL="0" indent="0" algn="ctr">
-              <a:buNone/>
-            </a:pPr>
-            <a:r>
-              <a:rPr lang="ro-RO" sz="3600" dirty="0" smtClean="0"/>
-              <a:t>Demo</a:t>
-            </a:r>
-            <a:endParaRPr lang="ro-RO" sz="3600" dirty="0"/>
-          </a:p>
-        </p:txBody>
-      </p:sp>
-    </p:spTree>
-    <p:extLst>
-      <p:ext uri="{BB962C8B-B14F-4D97-AF65-F5344CB8AC3E}">
-        <p14:creationId xmlns:p14="http://schemas.microsoft.com/office/powerpoint/2010/main" val="1526457283"/>
-      </p:ext>
-    </p:extLst>
-  </p:cSld>
-  <p:clrMapOvr>
-    <a:masterClrMapping/>
-  </p:clrMapOvr>
-</p:sld>
-</file>
-
-<file path=ppt/slides/slide25.xml><?xml version="1.0" encoding="utf-8"?>
-<p:sld xmlns:a="http://schemas.openxmlformats.org/drawingml/2006/main" xmlns:r="http://schemas.openxmlformats.org/officeDocument/2006/relationships" xmlns:p="http://schemas.openxmlformats.org/presentationml/2006/main">
-  <p:cSld>
-    <p:spTree>
-      <p:nvGrpSpPr>
-        <p:cNvPr id="1" name=""/>
-        <p:cNvGrpSpPr/>
-        <p:nvPr/>
-      </p:nvGrpSpPr>
-      <p:grpSpPr>
-        <a:xfrm>
-          <a:off x="0" y="0"/>
-          <a:ext cx="0" cy="0"/>
-          <a:chOff x="0" y="0"/>
-          <a:chExt cx="0" cy="0"/>
-        </a:xfrm>
-      </p:grpSpPr>
-      <p:sp>
-        <p:nvSpPr>
-          <p:cNvPr id="2" name="Title 1"/>
-          <p:cNvSpPr>
-            <a:spLocks noGrp="1"/>
-          </p:cNvSpPr>
-          <p:nvPr>
-            <p:ph type="title"/>
-          </p:nvPr>
-        </p:nvSpPr>
-        <p:spPr/>
-        <p:txBody>
-          <a:bodyPr/>
-          <a:lstStyle/>
-          <a:p>
-            <a:r>
-              <a:rPr lang="ro-RO" dirty="0"/>
-              <a:t>Descrierea soluțiilor - </a:t>
-            </a:r>
-            <a:r>
-              <a:rPr lang="ro-RO" u="sng" dirty="0"/>
-              <a:t>DCT</a:t>
-            </a:r>
-            <a:endParaRPr lang="ro-RO" dirty="0"/>
-          </a:p>
-        </p:txBody>
-      </p:sp>
-      <p:sp>
-        <p:nvSpPr>
-          <p:cNvPr id="3" name="Content Placeholder 2"/>
-          <p:cNvSpPr>
-            <a:spLocks noGrp="1"/>
-          </p:cNvSpPr>
-          <p:nvPr>
-            <p:ph idx="1"/>
-          </p:nvPr>
-        </p:nvSpPr>
-        <p:spPr/>
-        <p:txBody>
           <a:bodyPr/>
           <a:lstStyle/>
           <a:p>
@@ -7811,7 +11838,7 @@
 </p:sld>
 </file>
 
-<file path=ppt/slides/slide26.xml><?xml version="1.0" encoding="utf-8"?>
+<file path=ppt/slides/slide29.xml><?xml version="1.0" encoding="utf-8"?>
 <p:sld xmlns:a="http://schemas.openxmlformats.org/drawingml/2006/main" xmlns:r="http://schemas.openxmlformats.org/officeDocument/2006/relationships" xmlns:p="http://schemas.openxmlformats.org/presentationml/2006/main">
   <p:cSld>
     <p:spTree>
@@ -8108,8 +12135,8 @@
           </a:p>
         </p:txBody>
       </p:sp>
-      <mc:AlternateContent xmlns:mc="http://schemas.openxmlformats.org/markup-compatibility/2006">
-        <mc:Choice xmlns:a14="http://schemas.microsoft.com/office/drawing/2010/main" Requires="a14">
+      <mc:AlternateContent xmlns:mc="http://schemas.openxmlformats.org/markup-compatibility/2006" xmlns:a14="http://schemas.microsoft.com/office/drawing/2010/main">
+        <mc:Choice Requires="a14">
           <p:sp>
             <p:nvSpPr>
               <p:cNvPr id="3" name="Content Placeholder 2"/>
@@ -8128,36 +12155,50 @@
                 <a14:m>
                   <m:oMath xmlns:m="http://schemas.openxmlformats.org/officeDocument/2006/math">
                     <m:r>
-                      <a:rPr lang="ro-RO" i="1" smtClean="0"/>
+                      <a:rPr lang="ro-RO" i="1" smtClean="0">
+                        <a:latin typeface="Cambria Math" panose="02040503050406030204" pitchFamily="18" charset="0"/>
+                      </a:rPr>
                       <m:t>𝑀𝑆𝐸</m:t>
                     </m:r>
                     <m:r>
-                      <a:rPr lang="ro-RO" i="1" smtClean="0"/>
+                      <a:rPr lang="ro-RO" i="1" smtClean="0">
+                        <a:latin typeface="Cambria Math" panose="02040503050406030204" pitchFamily="18" charset="0"/>
+                      </a:rPr>
                       <m:t>= </m:t>
                     </m:r>
                     <m:f>
                       <m:fPr>
                         <m:ctrlPr>
-                          <a:rPr lang="ro-RO" i="1"/>
+                          <a:rPr lang="ro-RO" i="1">
+                            <a:latin typeface="Cambria Math" panose="02040503050406030204" pitchFamily="18" charset="0"/>
+                          </a:rPr>
                         </m:ctrlPr>
                       </m:fPr>
                       <m:num>
                         <m:r>
-                          <a:rPr lang="ro-RO" i="1"/>
+                          <a:rPr lang="ro-RO" i="1">
+                            <a:latin typeface="Cambria Math" panose="02040503050406030204" pitchFamily="18" charset="0"/>
+                          </a:rPr>
                           <m:t>1</m:t>
                         </m:r>
                       </m:num>
                       <m:den>
                         <m:r>
-                          <a:rPr lang="ro-RO" i="1"/>
+                          <a:rPr lang="ro-RO" i="1">
+                            <a:latin typeface="Cambria Math" panose="02040503050406030204" pitchFamily="18" charset="0"/>
+                          </a:rPr>
                           <m:t>𝑀</m:t>
                         </m:r>
                         <m:r>
-                          <a:rPr lang="ro-RO" i="1"/>
+                          <a:rPr lang="ro-RO" i="1">
+                            <a:latin typeface="Cambria Math" panose="02040503050406030204" pitchFamily="18" charset="0"/>
+                          </a:rPr>
                           <m:t>∗</m:t>
                         </m:r>
                         <m:r>
-                          <a:rPr lang="ro-RO" i="1"/>
+                          <a:rPr lang="ro-RO" i="1">
+                            <a:latin typeface="Cambria Math" panose="02040503050406030204" pitchFamily="18" charset="0"/>
+                          </a:rPr>
                           <m:t>𝑁</m:t>
                         </m:r>
                       </m:den>
@@ -8167,22 +12208,30 @@
                         <m:chr m:val="∑"/>
                         <m:limLoc m:val="undOvr"/>
                         <m:ctrlPr>
-                          <a:rPr lang="ro-RO" i="1"/>
+                          <a:rPr lang="ro-RO" i="1">
+                            <a:latin typeface="Cambria Math" panose="02040503050406030204" pitchFamily="18" charset="0"/>
+                          </a:rPr>
                         </m:ctrlPr>
                       </m:naryPr>
                       <m:sub>
                         <m:r>
-                          <a:rPr lang="ro-RO" i="1"/>
+                          <a:rPr lang="ro-RO" i="1">
+                            <a:latin typeface="Cambria Math" panose="02040503050406030204" pitchFamily="18" charset="0"/>
+                          </a:rPr>
                           <m:t>𝑥</m:t>
                         </m:r>
                         <m:r>
-                          <a:rPr lang="ro-RO" i="1"/>
+                          <a:rPr lang="ro-RO" i="1">
+                            <a:latin typeface="Cambria Math" panose="02040503050406030204" pitchFamily="18" charset="0"/>
+                          </a:rPr>
                           <m:t>=1</m:t>
                         </m:r>
                       </m:sub>
                       <m:sup>
                         <m:r>
-                          <a:rPr lang="ro-RO" i="1"/>
+                          <a:rPr lang="ro-RO" i="1">
+                            <a:latin typeface="Cambria Math" panose="02040503050406030204" pitchFamily="18" charset="0"/>
+                          </a:rPr>
                           <m:t>𝑁</m:t>
                         </m:r>
                       </m:sup>
@@ -8192,22 +12241,30 @@
                             <m:chr m:val="∑"/>
                             <m:limLoc m:val="undOvr"/>
                             <m:ctrlPr>
-                              <a:rPr lang="ro-RO" i="1"/>
+                              <a:rPr lang="ro-RO" i="1">
+                                <a:latin typeface="Cambria Math" panose="02040503050406030204" pitchFamily="18" charset="0"/>
+                              </a:rPr>
                             </m:ctrlPr>
                           </m:naryPr>
                           <m:sub>
                             <m:r>
-                              <a:rPr lang="ro-RO" i="1"/>
+                              <a:rPr lang="ro-RO" i="1">
+                                <a:latin typeface="Cambria Math" panose="02040503050406030204" pitchFamily="18" charset="0"/>
+                              </a:rPr>
                               <m:t>𝑦</m:t>
                             </m:r>
                             <m:r>
-                              <a:rPr lang="ro-RO" i="1"/>
+                              <a:rPr lang="ro-RO" i="1">
+                                <a:latin typeface="Cambria Math" panose="02040503050406030204" pitchFamily="18" charset="0"/>
+                              </a:rPr>
                               <m:t>=1</m:t>
                             </m:r>
                           </m:sub>
                           <m:sup>
                             <m:r>
-                              <a:rPr lang="ro-RO" i="1"/>
+                              <a:rPr lang="ro-RO" i="1">
+                                <a:latin typeface="Cambria Math" panose="02040503050406030204" pitchFamily="18" charset="0"/>
+                              </a:rPr>
                               <m:t>𝑀</m:t>
                             </m:r>
                           </m:sup>
@@ -8215,7 +12272,9 @@
                             <m:sSup>
                               <m:sSupPr>
                                 <m:ctrlPr>
-                                  <a:rPr lang="ro-RO" i="1"/>
+                                  <a:rPr lang="ro-RO" i="1">
+                                    <a:latin typeface="Cambria Math" panose="02040503050406030204" pitchFamily="18" charset="0"/>
+                                  </a:rPr>
                                 </m:ctrlPr>
                               </m:sSupPr>
                               <m:e>
@@ -8224,61 +12283,87 @@
                                     <m:begChr m:val="["/>
                                     <m:endChr m:val="]"/>
                                     <m:ctrlPr>
-                                      <a:rPr lang="ro-RO" i="1"/>
+                                      <a:rPr lang="ro-RO" i="1">
+                                        <a:latin typeface="Cambria Math" panose="02040503050406030204" pitchFamily="18" charset="0"/>
+                                      </a:rPr>
                                     </m:ctrlPr>
                                   </m:dPr>
                                   <m:e>
                                     <m:r>
-                                      <a:rPr lang="ro-RO" i="1"/>
+                                      <a:rPr lang="ro-RO" i="1">
+                                        <a:latin typeface="Cambria Math" panose="02040503050406030204" pitchFamily="18" charset="0"/>
+                                      </a:rPr>
                                       <m:t>𝐼</m:t>
                                     </m:r>
                                     <m:d>
                                       <m:dPr>
                                         <m:ctrlPr>
-                                          <a:rPr lang="ro-RO" i="1"/>
+                                          <a:rPr lang="ro-RO" i="1">
+                                            <a:latin typeface="Cambria Math" panose="02040503050406030204" pitchFamily="18" charset="0"/>
+                                          </a:rPr>
                                         </m:ctrlPr>
                                       </m:dPr>
                                       <m:e>
                                         <m:r>
-                                          <a:rPr lang="ro-RO" i="1"/>
+                                          <a:rPr lang="ro-RO" i="1">
+                                            <a:latin typeface="Cambria Math" panose="02040503050406030204" pitchFamily="18" charset="0"/>
+                                          </a:rPr>
                                           <m:t>𝑥</m:t>
                                         </m:r>
                                         <m:r>
-                                          <a:rPr lang="ro-RO" i="1"/>
+                                          <a:rPr lang="ro-RO" i="1">
+                                            <a:latin typeface="Cambria Math" panose="02040503050406030204" pitchFamily="18" charset="0"/>
+                                          </a:rPr>
                                           <m:t>, </m:t>
                                         </m:r>
                                         <m:r>
-                                          <a:rPr lang="ro-RO" i="1"/>
+                                          <a:rPr lang="ro-RO" i="1">
+                                            <a:latin typeface="Cambria Math" panose="02040503050406030204" pitchFamily="18" charset="0"/>
+                                          </a:rPr>
                                           <m:t>𝑦</m:t>
                                         </m:r>
                                       </m:e>
                                     </m:d>
                                     <m:r>
-                                      <a:rPr lang="ro-RO" i="1"/>
+                                      <a:rPr lang="ro-RO" i="1">
+                                        <a:latin typeface="Cambria Math" panose="02040503050406030204" pitchFamily="18" charset="0"/>
+                                      </a:rPr>
                                       <m:t>−</m:t>
                                     </m:r>
                                     <m:r>
-                                      <a:rPr lang="ro-RO" i="1"/>
+                                      <a:rPr lang="ro-RO" i="1">
+                                        <a:latin typeface="Cambria Math" panose="02040503050406030204" pitchFamily="18" charset="0"/>
+                                      </a:rPr>
                                       <m:t>𝐼</m:t>
                                     </m:r>
                                     <m:r>
-                                      <a:rPr lang="en-GB" i="1"/>
+                                      <a:rPr lang="en-GB" i="1">
+                                        <a:latin typeface="Cambria Math" panose="02040503050406030204" pitchFamily="18" charset="0"/>
+                                      </a:rPr>
                                       <m:t>′(</m:t>
                                     </m:r>
                                     <m:r>
-                                      <a:rPr lang="en-GB" i="1"/>
+                                      <a:rPr lang="en-GB" i="1">
+                                        <a:latin typeface="Cambria Math" panose="02040503050406030204" pitchFamily="18" charset="0"/>
+                                      </a:rPr>
                                       <m:t>𝑥</m:t>
                                     </m:r>
                                     <m:r>
-                                      <a:rPr lang="en-GB" i="1"/>
+                                      <a:rPr lang="en-GB" i="1">
+                                        <a:latin typeface="Cambria Math" panose="02040503050406030204" pitchFamily="18" charset="0"/>
+                                      </a:rPr>
                                       <m:t>, </m:t>
                                     </m:r>
                                     <m:r>
-                                      <a:rPr lang="en-GB" i="1"/>
+                                      <a:rPr lang="en-GB" i="1">
+                                        <a:latin typeface="Cambria Math" panose="02040503050406030204" pitchFamily="18" charset="0"/>
+                                      </a:rPr>
                                       <m:t>𝑦</m:t>
                                     </m:r>
                                     <m:r>
-                                      <a:rPr lang="en-GB" i="1"/>
+                                      <a:rPr lang="en-GB" i="1">
+                                        <a:latin typeface="Cambria Math" panose="02040503050406030204" pitchFamily="18" charset="0"/>
+                                      </a:rPr>
                                       <m:t>)</m:t>
                                     </m:r>
                                   </m:e>
@@ -8286,7 +12371,9 @@
                               </m:e>
                               <m:sup>
                                 <m:r>
-                                  <a:rPr lang="ro-RO" i="1"/>
+                                  <a:rPr lang="ro-RO" i="1">
+                                    <a:latin typeface="Cambria Math" panose="02040503050406030204" pitchFamily="18" charset="0"/>
+                                  </a:rPr>
                                   <m:t>2</m:t>
                                 </m:r>
                               </m:sup>
@@ -8543,24 +12630,32 @@
                 <a14:m>
                   <m:oMath xmlns:m="http://schemas.openxmlformats.org/officeDocument/2006/math">
                     <m:r>
-                      <a:rPr lang="ro-RO" i="1"/>
+                      <a:rPr lang="ro-RO" i="1">
+                        <a:latin typeface="Cambria Math" panose="02040503050406030204" pitchFamily="18" charset="0"/>
+                      </a:rPr>
                       <m:t>𝑃𝑆𝑁𝑅</m:t>
                     </m:r>
                     <m:r>
-                      <a:rPr lang="ro-RO" i="1"/>
+                      <a:rPr lang="ro-RO" i="1">
+                        <a:latin typeface="Cambria Math" panose="02040503050406030204" pitchFamily="18" charset="0"/>
+                      </a:rPr>
                       <m:t>=10∗</m:t>
                     </m:r>
                     <m:func>
                       <m:funcPr>
                         <m:ctrlPr>
-                          <a:rPr lang="ro-RO" i="1"/>
+                          <a:rPr lang="ro-RO" i="1">
+                            <a:latin typeface="Cambria Math" panose="02040503050406030204" pitchFamily="18" charset="0"/>
+                          </a:rPr>
                         </m:ctrlPr>
                       </m:funcPr>
                       <m:fName>
                         <m:sSub>
                           <m:sSubPr>
                             <m:ctrlPr>
-                              <a:rPr lang="ro-RO" i="1"/>
+                              <a:rPr lang="ro-RO" i="1">
+                                <a:latin typeface="Cambria Math" panose="02040503050406030204" pitchFamily="18" charset="0"/>
+                              </a:rPr>
                             </m:ctrlPr>
                           </m:sSubPr>
                           <m:e>
@@ -8568,13 +12663,17 @@
                               <m:rPr>
                                 <m:sty m:val="p"/>
                               </m:rPr>
-                              <a:rPr lang="ro-RO"/>
+                              <a:rPr lang="ro-RO">
+                                <a:latin typeface="Cambria Math" panose="02040503050406030204" pitchFamily="18" charset="0"/>
+                              </a:rPr>
                               <m:t>log</m:t>
                             </m:r>
                           </m:e>
                           <m:sub>
                             <m:r>
-                              <a:rPr lang="ro-RO" i="1"/>
+                              <a:rPr lang="ro-RO" i="1">
+                                <a:latin typeface="Cambria Math" panose="02040503050406030204" pitchFamily="18" charset="0"/>
+                              </a:rPr>
                               <m:t>10</m:t>
                             </m:r>
                           </m:sub>
@@ -8584,32 +12683,42 @@
                         <m:d>
                           <m:dPr>
                             <m:ctrlPr>
-                              <a:rPr lang="ro-RO" i="1"/>
+                              <a:rPr lang="ro-RO" i="1">
+                                <a:latin typeface="Cambria Math" panose="02040503050406030204" pitchFamily="18" charset="0"/>
+                              </a:rPr>
                             </m:ctrlPr>
                           </m:dPr>
                           <m:e>
                             <m:f>
                               <m:fPr>
                                 <m:ctrlPr>
-                                  <a:rPr lang="ro-RO" i="1"/>
+                                  <a:rPr lang="ro-RO" i="1">
+                                    <a:latin typeface="Cambria Math" panose="02040503050406030204" pitchFamily="18" charset="0"/>
+                                  </a:rPr>
                                 </m:ctrlPr>
                               </m:fPr>
                               <m:num>
                                 <m:sSup>
                                   <m:sSupPr>
                                     <m:ctrlPr>
-                                      <a:rPr lang="ro-RO" i="1"/>
+                                      <a:rPr lang="ro-RO" i="1">
+                                        <a:latin typeface="Cambria Math" panose="02040503050406030204" pitchFamily="18" charset="0"/>
+                                      </a:rPr>
                                     </m:ctrlPr>
                                   </m:sSupPr>
                                   <m:e>
                                     <m:r>
-                                      <a:rPr lang="ro-RO" i="1"/>
+                                      <a:rPr lang="ro-RO" i="1">
+                                        <a:latin typeface="Cambria Math" panose="02040503050406030204" pitchFamily="18" charset="0"/>
+                                      </a:rPr>
                                       <m:t>255</m:t>
                                     </m:r>
                                   </m:e>
                                   <m:sup>
                                     <m:r>
-                                      <a:rPr lang="ro-RO" i="1"/>
+                                      <a:rPr lang="ro-RO" i="1">
+                                        <a:latin typeface="Cambria Math" panose="02040503050406030204" pitchFamily="18" charset="0"/>
+                                      </a:rPr>
                                       <m:t>2</m:t>
                                     </m:r>
                                   </m:sup>
@@ -8617,7 +12726,9 @@
                               </m:num>
                               <m:den>
                                 <m:r>
-                                  <a:rPr lang="ro-RO" i="1"/>
+                                  <a:rPr lang="ro-RO" i="1">
+                                    <a:latin typeface="Cambria Math" panose="02040503050406030204" pitchFamily="18" charset="0"/>
+                                  </a:rPr>
                                   <m:t>𝑀𝑆𝐸</m:t>
                                 </m:r>
                               </m:den>
@@ -8633,7 +12744,7 @@
             </p:txBody>
           </p:sp>
         </mc:Choice>
-        <mc:Fallback>
+        <mc:Fallback xmlns="">
           <p:sp>
             <p:nvSpPr>
               <p:cNvPr id="3" name="Content Placeholder 2"/>

--- a/Licenta2018DomnaruAlexandru/Prezentare.pptx
+++ b/Licenta2018DomnaruAlexandru/Prezentare.pptx
@@ -225,7 +225,7 @@
           <a:p>
             <a:fld id="{20717945-59DC-4A2A-B5C8-9EC8422E2DB4}" type="datetimeFigureOut">
               <a:rPr lang="ro-RO" smtClean="0"/>
-              <a:t>11.02.2019</a:t>
+              <a:t>12.02.2019</a:t>
             </a:fld>
             <a:endParaRPr lang="ro-RO"/>
           </a:p>
@@ -3194,7 +3194,7 @@
             <a:fld id="{5586B75A-687E-405C-8A0B-8D00578BA2C3}" type="datetimeFigureOut">
               <a:rPr lang="en-US" dirty="0"/>
               <a:pPr/>
-              <a:t>2/11/2019</a:t>
+              <a:t>2/12/2019</a:t>
             </a:fld>
             <a:endParaRPr lang="en-US" dirty="0"/>
           </a:p>
@@ -3361,7 +3361,7 @@
             <a:fld id="{5586B75A-687E-405C-8A0B-8D00578BA2C3}" type="datetimeFigureOut">
               <a:rPr lang="en-US" dirty="0"/>
               <a:pPr/>
-              <a:t>2/11/2019</a:t>
+              <a:t>2/12/2019</a:t>
             </a:fld>
             <a:endParaRPr lang="en-US" dirty="0"/>
           </a:p>
@@ -3538,7 +3538,7 @@
             <a:fld id="{5586B75A-687E-405C-8A0B-8D00578BA2C3}" type="datetimeFigureOut">
               <a:rPr lang="en-US" dirty="0"/>
               <a:pPr/>
-              <a:t>2/11/2019</a:t>
+              <a:t>2/12/2019</a:t>
             </a:fld>
             <a:endParaRPr lang="en-US" dirty="0"/>
           </a:p>
@@ -3705,7 +3705,7 @@
             <a:fld id="{5586B75A-687E-405C-8A0B-8D00578BA2C3}" type="datetimeFigureOut">
               <a:rPr lang="en-US" dirty="0"/>
               <a:pPr/>
-              <a:t>2/11/2019</a:t>
+              <a:t>2/12/2019</a:t>
             </a:fld>
             <a:endParaRPr lang="en-US" dirty="0"/>
           </a:p>
@@ -3960,7 +3960,7 @@
             <a:fld id="{5586B75A-687E-405C-8A0B-8D00578BA2C3}" type="datetimeFigureOut">
               <a:rPr lang="en-US" dirty="0"/>
               <a:pPr/>
-              <a:t>2/11/2019</a:t>
+              <a:t>2/12/2019</a:t>
             </a:fld>
             <a:endParaRPr lang="en-US" dirty="0"/>
           </a:p>
@@ -4245,7 +4245,7 @@
             <a:fld id="{5586B75A-687E-405C-8A0B-8D00578BA2C3}" type="datetimeFigureOut">
               <a:rPr lang="en-US" dirty="0"/>
               <a:pPr/>
-              <a:t>2/11/2019</a:t>
+              <a:t>2/12/2019</a:t>
             </a:fld>
             <a:endParaRPr lang="en-US" dirty="0"/>
           </a:p>
@@ -4684,7 +4684,7 @@
             <a:fld id="{5586B75A-687E-405C-8A0B-8D00578BA2C3}" type="datetimeFigureOut">
               <a:rPr lang="en-US" dirty="0"/>
               <a:pPr/>
-              <a:t>2/11/2019</a:t>
+              <a:t>2/12/2019</a:t>
             </a:fld>
             <a:endParaRPr lang="en-US" dirty="0"/>
           </a:p>
@@ -4799,7 +4799,7 @@
             <a:fld id="{5586B75A-687E-405C-8A0B-8D00578BA2C3}" type="datetimeFigureOut">
               <a:rPr lang="en-US" dirty="0"/>
               <a:pPr/>
-              <a:t>2/11/2019</a:t>
+              <a:t>2/12/2019</a:t>
             </a:fld>
             <a:endParaRPr lang="en-US" dirty="0"/>
           </a:p>
@@ -4891,7 +4891,7 @@
             <a:fld id="{5586B75A-687E-405C-8A0B-8D00578BA2C3}" type="datetimeFigureOut">
               <a:rPr lang="en-US" dirty="0"/>
               <a:pPr/>
-              <a:t>2/11/2019</a:t>
+              <a:t>2/12/2019</a:t>
             </a:fld>
             <a:endParaRPr lang="en-US" dirty="0"/>
           </a:p>
@@ -5176,7 +5176,7 @@
             <a:fld id="{5586B75A-687E-405C-8A0B-8D00578BA2C3}" type="datetimeFigureOut">
               <a:rPr lang="en-US" dirty="0"/>
               <a:pPr/>
-              <a:t>2/11/2019</a:t>
+              <a:t>2/12/2019</a:t>
             </a:fld>
             <a:endParaRPr lang="en-US" dirty="0"/>
           </a:p>
@@ -5446,7 +5446,7 @@
             <a:fld id="{5586B75A-687E-405C-8A0B-8D00578BA2C3}" type="datetimeFigureOut">
               <a:rPr lang="en-US" dirty="0"/>
               <a:pPr/>
-              <a:t>2/11/2019</a:t>
+              <a:t>2/12/2019</a:t>
             </a:fld>
             <a:endParaRPr lang="en-US" dirty="0"/>
           </a:p>
@@ -5740,7 +5740,7 @@
             <a:fld id="{5586B75A-687E-405C-8A0B-8D00578BA2C3}" type="datetimeFigureOut">
               <a:rPr lang="en-US" dirty="0"/>
               <a:pPr/>
-              <a:t>2/11/2019</a:t>
+              <a:t>2/12/2019</a:t>
             </a:fld>
             <a:endParaRPr lang="en-US" dirty="0"/>
           </a:p>
@@ -6384,7 +6384,6 @@
               <a:rPr lang="ro-RO" dirty="0" smtClean="0"/>
               <a:t>Cu cât sunt folosiți mai mulți LSB, cu atât imaginea e mai distorsionată</a:t>
             </a:r>
-            <a:endParaRPr lang="ro-RO" dirty="0" smtClean="0"/>
           </a:p>
         </p:txBody>
       </p:sp>
@@ -6959,13 +6958,8 @@
           <a:p>
             <a:r>
               <a:rPr lang="ro-RO" dirty="0" smtClean="0"/>
-              <a:t>Imaginea este parcursă în blocuri de câte 2 </a:t>
-            </a:r>
-            <a:r>
-              <a:rPr lang="ro-RO" dirty="0" smtClean="0"/>
-              <a:t>pixeli consecutivi</a:t>
-            </a:r>
-            <a:endParaRPr lang="ro-RO" dirty="0" smtClean="0"/>
+              <a:t>Imaginea este parcursă în blocuri de câte 2 pixeli consecutivi</a:t>
+            </a:r>
           </a:p>
           <a:p>
             <a:r>
@@ -7040,8 +7034,8 @@
           </a:p>
         </p:txBody>
       </p:sp>
-      <mc:AlternateContent xmlns:mc="http://schemas.openxmlformats.org/markup-compatibility/2006">
-        <mc:Choice xmlns:a14="http://schemas.microsoft.com/office/drawing/2010/main" Requires="a14">
+      <mc:AlternateContent xmlns:mc="http://schemas.openxmlformats.org/markup-compatibility/2006" xmlns:a14="http://schemas.microsoft.com/office/drawing/2010/main">
+        <mc:Choice Requires="a14">
           <p:sp>
             <p:nvSpPr>
               <p:cNvPr id="3" name="Content Placeholder 2"/>
@@ -7069,11 +7063,7 @@
                 </a:r>
                 <a:r>
                   <a:rPr lang="ro-RO" dirty="0" smtClean="0"/>
-                  <a:t>dintre </a:t>
-                </a:r>
-                <a:r>
-                  <a:rPr lang="ro-RO" dirty="0" smtClean="0"/>
-                  <a:t>cei 2 pixeli ai blocului</a:t>
+                  <a:t>dintre cei 2 pixeli ai blocului</a:t>
                 </a:r>
               </a:p>
               <a:p>
@@ -7143,15 +7133,7 @@
               <a:p>
                 <a:r>
                   <a:rPr lang="ro-RO" dirty="0" smtClean="0"/>
-                  <a:t>Diferența este clasificată </a:t>
-                </a:r>
-                <a:r>
-                  <a:rPr lang="ro-RO" dirty="0" smtClean="0"/>
-                  <a:t>după o mulțime de </a:t>
-                </a:r>
-                <a:r>
-                  <a:rPr lang="ro-RO" dirty="0" smtClean="0"/>
-                  <a:t>intervale</a:t>
+                  <a:t>Diferența este clasificată după o mulțime de intervale</a:t>
                 </a:r>
                 <a:endParaRPr lang="en-GB" dirty="0" smtClean="0"/>
               </a:p>
@@ -7449,15 +7431,7 @@
                 <a:pPr lvl="1"/>
                 <a:r>
                   <a:rPr lang="ro-RO" dirty="0" smtClean="0"/>
-                  <a:t>Intervalele utilizate în </a:t>
-                </a:r>
-                <a:r>
-                  <a:rPr lang="ro-RO" dirty="0" smtClean="0"/>
-                  <a:t>algoritmi </a:t>
-                </a:r>
-                <a:r>
-                  <a:rPr lang="ro-RO" dirty="0" smtClean="0"/>
-                  <a:t>sunt următoarele:</a:t>
+                  <a:t>Intervalele utilizate în algoritmi sunt următoarele:</a:t>
                 </a:r>
               </a:p>
               <a:p>
@@ -8177,7 +8151,7 @@
             </p:txBody>
           </p:sp>
         </mc:Choice>
-        <mc:Fallback>
+        <mc:Fallback xmlns="">
           <p:sp>
             <p:nvSpPr>
               <p:cNvPr id="3" name="Content Placeholder 2"/>
@@ -8275,8 +8249,8 @@
           </a:p>
         </p:txBody>
       </p:sp>
-      <mc:AlternateContent xmlns:mc="http://schemas.openxmlformats.org/markup-compatibility/2006">
-        <mc:Choice xmlns:a14="http://schemas.microsoft.com/office/drawing/2010/main" Requires="a14">
+      <mc:AlternateContent xmlns:mc="http://schemas.openxmlformats.org/markup-compatibility/2006" xmlns:a14="http://schemas.microsoft.com/office/drawing/2010/main">
+        <mc:Choice Requires="a14">
           <p:sp>
             <p:nvSpPr>
               <p:cNvPr id="3" name="Content Placeholder 2"/>
@@ -8308,11 +8282,15 @@
                     </m:oMathParaPr>
                     <m:oMath xmlns:m="http://schemas.openxmlformats.org/officeDocument/2006/math">
                       <m:r>
-                        <a:rPr lang="ro-RO" i="1"/>
+                        <a:rPr lang="ro-RO" i="1">
+                          <a:latin typeface="Cambria Math" panose="02040503050406030204" pitchFamily="18" charset="0"/>
+                        </a:rPr>
                         <m:t>𝑑</m:t>
                       </m:r>
                       <m:r>
-                        <a:rPr lang="ro-RO" i="1"/>
+                        <a:rPr lang="ro-RO" i="1">
+                          <a:latin typeface="Cambria Math" panose="02040503050406030204" pitchFamily="18" charset="0"/>
+                        </a:rPr>
                         <m:t>’ = </m:t>
                       </m:r>
                       <m:d>
@@ -8320,54 +8298,74 @@
                           <m:begChr m:val="{"/>
                           <m:endChr m:val=""/>
                           <m:ctrlPr>
-                            <a:rPr lang="ro-RO" i="1"/>
+                            <a:rPr lang="ro-RO" i="1">
+                              <a:latin typeface="Cambria Math" panose="02040503050406030204" pitchFamily="18" charset="0"/>
+                            </a:rPr>
                           </m:ctrlPr>
                         </m:dPr>
                         <m:e>
                           <m:eqArr>
                             <m:eqArrPr>
                               <m:ctrlPr>
-                                <a:rPr lang="ro-RO" i="1"/>
+                                <a:rPr lang="ro-RO" i="1">
+                                  <a:latin typeface="Cambria Math" panose="02040503050406030204" pitchFamily="18" charset="0"/>
+                                </a:rPr>
                               </m:ctrlPr>
                             </m:eqArrPr>
                             <m:e>
                               <m:sSub>
                                 <m:sSubPr>
                                   <m:ctrlPr>
-                                    <a:rPr lang="ro-RO" i="1"/>
+                                    <a:rPr lang="ro-RO" i="1">
+                                      <a:latin typeface="Cambria Math" panose="02040503050406030204" pitchFamily="18" charset="0"/>
+                                    </a:rPr>
                                   </m:ctrlPr>
                                 </m:sSubPr>
                                 <m:e>
                                   <m:r>
-                                    <a:rPr lang="ro-RO" i="1"/>
+                                    <a:rPr lang="ro-RO" i="1">
+                                      <a:latin typeface="Cambria Math" panose="02040503050406030204" pitchFamily="18" charset="0"/>
+                                    </a:rPr>
                                     <m:t>𝑙</m:t>
                                   </m:r>
                                 </m:e>
                                 <m:sub>
                                   <m:r>
-                                    <a:rPr lang="ro-RO" i="1"/>
+                                    <a:rPr lang="ro-RO" i="1">
+                                      <a:latin typeface="Cambria Math" panose="02040503050406030204" pitchFamily="18" charset="0"/>
+                                    </a:rPr>
                                     <m:t>𝑘</m:t>
                                   </m:r>
                                 </m:sub>
                               </m:sSub>
                               <m:r>
-                                <a:rPr lang="ro-RO" i="1"/>
+                                <a:rPr lang="ro-RO" i="1">
+                                  <a:latin typeface="Cambria Math" panose="02040503050406030204" pitchFamily="18" charset="0"/>
+                                </a:rPr>
                                 <m:t>+</m:t>
                               </m:r>
                               <m:r>
-                                <a:rPr lang="ro-RO" i="1"/>
+                                <a:rPr lang="ro-RO" i="1">
+                                  <a:latin typeface="Cambria Math" panose="02040503050406030204" pitchFamily="18" charset="0"/>
+                                </a:rPr>
                                 <m:t>𝑏</m:t>
                               </m:r>
                               <m:r>
-                                <a:rPr lang="ro-RO" i="1"/>
+                                <a:rPr lang="ro-RO" i="1">
+                                  <a:latin typeface="Cambria Math" panose="02040503050406030204" pitchFamily="18" charset="0"/>
+                                </a:rPr>
                                 <m:t>,  </m:t>
                               </m:r>
                               <m:r>
-                                <a:rPr lang="ro-RO" i="1"/>
+                                <a:rPr lang="ro-RO" i="1">
+                                  <a:latin typeface="Cambria Math" panose="02040503050406030204" pitchFamily="18" charset="0"/>
+                                </a:rPr>
                                 <m:t>𝑑</m:t>
                               </m:r>
                               <m:r>
-                                <a:rPr lang="ro-RO" i="1"/>
+                                <a:rPr lang="ro-RO" i="1">
+                                  <a:latin typeface="Cambria Math" panose="02040503050406030204" pitchFamily="18" charset="0"/>
+                                </a:rPr>
                                 <m:t>≥0</m:t>
                               </m:r>
                             </m:e>
@@ -8375,50 +8373,70 @@
                               <m:sSub>
                                 <m:sSubPr>
                                   <m:ctrlPr>
-                                    <a:rPr lang="ro-RO" i="1"/>
+                                    <a:rPr lang="ro-RO" i="1">
+                                      <a:latin typeface="Cambria Math" panose="02040503050406030204" pitchFamily="18" charset="0"/>
+                                    </a:rPr>
                                   </m:ctrlPr>
                                 </m:sSubPr>
                                 <m:e>
                                   <m:r>
-                                    <a:rPr lang="ro-RO" i="1"/>
+                                    <a:rPr lang="ro-RO" i="1">
+                                      <a:latin typeface="Cambria Math" panose="02040503050406030204" pitchFamily="18" charset="0"/>
+                                    </a:rPr>
                                     <m:t>−(</m:t>
                                   </m:r>
                                   <m:r>
-                                    <a:rPr lang="ro-RO" i="1"/>
+                                    <a:rPr lang="ro-RO" i="1">
+                                      <a:latin typeface="Cambria Math" panose="02040503050406030204" pitchFamily="18" charset="0"/>
+                                    </a:rPr>
                                     <m:t>𝑙</m:t>
                                   </m:r>
                                 </m:e>
                                 <m:sub>
                                   <m:r>
-                                    <a:rPr lang="ro-RO" i="1"/>
+                                    <a:rPr lang="ro-RO" i="1">
+                                      <a:latin typeface="Cambria Math" panose="02040503050406030204" pitchFamily="18" charset="0"/>
+                                    </a:rPr>
                                     <m:t>𝑘</m:t>
                                   </m:r>
                                 </m:sub>
                               </m:sSub>
                               <m:r>
-                                <a:rPr lang="ro-RO" i="1"/>
+                                <a:rPr lang="ro-RO" i="1">
+                                  <a:latin typeface="Cambria Math" panose="02040503050406030204" pitchFamily="18" charset="0"/>
+                                </a:rPr>
                                 <m:t>+</m:t>
                               </m:r>
                               <m:r>
-                                <a:rPr lang="ro-RO" i="1"/>
+                                <a:rPr lang="ro-RO" i="1">
+                                  <a:latin typeface="Cambria Math" panose="02040503050406030204" pitchFamily="18" charset="0"/>
+                                </a:rPr>
                                 <m:t>𝑏</m:t>
                               </m:r>
                               <m:r>
-                                <a:rPr lang="ro-RO" i="1"/>
+                                <a:rPr lang="ro-RO" i="1">
+                                  <a:latin typeface="Cambria Math" panose="02040503050406030204" pitchFamily="18" charset="0"/>
+                                </a:rPr>
                                 <m:t>), </m:t>
                               </m:r>
                               <m:r>
-                                <a:rPr lang="ro-RO" i="1"/>
+                                <a:rPr lang="ro-RO" i="1">
+                                  <a:latin typeface="Cambria Math" panose="02040503050406030204" pitchFamily="18" charset="0"/>
+                                </a:rPr>
                                 <m:t>𝑑</m:t>
                               </m:r>
                               <m:r>
-                                <a:rPr lang="ro-RO" i="1"/>
+                                <a:rPr lang="ro-RO" i="1">
+                                  <a:latin typeface="Cambria Math" panose="02040503050406030204" pitchFamily="18" charset="0"/>
+                                </a:rPr>
                                 <m:t>&lt;0</m:t>
                               </m:r>
                             </m:e>
                           </m:eqArr>
                           <m:r>
-                            <a:rPr lang="ro-RO" i="1"/>
+                            <a:rPr lang="ro-RO" i="1">
+                              <a:latin typeface="Cambria Math" panose="02040503050406030204" pitchFamily="18" charset="0"/>
+                            </a:rPr>
                             <m:t>,  </m:t>
                           </m:r>
                         </m:e>
@@ -8445,47 +8463,69 @@
                     </m:oMathParaPr>
                     <m:oMath xmlns:m="http://schemas.openxmlformats.org/officeDocument/2006/math">
                       <m:r>
-                        <a:rPr lang="ro-RO" i="1"/>
+                        <a:rPr lang="ro-RO" i="1">
+                          <a:latin typeface="Cambria Math" panose="02040503050406030204" pitchFamily="18" charset="0"/>
+                        </a:rPr>
                         <m:t>𝑏</m:t>
                       </m:r>
                       <m:r>
-                        <a:rPr lang="ro-RO" i="1"/>
+                        <a:rPr lang="ro-RO" i="1">
+                          <a:latin typeface="Cambria Math" panose="02040503050406030204" pitchFamily="18" charset="0"/>
+                        </a:rPr>
                         <m:t>=</m:t>
                       </m:r>
                       <m:r>
-                        <a:rPr lang="ro-RO" i="1"/>
+                        <a:rPr lang="ro-RO" i="1">
+                          <a:latin typeface="Cambria Math" panose="02040503050406030204" pitchFamily="18" charset="0"/>
+                        </a:rPr>
                         <m:t>𝑣𝑎𝑙𝑜𝑎𝑟𝑒𝑎</m:t>
                       </m:r>
                       <m:r>
-                        <a:rPr lang="ro-RO" i="1"/>
+                        <a:rPr lang="ro-RO" i="1">
+                          <a:latin typeface="Cambria Math" panose="02040503050406030204" pitchFamily="18" charset="0"/>
+                        </a:rPr>
                         <m:t> </m:t>
                       </m:r>
                       <m:r>
-                        <a:rPr lang="ro-RO" i="1"/>
+                        <a:rPr lang="ro-RO" i="1">
+                          <a:latin typeface="Cambria Math" panose="02040503050406030204" pitchFamily="18" charset="0"/>
+                        </a:rPr>
                         <m:t>𝑠𝑢𝑏</m:t>
                       </m:r>
                       <m:r>
-                        <a:rPr lang="ro-RO" i="1"/>
+                        <a:rPr lang="ro-RO" i="1">
+                          <a:latin typeface="Cambria Math" panose="02040503050406030204" pitchFamily="18" charset="0"/>
+                        </a:rPr>
                         <m:t>ș</m:t>
                       </m:r>
                       <m:r>
-                        <a:rPr lang="ro-RO" i="1"/>
+                        <a:rPr lang="ro-RO" i="1">
+                          <a:latin typeface="Cambria Math" panose="02040503050406030204" pitchFamily="18" charset="0"/>
+                        </a:rPr>
                         <m:t>𝑖𝑟𝑢𝑙𝑢𝑖</m:t>
                       </m:r>
                       <m:r>
-                        <a:rPr lang="ro-RO" i="1"/>
+                        <a:rPr lang="ro-RO" i="1">
+                          <a:latin typeface="Cambria Math" panose="02040503050406030204" pitchFamily="18" charset="0"/>
+                        </a:rPr>
                         <m:t> </m:t>
                       </m:r>
                       <m:r>
-                        <a:rPr lang="ro-RO" i="1"/>
+                        <a:rPr lang="ro-RO" i="1">
+                          <a:latin typeface="Cambria Math" panose="02040503050406030204" pitchFamily="18" charset="0"/>
+                        </a:rPr>
                         <m:t>𝑑𝑖𝑛</m:t>
                       </m:r>
                       <m:r>
-                        <a:rPr lang="ro-RO" i="1"/>
+                        <a:rPr lang="ro-RO" i="1">
+                          <a:latin typeface="Cambria Math" panose="02040503050406030204" pitchFamily="18" charset="0"/>
+                        </a:rPr>
                         <m:t> </m:t>
                       </m:r>
                       <m:r>
-                        <a:rPr lang="ro-RO" i="1"/>
+                        <a:rPr lang="ro-RO" i="1">
+                          <a:latin typeface="Cambria Math" panose="02040503050406030204" pitchFamily="18" charset="0"/>
+                        </a:rPr>
                         <m:t>𝑆</m:t>
                       </m:r>
                     </m:oMath>
@@ -8496,7 +8536,7 @@
             </p:txBody>
           </p:sp>
         </mc:Choice>
-        <mc:Fallback>
+        <mc:Fallback xmlns="">
           <p:sp>
             <p:nvSpPr>
               <p:cNvPr id="3" name="Content Placeholder 2"/>
@@ -8594,8 +8634,8 @@
           </a:p>
         </p:txBody>
       </p:sp>
-      <mc:AlternateContent xmlns:mc="http://schemas.openxmlformats.org/markup-compatibility/2006">
-        <mc:Choice xmlns:a14="http://schemas.microsoft.com/office/drawing/2010/main" Requires="a14">
+      <mc:AlternateContent xmlns:mc="http://schemas.openxmlformats.org/markup-compatibility/2006" xmlns:a14="http://schemas.microsoft.com/office/drawing/2010/main">
+        <mc:Choice Requires="a14">
           <p:sp>
             <p:nvSpPr>
               <p:cNvPr id="3" name="Content Placeholder 2"/>
@@ -8647,20 +8687,26 @@
                     </m:oMathParaPr>
                     <m:oMath xmlns:m="http://schemas.openxmlformats.org/officeDocument/2006/math">
                       <m:r>
-                        <a:rPr lang="ro-RO" sz="1600" i="1"/>
+                        <a:rPr lang="ro-RO" sz="1600" i="1">
+                          <a:latin typeface="Cambria Math" panose="02040503050406030204" pitchFamily="18" charset="0"/>
+                        </a:rPr>
                         <m:t>𝑓</m:t>
                       </m:r>
                       <m:d>
                         <m:dPr>
                           <m:ctrlPr>
-                            <a:rPr lang="ro-RO" sz="1600" i="1"/>
+                            <a:rPr lang="ro-RO" sz="1600" i="1">
+                              <a:latin typeface="Cambria Math" panose="02040503050406030204" pitchFamily="18" charset="0"/>
+                            </a:rPr>
                           </m:ctrlPr>
                         </m:dPr>
                         <m:e>
                           <m:d>
                             <m:dPr>
                               <m:ctrlPr>
-                                <a:rPr lang="ro-RO" sz="1600" i="1"/>
+                                <a:rPr lang="ro-RO" sz="1600" i="1">
+                                  <a:latin typeface="Cambria Math" panose="02040503050406030204" pitchFamily="18" charset="0"/>
+                                </a:rPr>
                               </m:ctrlPr>
                             </m:dPr>
                             <m:e>
@@ -8729,17 +8775,23 @@
                             </m:e>
                           </m:d>
                           <m:r>
-                            <a:rPr lang="ro-RO" sz="1600" i="1"/>
+                            <a:rPr lang="ro-RO" sz="1600" i="1">
+                              <a:latin typeface="Cambria Math" panose="02040503050406030204" pitchFamily="18" charset="0"/>
+                            </a:rPr>
                             <m:t>, </m:t>
                           </m:r>
                           <m:r>
-                            <a:rPr lang="ro-RO" sz="1600" i="1"/>
+                            <a:rPr lang="ro-RO" sz="1600" i="1">
+                              <a:latin typeface="Cambria Math" panose="02040503050406030204" pitchFamily="18" charset="0"/>
+                            </a:rPr>
                             <m:t>𝑚</m:t>
                           </m:r>
                         </m:e>
                       </m:d>
                       <m:r>
-                        <a:rPr lang="ro-RO" sz="1600" i="1"/>
+                        <a:rPr lang="ro-RO" sz="1600" i="1">
+                          <a:latin typeface="Cambria Math" panose="02040503050406030204" pitchFamily="18" charset="0"/>
+                        </a:rPr>
                         <m:t>=</m:t>
                       </m:r>
                       <m:d>
@@ -8832,7 +8884,9 @@
                         </m:e>
                       </m:d>
                       <m:r>
-                        <a:rPr lang="ro-RO" sz="1600" i="1"/>
+                        <a:rPr lang="ro-RO" sz="1600" i="1">
+                          <a:latin typeface="Cambria Math" panose="02040503050406030204" pitchFamily="18" charset="0"/>
+                        </a:rPr>
                         <m:t>= </m:t>
                       </m:r>
                       <m:d>
@@ -8840,66 +8894,88 @@
                           <m:begChr m:val="{"/>
                           <m:endChr m:val=""/>
                           <m:ctrlPr>
-                            <a:rPr lang="ro-RO" sz="1600" i="1"/>
+                            <a:rPr lang="ro-RO" sz="1600" i="1">
+                              <a:latin typeface="Cambria Math" panose="02040503050406030204" pitchFamily="18" charset="0"/>
+                            </a:rPr>
                           </m:ctrlPr>
                         </m:dPr>
                         <m:e>
                           <m:eqArr>
                             <m:eqArrPr>
                               <m:ctrlPr>
-                                <a:rPr lang="ro-RO" sz="1600" i="1"/>
+                                <a:rPr lang="ro-RO" sz="1600" i="1">
+                                  <a:latin typeface="Cambria Math" panose="02040503050406030204" pitchFamily="18" charset="0"/>
+                                </a:rPr>
                               </m:ctrlPr>
                             </m:eqArrPr>
                             <m:e>
                               <m:sSub>
                                 <m:sSubPr>
                                   <m:ctrlPr>
-                                    <a:rPr lang="ro-RO" sz="1600" i="1"/>
+                                    <a:rPr lang="ro-RO" sz="1600" i="1">
+                                      <a:latin typeface="Cambria Math" panose="02040503050406030204" pitchFamily="18" charset="0"/>
+                                    </a:rPr>
                                   </m:ctrlPr>
                                 </m:sSubPr>
                                 <m:e>
                                   <m:r>
-                                    <a:rPr lang="ro-RO" sz="1600" i="1"/>
+                                    <a:rPr lang="ro-RO" sz="1600" i="1">
+                                      <a:latin typeface="Cambria Math" panose="02040503050406030204" pitchFamily="18" charset="0"/>
+                                    </a:rPr>
                                     <m:t>𝑔</m:t>
                                   </m:r>
                                 </m:e>
                                 <m:sub>
                                   <m:r>
-                                    <a:rPr lang="ro-RO" sz="1600" i="1"/>
+                                    <a:rPr lang="ro-RO" sz="1600" i="1">
+                                      <a:latin typeface="Cambria Math" panose="02040503050406030204" pitchFamily="18" charset="0"/>
+                                    </a:rPr>
                                     <m:t>𝑖</m:t>
                                   </m:r>
                                 </m:sub>
                               </m:sSub>
                               <m:r>
-                                <a:rPr lang="ro-RO" sz="1600" i="1"/>
+                                <a:rPr lang="ro-RO" sz="1600" i="1">
+                                  <a:latin typeface="Cambria Math" panose="02040503050406030204" pitchFamily="18" charset="0"/>
+                                </a:rPr>
                                 <m:t>−</m:t>
                               </m:r>
                               <m:r>
-                                <a:rPr lang="ro-RO" sz="1600" i="1"/>
+                                <a:rPr lang="ro-RO" sz="1600" i="1">
+                                  <a:latin typeface="Cambria Math" panose="02040503050406030204" pitchFamily="18" charset="0"/>
+                                </a:rPr>
                                 <m:t>𝑐𝑒𝑖𝑙</m:t>
                               </m:r>
                               <m:d>
                                 <m:dPr>
                                   <m:ctrlPr>
-                                    <a:rPr lang="ro-RO" sz="1600" i="1"/>
+                                    <a:rPr lang="ro-RO" sz="1600" i="1">
+                                      <a:latin typeface="Cambria Math" panose="02040503050406030204" pitchFamily="18" charset="0"/>
+                                    </a:rPr>
                                   </m:ctrlPr>
                                 </m:dPr>
                                 <m:e>
                                   <m:f>
                                     <m:fPr>
                                       <m:ctrlPr>
-                                        <a:rPr lang="ro-RO" sz="1600" i="1"/>
+                                        <a:rPr lang="ro-RO" sz="1600" i="1">
+                                          <a:latin typeface="Cambria Math" panose="02040503050406030204" pitchFamily="18" charset="0"/>
+                                        </a:rPr>
                                       </m:ctrlPr>
                                     </m:fPr>
                                     <m:num>
                                       <m:r>
-                                        <a:rPr lang="ro-RO" sz="1600" i="1"/>
+                                        <a:rPr lang="ro-RO" sz="1600" i="1">
+                                          <a:latin typeface="Cambria Math" panose="02040503050406030204" pitchFamily="18" charset="0"/>
+                                        </a:rPr>
                                         <m:t>𝑚</m:t>
                                       </m:r>
                                     </m:num>
                                     <m:den>
                                       <m:r>
-                                        <a:rPr lang="ro-RO" sz="1600" i="1"/>
+                                        <a:rPr lang="ro-RO" sz="1600" i="1">
+                                          <a:latin typeface="Cambria Math" panose="02040503050406030204" pitchFamily="18" charset="0"/>
+                                        </a:rPr>
                                         <m:t>2</m:t>
                                       </m:r>
                                     </m:den>
@@ -8907,62 +8983,84 @@
                                 </m:e>
                               </m:d>
                               <m:r>
-                                <a:rPr lang="ro-RO" sz="1600" i="1"/>
+                                <a:rPr lang="ro-RO" sz="1600" i="1">
+                                  <a:latin typeface="Cambria Math" panose="02040503050406030204" pitchFamily="18" charset="0"/>
+                                </a:rPr>
                                 <m:t>, </m:t>
                               </m:r>
                               <m:sSub>
                                 <m:sSubPr>
                                   <m:ctrlPr>
-                                    <a:rPr lang="ro-RO" sz="1600" i="1"/>
+                                    <a:rPr lang="ro-RO" sz="1600" i="1">
+                                      <a:latin typeface="Cambria Math" panose="02040503050406030204" pitchFamily="18" charset="0"/>
+                                    </a:rPr>
                                   </m:ctrlPr>
                                 </m:sSubPr>
                                 <m:e>
                                   <m:r>
-                                    <a:rPr lang="ro-RO" sz="1600" i="1"/>
+                                    <a:rPr lang="ro-RO" sz="1600" i="1">
+                                      <a:latin typeface="Cambria Math" panose="02040503050406030204" pitchFamily="18" charset="0"/>
+                                    </a:rPr>
                                     <m:t>𝑔</m:t>
                                   </m:r>
                                 </m:e>
                                 <m:sub>
                                   <m:r>
-                                    <a:rPr lang="ro-RO" sz="1600" i="1"/>
+                                    <a:rPr lang="ro-RO" sz="1600" i="1">
+                                      <a:latin typeface="Cambria Math" panose="02040503050406030204" pitchFamily="18" charset="0"/>
+                                    </a:rPr>
                                     <m:t>𝑖</m:t>
                                   </m:r>
                                   <m:r>
-                                    <a:rPr lang="ro-RO" sz="1600" i="1"/>
+                                    <a:rPr lang="ro-RO" sz="1600" i="1">
+                                      <a:latin typeface="Cambria Math" panose="02040503050406030204" pitchFamily="18" charset="0"/>
+                                    </a:rPr>
                                     <m:t>+1</m:t>
                                   </m:r>
                                 </m:sub>
                               </m:sSub>
                               <m:r>
-                                <a:rPr lang="ro-RO" sz="1600" i="1"/>
+                                <a:rPr lang="ro-RO" sz="1600" i="1">
+                                  <a:latin typeface="Cambria Math" panose="02040503050406030204" pitchFamily="18" charset="0"/>
+                                </a:rPr>
                                 <m:t>+</m:t>
                               </m:r>
                               <m:r>
-                                <a:rPr lang="ro-RO" sz="1600" i="1"/>
+                                <a:rPr lang="ro-RO" sz="1600" i="1">
+                                  <a:latin typeface="Cambria Math" panose="02040503050406030204" pitchFamily="18" charset="0"/>
+                                </a:rPr>
                                 <m:t>𝑓𝑙𝑜𝑜𝑟</m:t>
                               </m:r>
                               <m:d>
                                 <m:dPr>
                                   <m:ctrlPr>
-                                    <a:rPr lang="ro-RO" sz="1600" i="1"/>
+                                    <a:rPr lang="ro-RO" sz="1600" i="1">
+                                      <a:latin typeface="Cambria Math" panose="02040503050406030204" pitchFamily="18" charset="0"/>
+                                    </a:rPr>
                                   </m:ctrlPr>
                                 </m:dPr>
                                 <m:e>
                                   <m:f>
                                     <m:fPr>
                                       <m:ctrlPr>
-                                        <a:rPr lang="ro-RO" sz="1600" i="1"/>
+                                        <a:rPr lang="ro-RO" sz="1600" i="1">
+                                          <a:latin typeface="Cambria Math" panose="02040503050406030204" pitchFamily="18" charset="0"/>
+                                        </a:rPr>
                                       </m:ctrlPr>
                                     </m:fPr>
                                     <m:num>
                                       <m:r>
-                                        <a:rPr lang="ro-RO" sz="1600" i="1"/>
+                                        <a:rPr lang="ro-RO" sz="1600" i="1">
+                                          <a:latin typeface="Cambria Math" panose="02040503050406030204" pitchFamily="18" charset="0"/>
+                                        </a:rPr>
                                         <m:t>𝑚</m:t>
                                       </m:r>
                                     </m:num>
                                     <m:den>
                                       <m:r>
-                                        <a:rPr lang="ro-RO" sz="1600" i="1"/>
+                                        <a:rPr lang="ro-RO" sz="1600" i="1">
+                                          <a:latin typeface="Cambria Math" panose="02040503050406030204" pitchFamily="18" charset="0"/>
+                                        </a:rPr>
                                         <m:t>2</m:t>
                                       </m:r>
                                     </m:den>
@@ -8970,27 +9068,39 @@
                                 </m:e>
                               </m:d>
                               <m:r>
-                                <a:rPr lang="ro-RO" sz="1600" i="1"/>
+                                <a:rPr lang="ro-RO" sz="1600" i="1">
+                                  <a:latin typeface="Cambria Math" panose="02040503050406030204" pitchFamily="18" charset="0"/>
+                                </a:rPr>
                                 <m:t>, </m:t>
                               </m:r>
                               <m:r>
-                                <a:rPr lang="ro-RO" sz="1600" i="1"/>
+                                <a:rPr lang="ro-RO" sz="1600" i="1">
+                                  <a:latin typeface="Cambria Math" panose="02040503050406030204" pitchFamily="18" charset="0"/>
+                                </a:rPr>
                                 <m:t>𝑝𝑒𝑛𝑡𝑟𝑢</m:t>
                               </m:r>
                               <m:r>
-                                <a:rPr lang="ro-RO" sz="1600" i="1"/>
+                                <a:rPr lang="ro-RO" sz="1600" i="1">
+                                  <a:latin typeface="Cambria Math" panose="02040503050406030204" pitchFamily="18" charset="0"/>
+                                </a:rPr>
                                 <m:t> </m:t>
                               </m:r>
                               <m:r>
-                                <a:rPr lang="ro-RO" sz="1600" i="1"/>
+                                <a:rPr lang="ro-RO" sz="1600" i="1">
+                                  <a:latin typeface="Cambria Math" panose="02040503050406030204" pitchFamily="18" charset="0"/>
+                                </a:rPr>
                                 <m:t>𝑑</m:t>
                               </m:r>
                               <m:r>
-                                <a:rPr lang="ro-RO" sz="1600" i="1"/>
+                                <a:rPr lang="ro-RO" sz="1600" i="1">
+                                  <a:latin typeface="Cambria Math" panose="02040503050406030204" pitchFamily="18" charset="0"/>
+                                </a:rPr>
                                 <m:t> </m:t>
                               </m:r>
                               <m:r>
-                                <a:rPr lang="ro-RO" sz="1600" i="1"/>
+                                <a:rPr lang="ro-RO" sz="1600" i="1">
+                                  <a:latin typeface="Cambria Math" panose="02040503050406030204" pitchFamily="18" charset="0"/>
+                                </a:rPr>
                                 <m:t>𝑖𝑚𝑝𝑎𝑟</m:t>
                               </m:r>
                             </m:e>
@@ -8998,52 +9108,70 @@
                               <m:sSub>
                                 <m:sSubPr>
                                   <m:ctrlPr>
-                                    <a:rPr lang="ro-RO" sz="1600" i="1"/>
+                                    <a:rPr lang="ro-RO" sz="1600" i="1">
+                                      <a:latin typeface="Cambria Math" panose="02040503050406030204" pitchFamily="18" charset="0"/>
+                                    </a:rPr>
                                   </m:ctrlPr>
                                 </m:sSubPr>
                                 <m:e>
                                   <m:r>
-                                    <a:rPr lang="ro-RO" sz="1600" i="1"/>
+                                    <a:rPr lang="ro-RO" sz="1600" i="1">
+                                      <a:latin typeface="Cambria Math" panose="02040503050406030204" pitchFamily="18" charset="0"/>
+                                    </a:rPr>
                                     <m:t>𝑔</m:t>
                                   </m:r>
                                 </m:e>
                                 <m:sub>
                                   <m:r>
-                                    <a:rPr lang="ro-RO" sz="1600" i="1"/>
+                                    <a:rPr lang="ro-RO" sz="1600" i="1">
+                                      <a:latin typeface="Cambria Math" panose="02040503050406030204" pitchFamily="18" charset="0"/>
+                                    </a:rPr>
                                     <m:t>𝑖</m:t>
                                   </m:r>
                                 </m:sub>
                               </m:sSub>
                               <m:r>
-                                <a:rPr lang="ro-RO" sz="1600" i="1"/>
+                                <a:rPr lang="ro-RO" sz="1600" i="1">
+                                  <a:latin typeface="Cambria Math" panose="02040503050406030204" pitchFamily="18" charset="0"/>
+                                </a:rPr>
                                 <m:t>−</m:t>
                               </m:r>
                               <m:r>
-                                <a:rPr lang="ro-RO" sz="1600" i="1"/>
+                                <a:rPr lang="ro-RO" sz="1600" i="1">
+                                  <a:latin typeface="Cambria Math" panose="02040503050406030204" pitchFamily="18" charset="0"/>
+                                </a:rPr>
                                 <m:t>𝑓𝑙𝑜𝑜𝑟</m:t>
                               </m:r>
                               <m:d>
                                 <m:dPr>
                                   <m:ctrlPr>
-                                    <a:rPr lang="ro-RO" sz="1600" i="1"/>
+                                    <a:rPr lang="ro-RO" sz="1600" i="1">
+                                      <a:latin typeface="Cambria Math" panose="02040503050406030204" pitchFamily="18" charset="0"/>
+                                    </a:rPr>
                                   </m:ctrlPr>
                                 </m:dPr>
                                 <m:e>
                                   <m:f>
                                     <m:fPr>
                                       <m:ctrlPr>
-                                        <a:rPr lang="ro-RO" sz="1600" i="1"/>
+                                        <a:rPr lang="ro-RO" sz="1600" i="1">
+                                          <a:latin typeface="Cambria Math" panose="02040503050406030204" pitchFamily="18" charset="0"/>
+                                        </a:rPr>
                                       </m:ctrlPr>
                                     </m:fPr>
                                     <m:num>
                                       <m:r>
-                                        <a:rPr lang="ro-RO" sz="1600" i="1"/>
+                                        <a:rPr lang="ro-RO" sz="1600" i="1">
+                                          <a:latin typeface="Cambria Math" panose="02040503050406030204" pitchFamily="18" charset="0"/>
+                                        </a:rPr>
                                         <m:t>𝑚</m:t>
                                       </m:r>
                                     </m:num>
                                     <m:den>
                                       <m:r>
-                                        <a:rPr lang="ro-RO" sz="1600" i="1"/>
+                                        <a:rPr lang="ro-RO" sz="1600" i="1">
+                                          <a:latin typeface="Cambria Math" panose="02040503050406030204" pitchFamily="18" charset="0"/>
+                                        </a:rPr>
                                         <m:t>2</m:t>
                                       </m:r>
                                     </m:den>
@@ -9051,62 +9179,84 @@
                                 </m:e>
                               </m:d>
                               <m:r>
-                                <a:rPr lang="ro-RO" sz="1600" i="1"/>
+                                <a:rPr lang="ro-RO" sz="1600" i="1">
+                                  <a:latin typeface="Cambria Math" panose="02040503050406030204" pitchFamily="18" charset="0"/>
+                                </a:rPr>
                                 <m:t>, </m:t>
                               </m:r>
                               <m:sSub>
                                 <m:sSubPr>
                                   <m:ctrlPr>
-                                    <a:rPr lang="ro-RO" sz="1600" i="1"/>
+                                    <a:rPr lang="ro-RO" sz="1600" i="1">
+                                      <a:latin typeface="Cambria Math" panose="02040503050406030204" pitchFamily="18" charset="0"/>
+                                    </a:rPr>
                                   </m:ctrlPr>
                                 </m:sSubPr>
                                 <m:e>
                                   <m:r>
-                                    <a:rPr lang="ro-RO" sz="1600" i="1"/>
+                                    <a:rPr lang="ro-RO" sz="1600" i="1">
+                                      <a:latin typeface="Cambria Math" panose="02040503050406030204" pitchFamily="18" charset="0"/>
+                                    </a:rPr>
                                     <m:t>𝑔</m:t>
                                   </m:r>
                                 </m:e>
                                 <m:sub>
                                   <m:r>
-                                    <a:rPr lang="ro-RO" sz="1600" i="1"/>
+                                    <a:rPr lang="ro-RO" sz="1600" i="1">
+                                      <a:latin typeface="Cambria Math" panose="02040503050406030204" pitchFamily="18" charset="0"/>
+                                    </a:rPr>
                                     <m:t>𝑖</m:t>
                                   </m:r>
                                   <m:r>
-                                    <a:rPr lang="ro-RO" sz="1600" i="1"/>
+                                    <a:rPr lang="ro-RO" sz="1600" i="1">
+                                      <a:latin typeface="Cambria Math" panose="02040503050406030204" pitchFamily="18" charset="0"/>
+                                    </a:rPr>
                                     <m:t>+1</m:t>
                                   </m:r>
                                 </m:sub>
                               </m:sSub>
                               <m:r>
-                                <a:rPr lang="ro-RO" sz="1600" i="1"/>
+                                <a:rPr lang="ro-RO" sz="1600" i="1">
+                                  <a:latin typeface="Cambria Math" panose="02040503050406030204" pitchFamily="18" charset="0"/>
+                                </a:rPr>
                                 <m:t>+</m:t>
                               </m:r>
                               <m:r>
-                                <a:rPr lang="ro-RO" sz="1600" i="1"/>
+                                <a:rPr lang="ro-RO" sz="1600" i="1">
+                                  <a:latin typeface="Cambria Math" panose="02040503050406030204" pitchFamily="18" charset="0"/>
+                                </a:rPr>
                                 <m:t>𝑐𝑒𝑖𝑙</m:t>
                               </m:r>
                               <m:d>
                                 <m:dPr>
                                   <m:ctrlPr>
-                                    <a:rPr lang="ro-RO" sz="1600" i="1"/>
+                                    <a:rPr lang="ro-RO" sz="1600" i="1">
+                                      <a:latin typeface="Cambria Math" panose="02040503050406030204" pitchFamily="18" charset="0"/>
+                                    </a:rPr>
                                   </m:ctrlPr>
                                 </m:dPr>
                                 <m:e>
                                   <m:f>
                                     <m:fPr>
                                       <m:ctrlPr>
-                                        <a:rPr lang="ro-RO" sz="1600" i="1"/>
+                                        <a:rPr lang="ro-RO" sz="1600" i="1">
+                                          <a:latin typeface="Cambria Math" panose="02040503050406030204" pitchFamily="18" charset="0"/>
+                                        </a:rPr>
                                       </m:ctrlPr>
                                     </m:fPr>
                                     <m:num>
                                       <m:r>
-                                        <a:rPr lang="ro-RO" sz="1600" i="1"/>
+                                        <a:rPr lang="ro-RO" sz="1600" i="1">
+                                          <a:latin typeface="Cambria Math" panose="02040503050406030204" pitchFamily="18" charset="0"/>
+                                        </a:rPr>
                                         <m:t>𝑚</m:t>
                                       </m:r>
                                     </m:num>
                                     <m:den>
                                       <m:r>
-                                        <a:rPr lang="ro-RO" sz="1600" i="1"/>
+                                        <a:rPr lang="ro-RO" sz="1600" i="1">
+                                          <a:latin typeface="Cambria Math" panose="02040503050406030204" pitchFamily="18" charset="0"/>
+                                        </a:rPr>
                                         <m:t>2</m:t>
                                       </m:r>
                                     </m:den>
@@ -9114,27 +9264,39 @@
                                 </m:e>
                               </m:d>
                               <m:r>
-                                <a:rPr lang="ro-RO" sz="1600" i="1"/>
+                                <a:rPr lang="ro-RO" sz="1600" i="1">
+                                  <a:latin typeface="Cambria Math" panose="02040503050406030204" pitchFamily="18" charset="0"/>
+                                </a:rPr>
                                 <m:t>, </m:t>
                               </m:r>
                               <m:r>
-                                <a:rPr lang="ro-RO" sz="1600" i="1"/>
+                                <a:rPr lang="ro-RO" sz="1600" i="1">
+                                  <a:latin typeface="Cambria Math" panose="02040503050406030204" pitchFamily="18" charset="0"/>
+                                </a:rPr>
                                 <m:t>𝑝𝑒𝑛𝑡𝑟𝑢</m:t>
                               </m:r>
                               <m:r>
-                                <a:rPr lang="ro-RO" sz="1600" i="1"/>
+                                <a:rPr lang="ro-RO" sz="1600" i="1">
+                                  <a:latin typeface="Cambria Math" panose="02040503050406030204" pitchFamily="18" charset="0"/>
+                                </a:rPr>
                                 <m:t> </m:t>
                               </m:r>
                               <m:r>
-                                <a:rPr lang="ro-RO" sz="1600" i="1"/>
+                                <a:rPr lang="ro-RO" sz="1600" i="1">
+                                  <a:latin typeface="Cambria Math" panose="02040503050406030204" pitchFamily="18" charset="0"/>
+                                </a:rPr>
                                 <m:t>𝑑</m:t>
                               </m:r>
                               <m:r>
-                                <a:rPr lang="ro-RO" sz="1600" i="1"/>
+                                <a:rPr lang="ro-RO" sz="1600" i="1">
+                                  <a:latin typeface="Cambria Math" panose="02040503050406030204" pitchFamily="18" charset="0"/>
+                                </a:rPr>
                                 <m:t> </m:t>
                               </m:r>
                               <m:r>
-                                <a:rPr lang="ro-RO" sz="1600" i="1"/>
+                                <a:rPr lang="ro-RO" sz="1600" i="1">
+                                  <a:latin typeface="Cambria Math" panose="02040503050406030204" pitchFamily="18" charset="0"/>
+                                </a:rPr>
                                 <m:t>𝑝𝑎𝑟</m:t>
                               </m:r>
                             </m:e>
@@ -9163,27 +9325,39 @@
                     </m:oMathParaPr>
                     <m:oMath xmlns:m="http://schemas.openxmlformats.org/officeDocument/2006/math">
                       <m:r>
-                        <a:rPr lang="ro-RO" sz="1600" i="1"/>
+                        <a:rPr lang="ro-RO" sz="1600" i="1">
+                          <a:latin typeface="Cambria Math" panose="02040503050406030204" pitchFamily="18" charset="0"/>
+                        </a:rPr>
                         <m:t>𝑚</m:t>
                       </m:r>
                       <m:r>
-                        <a:rPr lang="ro-RO" sz="1600" i="1"/>
+                        <a:rPr lang="ro-RO" sz="1600" i="1">
+                          <a:latin typeface="Cambria Math" panose="02040503050406030204" pitchFamily="18" charset="0"/>
+                        </a:rPr>
                         <m:t>=</m:t>
                       </m:r>
                       <m:r>
-                        <a:rPr lang="ro-RO" sz="1600" i="1"/>
+                        <a:rPr lang="ro-RO" sz="1600" i="1">
+                          <a:latin typeface="Cambria Math" panose="02040503050406030204" pitchFamily="18" charset="0"/>
+                        </a:rPr>
                         <m:t>𝑑</m:t>
                       </m:r>
                       <m:r>
-                        <a:rPr lang="ro-RO" sz="1600" i="1"/>
+                        <a:rPr lang="ro-RO" sz="1600" i="1">
+                          <a:latin typeface="Cambria Math" panose="02040503050406030204" pitchFamily="18" charset="0"/>
+                        </a:rPr>
                         <m:t>−</m:t>
                       </m:r>
                       <m:r>
-                        <a:rPr lang="ro-RO" sz="1600" i="1"/>
+                        <a:rPr lang="ro-RO" sz="1600" i="1">
+                          <a:latin typeface="Cambria Math" panose="02040503050406030204" pitchFamily="18" charset="0"/>
+                        </a:rPr>
                         <m:t>𝑑</m:t>
                       </m:r>
                       <m:r>
-                        <a:rPr lang="ro-RO" sz="1600" i="1"/>
+                        <a:rPr lang="ro-RO" sz="1600" i="1">
+                          <a:latin typeface="Cambria Math" panose="02040503050406030204" pitchFamily="18" charset="0"/>
+                        </a:rPr>
                         <m:t>′</m:t>
                       </m:r>
                     </m:oMath>
@@ -9194,7 +9368,7 @@
             </p:txBody>
           </p:sp>
         </mc:Choice>
-        <mc:Fallback>
+        <mc:Fallback xmlns="">
           <p:sp>
             <p:nvSpPr>
               <p:cNvPr id="3" name="Content Placeholder 2"/>
@@ -9289,8 +9463,8 @@
           </a:p>
         </p:txBody>
       </p:sp>
-      <mc:AlternateContent xmlns:mc="http://schemas.openxmlformats.org/markup-compatibility/2006">
-        <mc:Choice xmlns:a14="http://schemas.microsoft.com/office/drawing/2010/main" Requires="a14">
+      <mc:AlternateContent xmlns:mc="http://schemas.openxmlformats.org/markup-compatibility/2006" xmlns:a14="http://schemas.microsoft.com/office/drawing/2010/main">
+        <mc:Choice Requires="a14">
           <p:sp>
             <p:nvSpPr>
               <p:cNvPr id="3" name="Content Placeholder 2"/>
@@ -9671,7 +9845,7 @@
             </p:txBody>
           </p:sp>
         </mc:Choice>
-        <mc:Fallback>
+        <mc:Fallback xmlns="">
           <p:sp>
             <p:nvSpPr>
               <p:cNvPr id="3" name="Content Placeholder 2"/>
@@ -10196,7 +10370,12 @@
             <p:ph type="title"/>
           </p:nvPr>
         </p:nvSpPr>
-        <p:spPr/>
+        <p:spPr>
+          <a:xfrm>
+            <a:off x="252919" y="1123837"/>
+            <a:ext cx="2947482" cy="4601183"/>
+          </a:xfrm>
+        </p:spPr>
         <p:txBody>
           <a:bodyPr/>
           <a:lstStyle/>
@@ -10223,7 +10402,12 @@
             <p:ph idx="1"/>
           </p:nvPr>
         </p:nvSpPr>
-        <p:spPr/>
+        <p:spPr>
+          <a:xfrm>
+            <a:off x="3869268" y="864108"/>
+            <a:ext cx="7315200" cy="5120640"/>
+          </a:xfrm>
+        </p:spPr>
         <p:txBody>
           <a:bodyPr/>
           <a:lstStyle/>
@@ -10242,11 +10426,35 @@
           <a:p>
             <a:r>
               <a:rPr lang="ro-RO" dirty="0" smtClean="0"/>
-              <a:t>Algoritmul lui Canny are ca parametri pragul superior și pragul inferior (după care se selectează muchiile) și lățimea matricei </a:t>
+              <a:t>Algoritmul lui Canny are ca parametri pragul superior și pragul inferior (după care se selectează muchiile) și </a:t>
+            </a:r>
+            <a:r>
+              <a:rPr lang="en-GB" dirty="0" err="1" smtClean="0"/>
+              <a:t>dimensiunea</a:t>
+            </a:r>
+            <a:r>
+              <a:rPr lang="en-GB" dirty="0" smtClean="0"/>
+              <a:t> </a:t>
+            </a:r>
+            <a:r>
+              <a:rPr lang="en-GB" dirty="0" err="1" smtClean="0"/>
+              <a:t>filtrului</a:t>
+            </a:r>
+            <a:r>
+              <a:rPr lang="en-GB" dirty="0" smtClean="0"/>
+              <a:t> </a:t>
             </a:r>
             <a:r>
               <a:rPr lang="ro-RO" dirty="0" smtClean="0"/>
-              <a:t>Gaussiene</a:t>
+              <a:t>Gaussi</a:t>
+            </a:r>
+            <a:r>
+              <a:rPr lang="en-GB" dirty="0" smtClean="0"/>
+              <a:t>a</a:t>
+            </a:r>
+            <a:r>
+              <a:rPr lang="ro-RO" dirty="0" smtClean="0"/>
+              <a:t>n</a:t>
             </a:r>
             <a:endParaRPr lang="en-GB" dirty="0" smtClean="0"/>
           </a:p>
@@ -10263,7 +10471,6 @@
               <a:rPr lang="ro-RO" dirty="0" smtClean="0"/>
               <a:t>ă o mască asupra imaginii (în funcție de căți LSB folosim) </a:t>
             </a:r>
-            <a:endParaRPr lang="ro-RO" dirty="0" smtClean="0"/>
           </a:p>
           <a:p>
             <a:endParaRPr lang="ro-RO" dirty="0" smtClean="0"/>
@@ -10337,8 +10544,8 @@
           </a:p>
         </p:txBody>
       </p:sp>
-      <mc:AlternateContent xmlns:mc="http://schemas.openxmlformats.org/markup-compatibility/2006">
-        <mc:Choice xmlns:a14="http://schemas.microsoft.com/office/drawing/2010/main" Requires="a14">
+      <mc:AlternateContent xmlns:mc="http://schemas.openxmlformats.org/markup-compatibility/2006" xmlns:a14="http://schemas.microsoft.com/office/drawing/2010/main">
+        <mc:Choice Requires="a14">
           <p:sp>
             <p:nvSpPr>
               <p:cNvPr id="3" name="Content Placeholder 2"/>
@@ -11042,7 +11249,7 @@
             </p:txBody>
           </p:sp>
         </mc:Choice>
-        <mc:Fallback>
+        <mc:Fallback xmlns="">
           <p:sp>
             <p:nvSpPr>
               <p:cNvPr id="3" name="Content Placeholder 2"/>
@@ -11169,30 +11376,36 @@
             </a:r>
             <a:r>
               <a:rPr lang="ro-RO" dirty="0" smtClean="0"/>
-              <a:t>, aplic Canny pentru a obține muchiile în care încorporăm</a:t>
-            </a:r>
-            <a:endParaRPr lang="ro-RO" dirty="0" smtClean="0"/>
-          </a:p>
-          <a:p>
+              <a:t>, </a:t>
+            </a:r>
             <a:r>
               <a:rPr lang="ro-RO" dirty="0" smtClean="0"/>
-              <a:t>Algoritmul </a:t>
+              <a:t>aplic</a:t>
             </a:r>
             <a:r>
               <a:rPr lang="ro-RO" dirty="0" smtClean="0"/>
-              <a:t>implică și utilizarea unei ”stego-chei”, cu ajutorul căreia se modifică ordinea în care sunt folosiți pixelii pentru încorporare</a:t>
-            </a:r>
-          </a:p>
-          <a:p>
+              <a:t>ăm</a:t>
+            </a:r>
             <a:r>
               <a:rPr lang="ro-RO" dirty="0" smtClean="0"/>
-              <a:t>Fiindcă receptorul nu are la îndemână pragul și lățimea utilizate, acestea sunt introduse în alte părți ale </a:t>
+              <a:t> </a:t>
             </a:r>
             <a:r>
               <a:rPr lang="ro-RO" dirty="0" smtClean="0"/>
-              <a:t>imaginii (dar nu în muchii)</a:t>
-            </a:r>
-            <a:endParaRPr lang="ro-RO" dirty="0" smtClean="0"/>
+              <a:t>Canny pentru a obține muchiile în care încorporăm</a:t>
+            </a:r>
+          </a:p>
+          <a:p>
+            <a:r>
+              <a:rPr lang="ro-RO" dirty="0" smtClean="0"/>
+              <a:t>Algoritmul implică și utilizarea unei ”stego-chei”, cu ajutorul căreia se modifică ordinea în care sunt folosiți pixelii pentru încorporare</a:t>
+            </a:r>
+          </a:p>
+          <a:p>
+            <a:r>
+              <a:rPr lang="ro-RO" dirty="0" smtClean="0"/>
+              <a:t>Fiindcă receptorul nu are la îndemână pragul și lățimea utilizate, acestea sunt introduse în alte părți ale imaginii (dar nu în muchii)</a:t>
+            </a:r>
           </a:p>
           <a:p>
             <a:r>
@@ -11613,13 +11826,8 @@
           <a:p>
             <a:r>
               <a:rPr lang="ro-RO" dirty="0" smtClean="0"/>
-              <a:t>Aplică transformata Cosinus Discretă pe blocuri de dimensiune 8 * 8 din </a:t>
-            </a:r>
-            <a:r>
-              <a:rPr lang="ro-RO" dirty="0" smtClean="0"/>
-              <a:t>imagine</a:t>
-            </a:r>
-            <a:endParaRPr lang="ro-RO" dirty="0" smtClean="0"/>
+              <a:t>Aplică transformata Cosinus Discretă pe blocuri de dimensiune 8 * 8 din imagine</a:t>
+            </a:r>
           </a:p>
           <a:p>
             <a:r>
@@ -11717,23 +11925,7 @@
           <a:p>
             <a:r>
               <a:rPr lang="ro-RO" dirty="0" smtClean="0"/>
-              <a:t>Algoritmul poate fi </a:t>
-            </a:r>
-            <a:r>
-              <a:rPr lang="ro-RO" dirty="0" smtClean="0"/>
-              <a:t>schimbat</a:t>
-            </a:r>
-            <a:r>
-              <a:rPr lang="ro-RO" dirty="0" smtClean="0"/>
-              <a:t> </a:t>
-            </a:r>
-            <a:r>
-              <a:rPr lang="ro-RO" dirty="0" smtClean="0"/>
-              <a:t>pentru a folosi un număr diferit de coeficienți, în funcție de dimensiunea </a:t>
-            </a:r>
-            <a:r>
-              <a:rPr lang="ro-RO" dirty="0" smtClean="0"/>
-              <a:t>mesajului</a:t>
+              <a:t>Algoritmul poate fi schimbat pentru a folosi un număr diferit de coeficienți, în funcție de dimensiunea mesajului</a:t>
             </a:r>
           </a:p>
           <a:p>
